--- a/Chapter23/힙.pptx
+++ b/Chapter23/힙.pptx
@@ -22,6 +22,7 @@
     <p:sldId id="272" r:id="rId16"/>
     <p:sldId id="273" r:id="rId17"/>
     <p:sldId id="281" r:id="rId18"/>
+    <p:sldId id="282" r:id="rId19"/>
   </p:sldIdLst>
   <p:sldSz cx="12192000" cy="6858000"/>
   <p:notesSz cx="6858000" cy="9144000"/>
@@ -120,6 +121,11 @@
       </a:defRPr>
     </a:lvl9pPr>
   </p:defaultTextStyle>
+  <p:extLst>
+    <p:ext uri="{EFAFB233-063F-42B5-8137-9DF3F51BA10A}">
+      <p15:sldGuideLst xmlns:p15="http://schemas.microsoft.com/office/powerpoint/2012/main"/>
+    </p:ext>
+  </p:extLst>
 </p:presentation>
 </file>
 
@@ -274,7 +280,7 @@
           <a:p>
             <a:fld id="{44B6D631-7F3A-41F1-B3A5-312D5064F1E9}" type="datetimeFigureOut">
               <a:rPr lang="ko-KR" altLang="en-US" smtClean="0"/>
-              <a:t>2018-01-06</a:t>
+              <a:t>2018-01-07</a:t>
             </a:fld>
             <a:endParaRPr lang="ko-KR" altLang="en-US"/>
           </a:p>
@@ -472,7 +478,7 @@
           <a:p>
             <a:fld id="{44B6D631-7F3A-41F1-B3A5-312D5064F1E9}" type="datetimeFigureOut">
               <a:rPr lang="ko-KR" altLang="en-US" smtClean="0"/>
-              <a:t>2018-01-06</a:t>
+              <a:t>2018-01-07</a:t>
             </a:fld>
             <a:endParaRPr lang="ko-KR" altLang="en-US"/>
           </a:p>
@@ -680,7 +686,7 @@
           <a:p>
             <a:fld id="{44B6D631-7F3A-41F1-B3A5-312D5064F1E9}" type="datetimeFigureOut">
               <a:rPr lang="ko-KR" altLang="en-US" smtClean="0"/>
-              <a:t>2018-01-06</a:t>
+              <a:t>2018-01-07</a:t>
             </a:fld>
             <a:endParaRPr lang="ko-KR" altLang="en-US"/>
           </a:p>
@@ -878,7 +884,7 @@
           <a:p>
             <a:fld id="{44B6D631-7F3A-41F1-B3A5-312D5064F1E9}" type="datetimeFigureOut">
               <a:rPr lang="ko-KR" altLang="en-US" smtClean="0"/>
-              <a:t>2018-01-06</a:t>
+              <a:t>2018-01-07</a:t>
             </a:fld>
             <a:endParaRPr lang="ko-KR" altLang="en-US"/>
           </a:p>
@@ -1153,7 +1159,7 @@
           <a:p>
             <a:fld id="{44B6D631-7F3A-41F1-B3A5-312D5064F1E9}" type="datetimeFigureOut">
               <a:rPr lang="ko-KR" altLang="en-US" smtClean="0"/>
-              <a:t>2018-01-06</a:t>
+              <a:t>2018-01-07</a:t>
             </a:fld>
             <a:endParaRPr lang="ko-KR" altLang="en-US"/>
           </a:p>
@@ -1418,7 +1424,7 @@
           <a:p>
             <a:fld id="{44B6D631-7F3A-41F1-B3A5-312D5064F1E9}" type="datetimeFigureOut">
               <a:rPr lang="ko-KR" altLang="en-US" smtClean="0"/>
-              <a:t>2018-01-06</a:t>
+              <a:t>2018-01-07</a:t>
             </a:fld>
             <a:endParaRPr lang="ko-KR" altLang="en-US"/>
           </a:p>
@@ -1830,7 +1836,7 @@
           <a:p>
             <a:fld id="{44B6D631-7F3A-41F1-B3A5-312D5064F1E9}" type="datetimeFigureOut">
               <a:rPr lang="ko-KR" altLang="en-US" smtClean="0"/>
-              <a:t>2018-01-06</a:t>
+              <a:t>2018-01-07</a:t>
             </a:fld>
             <a:endParaRPr lang="ko-KR" altLang="en-US"/>
           </a:p>
@@ -1971,7 +1977,7 @@
           <a:p>
             <a:fld id="{44B6D631-7F3A-41F1-B3A5-312D5064F1E9}" type="datetimeFigureOut">
               <a:rPr lang="ko-KR" altLang="en-US" smtClean="0"/>
-              <a:t>2018-01-06</a:t>
+              <a:t>2018-01-07</a:t>
             </a:fld>
             <a:endParaRPr lang="ko-KR" altLang="en-US"/>
           </a:p>
@@ -2084,7 +2090,7 @@
           <a:p>
             <a:fld id="{44B6D631-7F3A-41F1-B3A5-312D5064F1E9}" type="datetimeFigureOut">
               <a:rPr lang="ko-KR" altLang="en-US" smtClean="0"/>
-              <a:t>2018-01-06</a:t>
+              <a:t>2018-01-07</a:t>
             </a:fld>
             <a:endParaRPr lang="ko-KR" altLang="en-US"/>
           </a:p>
@@ -2395,7 +2401,7 @@
           <a:p>
             <a:fld id="{44B6D631-7F3A-41F1-B3A5-312D5064F1E9}" type="datetimeFigureOut">
               <a:rPr lang="ko-KR" altLang="en-US" smtClean="0"/>
-              <a:t>2018-01-06</a:t>
+              <a:t>2018-01-07</a:t>
             </a:fld>
             <a:endParaRPr lang="ko-KR" altLang="en-US"/>
           </a:p>
@@ -2683,7 +2689,7 @@
           <a:p>
             <a:fld id="{44B6D631-7F3A-41F1-B3A5-312D5064F1E9}" type="datetimeFigureOut">
               <a:rPr lang="ko-KR" altLang="en-US" smtClean="0"/>
-              <a:t>2018-01-06</a:t>
+              <a:t>2018-01-07</a:t>
             </a:fld>
             <a:endParaRPr lang="ko-KR" altLang="en-US"/>
           </a:p>
@@ -2924,7 +2930,7 @@
           <a:p>
             <a:fld id="{44B6D631-7F3A-41F1-B3A5-312D5064F1E9}" type="datetimeFigureOut">
               <a:rPr lang="ko-KR" altLang="en-US" smtClean="0"/>
-              <a:t>2018-01-06</a:t>
+              <a:t>2018-01-07</a:t>
             </a:fld>
             <a:endParaRPr lang="ko-KR" altLang="en-US"/>
           </a:p>
@@ -4646,6 +4652,2656 @@
     <p:extLst>
       <p:ext uri="{BB962C8B-B14F-4D97-AF65-F5344CB8AC3E}">
         <p14:creationId xmlns:p14="http://schemas.microsoft.com/office/powerpoint/2010/main" val="2805038834"/>
+      </p:ext>
+    </p:extLst>
+  </p:cSld>
+  <p:clrMapOvr>
+    <a:masterClrMapping/>
+  </p:clrMapOvr>
+</p:sld>
+</file>
+
+<file path=ppt/slides/slide18.xml><?xml version="1.0" encoding="utf-8"?>
+<p:sld xmlns:a="http://schemas.openxmlformats.org/drawingml/2006/main" xmlns:r="http://schemas.openxmlformats.org/officeDocument/2006/relationships" xmlns:p="http://schemas.openxmlformats.org/presentationml/2006/main">
+  <p:cSld>
+    <p:spTree>
+      <p:nvGrpSpPr>
+        <p:cNvPr id="1" name=""/>
+        <p:cNvGrpSpPr/>
+        <p:nvPr/>
+      </p:nvGrpSpPr>
+      <p:grpSpPr>
+        <a:xfrm>
+          <a:off x="0" y="0"/>
+          <a:ext cx="0" cy="0"/>
+          <a:chOff x="0" y="0"/>
+          <a:chExt cx="0" cy="0"/>
+        </a:xfrm>
+      </p:grpSpPr>
+      <p:sp>
+        <p:nvSpPr>
+          <p:cNvPr id="2" name="제목 1">
+            <a:extLst>
+              <a:ext uri="{FF2B5EF4-FFF2-40B4-BE49-F238E27FC236}">
+                <a16:creationId xmlns:a16="http://schemas.microsoft.com/office/drawing/2014/main" id="{64C5C47A-8A21-47BB-AD80-BFE8FF9FFA3E}"/>
+              </a:ext>
+            </a:extLst>
+          </p:cNvPr>
+          <p:cNvSpPr>
+            <a:spLocks noGrp="1"/>
+          </p:cNvSpPr>
+          <p:nvPr>
+            <p:ph type="title"/>
+          </p:nvPr>
+        </p:nvSpPr>
+        <p:spPr/>
+        <p:txBody>
+          <a:bodyPr/>
+          <a:lstStyle/>
+          <a:p>
+            <a:r>
+              <a:rPr lang="ko-KR" altLang="en-US" dirty="0"/>
+              <a:t>변화하는 중간 값</a:t>
+            </a:r>
+          </a:p>
+        </p:txBody>
+      </p:sp>
+      <p:graphicFrame>
+        <p:nvGraphicFramePr>
+          <p:cNvPr id="3" name="표 2">
+            <a:extLst>
+              <a:ext uri="{FF2B5EF4-FFF2-40B4-BE49-F238E27FC236}">
+                <a16:creationId xmlns:a16="http://schemas.microsoft.com/office/drawing/2014/main" id="{26345D84-455B-4E1A-87C2-2AE4046834F8}"/>
+              </a:ext>
+            </a:extLst>
+          </p:cNvPr>
+          <p:cNvGraphicFramePr>
+            <a:graphicFrameLocks noGrp="1"/>
+          </p:cNvGraphicFramePr>
+          <p:nvPr>
+            <p:extLst>
+              <p:ext uri="{D42A27DB-BD31-4B8C-83A1-F6EECF244321}">
+                <p14:modId xmlns:p14="http://schemas.microsoft.com/office/powerpoint/2010/main" val="1203064033"/>
+              </p:ext>
+            </p:extLst>
+          </p:nvPr>
+        </p:nvGraphicFramePr>
+        <p:xfrm>
+          <a:off x="1085898" y="1690688"/>
+          <a:ext cx="6460121" cy="4351338"/>
+        </p:xfrm>
+        <a:graphic>
+          <a:graphicData uri="http://schemas.openxmlformats.org/drawingml/2006/table">
+            <a:tbl>
+              <a:tblPr/>
+              <a:tblGrid>
+                <a:gridCol w="179868">
+                  <a:extLst>
+                    <a:ext uri="{9D8B030D-6E8A-4147-A177-3AD203B41FA5}">
+                      <a16:colId xmlns:a16="http://schemas.microsoft.com/office/drawing/2014/main" val="2351750317"/>
+                    </a:ext>
+                  </a:extLst>
+                </a:gridCol>
+                <a:gridCol w="6161798">
+                  <a:extLst>
+                    <a:ext uri="{9D8B030D-6E8A-4147-A177-3AD203B41FA5}">
+                      <a16:colId xmlns:a16="http://schemas.microsoft.com/office/drawing/2014/main" val="2707369922"/>
+                    </a:ext>
+                  </a:extLst>
+                </a:gridCol>
+                <a:gridCol w="118455">
+                  <a:extLst>
+                    <a:ext uri="{9D8B030D-6E8A-4147-A177-3AD203B41FA5}">
+                      <a16:colId xmlns:a16="http://schemas.microsoft.com/office/drawing/2014/main" val="3768489938"/>
+                    </a:ext>
+                  </a:extLst>
+                </a:gridCol>
+              </a:tblGrid>
+              <a:tr h="4351338">
+                <a:tc>
+                  <a:txBody>
+                    <a:bodyPr/>
+                    <a:lstStyle/>
+                    <a:p>
+                      <a:pPr marL="0" marR="0" algn="r" latinLnBrk="0">
+                        <a:lnSpc>
+                          <a:spcPct val="130000"/>
+                        </a:lnSpc>
+                        <a:spcBef>
+                          <a:spcPts val="0"/>
+                        </a:spcBef>
+                        <a:spcAft>
+                          <a:spcPts val="0"/>
+                        </a:spcAft>
+                      </a:pPr>
+                      <a:r>
+                        <a:rPr lang="en-US" altLang="ko-KR" sz="1000">
+                          <a:solidFill>
+                            <a:srgbClr val="AAAAAA"/>
+                          </a:solidFill>
+                          <a:effectLst/>
+                          <a:latin typeface="Consolas" panose="020B0609020204030204" pitchFamily="49" charset="0"/>
+                        </a:rPr>
+                        <a:t>1</a:t>
+                      </a:r>
+                    </a:p>
+                    <a:p>
+                      <a:pPr marL="0" marR="0" algn="r" latinLnBrk="0">
+                        <a:lnSpc>
+                          <a:spcPct val="130000"/>
+                        </a:lnSpc>
+                        <a:spcBef>
+                          <a:spcPts val="0"/>
+                        </a:spcBef>
+                        <a:spcAft>
+                          <a:spcPts val="0"/>
+                        </a:spcAft>
+                      </a:pPr>
+                      <a:r>
+                        <a:rPr lang="en-US" altLang="ko-KR" sz="1000">
+                          <a:solidFill>
+                            <a:srgbClr val="AAAAAA"/>
+                          </a:solidFill>
+                          <a:effectLst/>
+                          <a:latin typeface="Consolas" panose="020B0609020204030204" pitchFamily="49" charset="0"/>
+                        </a:rPr>
+                        <a:t>2</a:t>
+                      </a:r>
+                    </a:p>
+                    <a:p>
+                      <a:pPr marL="0" marR="0" algn="r" latinLnBrk="0">
+                        <a:lnSpc>
+                          <a:spcPct val="130000"/>
+                        </a:lnSpc>
+                        <a:spcBef>
+                          <a:spcPts val="0"/>
+                        </a:spcBef>
+                        <a:spcAft>
+                          <a:spcPts val="0"/>
+                        </a:spcAft>
+                      </a:pPr>
+                      <a:r>
+                        <a:rPr lang="en-US" altLang="ko-KR" sz="1000">
+                          <a:solidFill>
+                            <a:srgbClr val="AAAAAA"/>
+                          </a:solidFill>
+                          <a:effectLst/>
+                          <a:latin typeface="Consolas" panose="020B0609020204030204" pitchFamily="49" charset="0"/>
+                        </a:rPr>
+                        <a:t>3</a:t>
+                      </a:r>
+                    </a:p>
+                    <a:p>
+                      <a:pPr marL="0" marR="0" algn="r" latinLnBrk="0">
+                        <a:lnSpc>
+                          <a:spcPct val="130000"/>
+                        </a:lnSpc>
+                        <a:spcBef>
+                          <a:spcPts val="0"/>
+                        </a:spcBef>
+                        <a:spcAft>
+                          <a:spcPts val="0"/>
+                        </a:spcAft>
+                      </a:pPr>
+                      <a:r>
+                        <a:rPr lang="en-US" altLang="ko-KR" sz="1000">
+                          <a:solidFill>
+                            <a:srgbClr val="AAAAAA"/>
+                          </a:solidFill>
+                          <a:effectLst/>
+                          <a:latin typeface="Consolas" panose="020B0609020204030204" pitchFamily="49" charset="0"/>
+                        </a:rPr>
+                        <a:t>4</a:t>
+                      </a:r>
+                    </a:p>
+                    <a:p>
+                      <a:pPr marL="0" marR="0" algn="r" latinLnBrk="0">
+                        <a:lnSpc>
+                          <a:spcPct val="130000"/>
+                        </a:lnSpc>
+                        <a:spcBef>
+                          <a:spcPts val="0"/>
+                        </a:spcBef>
+                        <a:spcAft>
+                          <a:spcPts val="0"/>
+                        </a:spcAft>
+                      </a:pPr>
+                      <a:r>
+                        <a:rPr lang="en-US" altLang="ko-KR" sz="1000">
+                          <a:solidFill>
+                            <a:srgbClr val="AAAAAA"/>
+                          </a:solidFill>
+                          <a:effectLst/>
+                          <a:latin typeface="Consolas" panose="020B0609020204030204" pitchFamily="49" charset="0"/>
+                        </a:rPr>
+                        <a:t>5</a:t>
+                      </a:r>
+                    </a:p>
+                    <a:p>
+                      <a:pPr marL="0" marR="0" algn="r" latinLnBrk="0">
+                        <a:lnSpc>
+                          <a:spcPct val="130000"/>
+                        </a:lnSpc>
+                        <a:spcBef>
+                          <a:spcPts val="0"/>
+                        </a:spcBef>
+                        <a:spcAft>
+                          <a:spcPts val="0"/>
+                        </a:spcAft>
+                      </a:pPr>
+                      <a:r>
+                        <a:rPr lang="en-US" altLang="ko-KR" sz="1000">
+                          <a:solidFill>
+                            <a:srgbClr val="AAAAAA"/>
+                          </a:solidFill>
+                          <a:effectLst/>
+                          <a:latin typeface="Consolas" panose="020B0609020204030204" pitchFamily="49" charset="0"/>
+                        </a:rPr>
+                        <a:t>6</a:t>
+                      </a:r>
+                    </a:p>
+                    <a:p>
+                      <a:pPr marL="0" marR="0" algn="r" latinLnBrk="0">
+                        <a:lnSpc>
+                          <a:spcPct val="130000"/>
+                        </a:lnSpc>
+                        <a:spcBef>
+                          <a:spcPts val="0"/>
+                        </a:spcBef>
+                        <a:spcAft>
+                          <a:spcPts val="0"/>
+                        </a:spcAft>
+                      </a:pPr>
+                      <a:r>
+                        <a:rPr lang="en-US" altLang="ko-KR" sz="1000">
+                          <a:solidFill>
+                            <a:srgbClr val="AAAAAA"/>
+                          </a:solidFill>
+                          <a:effectLst/>
+                          <a:latin typeface="Consolas" panose="020B0609020204030204" pitchFamily="49" charset="0"/>
+                        </a:rPr>
+                        <a:t>7</a:t>
+                      </a:r>
+                    </a:p>
+                    <a:p>
+                      <a:pPr marL="0" marR="0" algn="r" latinLnBrk="0">
+                        <a:lnSpc>
+                          <a:spcPct val="130000"/>
+                        </a:lnSpc>
+                        <a:spcBef>
+                          <a:spcPts val="0"/>
+                        </a:spcBef>
+                        <a:spcAft>
+                          <a:spcPts val="0"/>
+                        </a:spcAft>
+                      </a:pPr>
+                      <a:r>
+                        <a:rPr lang="en-US" altLang="ko-KR" sz="1000">
+                          <a:solidFill>
+                            <a:srgbClr val="AAAAAA"/>
+                          </a:solidFill>
+                          <a:effectLst/>
+                          <a:latin typeface="Consolas" panose="020B0609020204030204" pitchFamily="49" charset="0"/>
+                        </a:rPr>
+                        <a:t>8</a:t>
+                      </a:r>
+                    </a:p>
+                    <a:p>
+                      <a:pPr marL="0" marR="0" algn="r" latinLnBrk="0">
+                        <a:lnSpc>
+                          <a:spcPct val="130000"/>
+                        </a:lnSpc>
+                        <a:spcBef>
+                          <a:spcPts val="0"/>
+                        </a:spcBef>
+                        <a:spcAft>
+                          <a:spcPts val="0"/>
+                        </a:spcAft>
+                      </a:pPr>
+                      <a:r>
+                        <a:rPr lang="en-US" altLang="ko-KR" sz="1000">
+                          <a:solidFill>
+                            <a:srgbClr val="AAAAAA"/>
+                          </a:solidFill>
+                          <a:effectLst/>
+                          <a:latin typeface="Consolas" panose="020B0609020204030204" pitchFamily="49" charset="0"/>
+                        </a:rPr>
+                        <a:t>9</a:t>
+                      </a:r>
+                    </a:p>
+                    <a:p>
+                      <a:pPr marL="0" marR="0" algn="r" latinLnBrk="0">
+                        <a:lnSpc>
+                          <a:spcPct val="130000"/>
+                        </a:lnSpc>
+                        <a:spcBef>
+                          <a:spcPts val="0"/>
+                        </a:spcBef>
+                        <a:spcAft>
+                          <a:spcPts val="0"/>
+                        </a:spcAft>
+                      </a:pPr>
+                      <a:r>
+                        <a:rPr lang="en-US" altLang="ko-KR" sz="1000">
+                          <a:solidFill>
+                            <a:srgbClr val="AAAAAA"/>
+                          </a:solidFill>
+                          <a:effectLst/>
+                          <a:latin typeface="Consolas" panose="020B0609020204030204" pitchFamily="49" charset="0"/>
+                        </a:rPr>
+                        <a:t>10</a:t>
+                      </a:r>
+                    </a:p>
+                    <a:p>
+                      <a:pPr marL="0" marR="0" algn="r" latinLnBrk="0">
+                        <a:lnSpc>
+                          <a:spcPct val="130000"/>
+                        </a:lnSpc>
+                        <a:spcBef>
+                          <a:spcPts val="0"/>
+                        </a:spcBef>
+                        <a:spcAft>
+                          <a:spcPts val="0"/>
+                        </a:spcAft>
+                      </a:pPr>
+                      <a:r>
+                        <a:rPr lang="en-US" altLang="ko-KR" sz="1000">
+                          <a:solidFill>
+                            <a:srgbClr val="AAAAAA"/>
+                          </a:solidFill>
+                          <a:effectLst/>
+                          <a:latin typeface="Consolas" panose="020B0609020204030204" pitchFamily="49" charset="0"/>
+                        </a:rPr>
+                        <a:t>11</a:t>
+                      </a:r>
+                    </a:p>
+                    <a:p>
+                      <a:pPr marL="0" marR="0" algn="r" latinLnBrk="0">
+                        <a:lnSpc>
+                          <a:spcPct val="130000"/>
+                        </a:lnSpc>
+                        <a:spcBef>
+                          <a:spcPts val="0"/>
+                        </a:spcBef>
+                        <a:spcAft>
+                          <a:spcPts val="0"/>
+                        </a:spcAft>
+                      </a:pPr>
+                      <a:r>
+                        <a:rPr lang="en-US" altLang="ko-KR" sz="1000">
+                          <a:solidFill>
+                            <a:srgbClr val="AAAAAA"/>
+                          </a:solidFill>
+                          <a:effectLst/>
+                          <a:latin typeface="Consolas" panose="020B0609020204030204" pitchFamily="49" charset="0"/>
+                        </a:rPr>
+                        <a:t>12</a:t>
+                      </a:r>
+                    </a:p>
+                    <a:p>
+                      <a:pPr marL="0" marR="0" algn="r" latinLnBrk="0">
+                        <a:lnSpc>
+                          <a:spcPct val="130000"/>
+                        </a:lnSpc>
+                        <a:spcBef>
+                          <a:spcPts val="0"/>
+                        </a:spcBef>
+                        <a:spcAft>
+                          <a:spcPts val="0"/>
+                        </a:spcAft>
+                      </a:pPr>
+                      <a:r>
+                        <a:rPr lang="en-US" altLang="ko-KR" sz="1000">
+                          <a:solidFill>
+                            <a:srgbClr val="AAAAAA"/>
+                          </a:solidFill>
+                          <a:effectLst/>
+                          <a:latin typeface="Consolas" panose="020B0609020204030204" pitchFamily="49" charset="0"/>
+                        </a:rPr>
+                        <a:t>13</a:t>
+                      </a:r>
+                    </a:p>
+                    <a:p>
+                      <a:pPr marL="0" marR="0" algn="r" latinLnBrk="0">
+                        <a:lnSpc>
+                          <a:spcPct val="130000"/>
+                        </a:lnSpc>
+                        <a:spcBef>
+                          <a:spcPts val="0"/>
+                        </a:spcBef>
+                        <a:spcAft>
+                          <a:spcPts val="0"/>
+                        </a:spcAft>
+                      </a:pPr>
+                      <a:r>
+                        <a:rPr lang="en-US" altLang="ko-KR" sz="1000">
+                          <a:solidFill>
+                            <a:srgbClr val="AAAAAA"/>
+                          </a:solidFill>
+                          <a:effectLst/>
+                          <a:latin typeface="Consolas" panose="020B0609020204030204" pitchFamily="49" charset="0"/>
+                        </a:rPr>
+                        <a:t>14</a:t>
+                      </a:r>
+                    </a:p>
+                    <a:p>
+                      <a:pPr marL="0" marR="0" algn="r" latinLnBrk="0">
+                        <a:lnSpc>
+                          <a:spcPct val="130000"/>
+                        </a:lnSpc>
+                        <a:spcBef>
+                          <a:spcPts val="0"/>
+                        </a:spcBef>
+                        <a:spcAft>
+                          <a:spcPts val="0"/>
+                        </a:spcAft>
+                      </a:pPr>
+                      <a:r>
+                        <a:rPr lang="en-US" altLang="ko-KR" sz="1000">
+                          <a:solidFill>
+                            <a:srgbClr val="AAAAAA"/>
+                          </a:solidFill>
+                          <a:effectLst/>
+                          <a:latin typeface="Consolas" panose="020B0609020204030204" pitchFamily="49" charset="0"/>
+                        </a:rPr>
+                        <a:t>15</a:t>
+                      </a:r>
+                    </a:p>
+                    <a:p>
+                      <a:pPr marL="0" marR="0" algn="r" latinLnBrk="0">
+                        <a:lnSpc>
+                          <a:spcPct val="130000"/>
+                        </a:lnSpc>
+                        <a:spcBef>
+                          <a:spcPts val="0"/>
+                        </a:spcBef>
+                        <a:spcAft>
+                          <a:spcPts val="0"/>
+                        </a:spcAft>
+                      </a:pPr>
+                      <a:r>
+                        <a:rPr lang="en-US" altLang="ko-KR" sz="1000">
+                          <a:solidFill>
+                            <a:srgbClr val="AAAAAA"/>
+                          </a:solidFill>
+                          <a:effectLst/>
+                          <a:latin typeface="Consolas" panose="020B0609020204030204" pitchFamily="49" charset="0"/>
+                        </a:rPr>
+                        <a:t>16</a:t>
+                      </a:r>
+                    </a:p>
+                    <a:p>
+                      <a:pPr marL="0" marR="0" algn="r" latinLnBrk="0">
+                        <a:lnSpc>
+                          <a:spcPct val="130000"/>
+                        </a:lnSpc>
+                        <a:spcBef>
+                          <a:spcPts val="0"/>
+                        </a:spcBef>
+                        <a:spcAft>
+                          <a:spcPts val="0"/>
+                        </a:spcAft>
+                      </a:pPr>
+                      <a:r>
+                        <a:rPr lang="en-US" altLang="ko-KR" sz="1000">
+                          <a:solidFill>
+                            <a:srgbClr val="AAAAAA"/>
+                          </a:solidFill>
+                          <a:effectLst/>
+                          <a:latin typeface="Consolas" panose="020B0609020204030204" pitchFamily="49" charset="0"/>
+                        </a:rPr>
+                        <a:t>17</a:t>
+                      </a:r>
+                    </a:p>
+                    <a:p>
+                      <a:pPr marL="0" marR="0" algn="r" latinLnBrk="0">
+                        <a:lnSpc>
+                          <a:spcPct val="130000"/>
+                        </a:lnSpc>
+                        <a:spcBef>
+                          <a:spcPts val="0"/>
+                        </a:spcBef>
+                        <a:spcAft>
+                          <a:spcPts val="0"/>
+                        </a:spcAft>
+                      </a:pPr>
+                      <a:r>
+                        <a:rPr lang="en-US" altLang="ko-KR" sz="1000">
+                          <a:solidFill>
+                            <a:srgbClr val="AAAAAA"/>
+                          </a:solidFill>
+                          <a:effectLst/>
+                          <a:latin typeface="Consolas" panose="020B0609020204030204" pitchFamily="49" charset="0"/>
+                        </a:rPr>
+                        <a:t>18</a:t>
+                      </a:r>
+                    </a:p>
+                    <a:p>
+                      <a:pPr marL="0" marR="0" algn="r" latinLnBrk="0">
+                        <a:lnSpc>
+                          <a:spcPct val="130000"/>
+                        </a:lnSpc>
+                        <a:spcBef>
+                          <a:spcPts val="0"/>
+                        </a:spcBef>
+                        <a:spcAft>
+                          <a:spcPts val="0"/>
+                        </a:spcAft>
+                      </a:pPr>
+                      <a:r>
+                        <a:rPr lang="en-US" altLang="ko-KR" sz="1000">
+                          <a:solidFill>
+                            <a:srgbClr val="AAAAAA"/>
+                          </a:solidFill>
+                          <a:effectLst/>
+                          <a:latin typeface="Consolas" panose="020B0609020204030204" pitchFamily="49" charset="0"/>
+                        </a:rPr>
+                        <a:t>19</a:t>
+                      </a:r>
+                    </a:p>
+                    <a:p>
+                      <a:pPr marL="0" marR="0" algn="r" latinLnBrk="0">
+                        <a:lnSpc>
+                          <a:spcPct val="130000"/>
+                        </a:lnSpc>
+                        <a:spcBef>
+                          <a:spcPts val="0"/>
+                        </a:spcBef>
+                        <a:spcAft>
+                          <a:spcPts val="0"/>
+                        </a:spcAft>
+                      </a:pPr>
+                      <a:r>
+                        <a:rPr lang="en-US" altLang="ko-KR" sz="1000">
+                          <a:solidFill>
+                            <a:srgbClr val="AAAAAA"/>
+                          </a:solidFill>
+                          <a:effectLst/>
+                          <a:latin typeface="Consolas" panose="020B0609020204030204" pitchFamily="49" charset="0"/>
+                        </a:rPr>
+                        <a:t>20</a:t>
+                      </a:r>
+                    </a:p>
+                    <a:p>
+                      <a:pPr marL="0" marR="0" algn="r" latinLnBrk="0">
+                        <a:lnSpc>
+                          <a:spcPct val="130000"/>
+                        </a:lnSpc>
+                        <a:spcBef>
+                          <a:spcPts val="0"/>
+                        </a:spcBef>
+                        <a:spcAft>
+                          <a:spcPts val="0"/>
+                        </a:spcAft>
+                      </a:pPr>
+                      <a:r>
+                        <a:rPr lang="en-US" altLang="ko-KR" sz="1000">
+                          <a:solidFill>
+                            <a:srgbClr val="AAAAAA"/>
+                          </a:solidFill>
+                          <a:effectLst/>
+                          <a:latin typeface="Consolas" panose="020B0609020204030204" pitchFamily="49" charset="0"/>
+                        </a:rPr>
+                        <a:t>21</a:t>
+                      </a:r>
+                    </a:p>
+                  </a:txBody>
+                  <a:tcPr marL="6820" marR="6820" marT="6820" marB="6820" anchor="ctr">
+                    <a:lnL>
+                      <a:noFill/>
+                    </a:lnL>
+                    <a:lnR w="15240" cap="flat" cmpd="sng" algn="ctr">
+                      <a:solidFill>
+                        <a:srgbClr val="4F4F4F"/>
+                      </a:solidFill>
+                      <a:prstDash val="solid"/>
+                      <a:round/>
+                      <a:headEnd type="none" w="med" len="med"/>
+                      <a:tailEnd type="none" w="med" len="med"/>
+                    </a:lnR>
+                    <a:lnT>
+                      <a:noFill/>
+                    </a:lnT>
+                    <a:lnB>
+                      <a:noFill/>
+                    </a:lnB>
+                    <a:solidFill>
+                      <a:srgbClr val="272727"/>
+                    </a:solidFill>
+                  </a:tcPr>
+                </a:tc>
+                <a:tc>
+                  <a:txBody>
+                    <a:bodyPr/>
+                    <a:lstStyle/>
+                    <a:p>
+                      <a:pPr marL="0" marR="0">
+                        <a:lnSpc>
+                          <a:spcPct val="130000"/>
+                        </a:lnSpc>
+                        <a:spcBef>
+                          <a:spcPts val="0"/>
+                        </a:spcBef>
+                        <a:spcAft>
+                          <a:spcPts val="0"/>
+                        </a:spcAft>
+                      </a:pPr>
+                      <a:r>
+                        <a:rPr lang="en-US" sz="1000" dirty="0" err="1">
+                          <a:solidFill>
+                            <a:srgbClr val="4BE6FA"/>
+                          </a:solidFill>
+                          <a:effectLst/>
+                          <a:latin typeface="Consolas" panose="020B0609020204030204" pitchFamily="49" charset="0"/>
+                        </a:rPr>
+                        <a:t>int</a:t>
+                      </a:r>
+                      <a:r>
+                        <a:rPr lang="en-US" sz="1000" dirty="0">
+                          <a:solidFill>
+                            <a:srgbClr val="F0F0F0"/>
+                          </a:solidFill>
+                          <a:effectLst/>
+                          <a:latin typeface="Consolas" panose="020B0609020204030204" pitchFamily="49" charset="0"/>
+                        </a:rPr>
+                        <a:t> </a:t>
+                      </a:r>
+                      <a:r>
+                        <a:rPr lang="en-US" sz="1000" dirty="0" err="1">
+                          <a:solidFill>
+                            <a:srgbClr val="F0F0F0"/>
+                          </a:solidFill>
+                          <a:effectLst/>
+                          <a:latin typeface="Consolas" panose="020B0609020204030204" pitchFamily="49" charset="0"/>
+                        </a:rPr>
+                        <a:t>runningMedian</a:t>
+                      </a:r>
+                      <a:r>
+                        <a:rPr lang="en-US" sz="1000" dirty="0">
+                          <a:solidFill>
+                            <a:srgbClr val="F0F0F0"/>
+                          </a:solidFill>
+                          <a:effectLst/>
+                          <a:latin typeface="Consolas" panose="020B0609020204030204" pitchFamily="49" charset="0"/>
+                        </a:rPr>
+                        <a:t>(</a:t>
+                      </a:r>
+                      <a:r>
+                        <a:rPr lang="en-US" sz="1000" dirty="0" err="1">
+                          <a:solidFill>
+                            <a:srgbClr val="4BE6FA"/>
+                          </a:solidFill>
+                          <a:effectLst/>
+                          <a:latin typeface="Consolas" panose="020B0609020204030204" pitchFamily="49" charset="0"/>
+                        </a:rPr>
+                        <a:t>int</a:t>
+                      </a:r>
+                      <a:r>
+                        <a:rPr lang="en-US" sz="1000" dirty="0">
+                          <a:solidFill>
+                            <a:srgbClr val="F0F0F0"/>
+                          </a:solidFill>
+                          <a:effectLst/>
+                          <a:latin typeface="Consolas" panose="020B0609020204030204" pitchFamily="49" charset="0"/>
+                        </a:rPr>
+                        <a:t> n, RNG </a:t>
+                      </a:r>
+                      <a:r>
+                        <a:rPr lang="en-US" sz="1000" dirty="0" err="1">
+                          <a:solidFill>
+                            <a:srgbClr val="F0F0F0"/>
+                          </a:solidFill>
+                          <a:effectLst/>
+                          <a:latin typeface="Consolas" panose="020B0609020204030204" pitchFamily="49" charset="0"/>
+                        </a:rPr>
+                        <a:t>rng</a:t>
+                      </a:r>
+                      <a:r>
+                        <a:rPr lang="en-US" sz="1000" dirty="0">
+                          <a:solidFill>
+                            <a:srgbClr val="F0F0F0"/>
+                          </a:solidFill>
+                          <a:effectLst/>
+                          <a:latin typeface="Consolas" panose="020B0609020204030204" pitchFamily="49" charset="0"/>
+                        </a:rPr>
+                        <a:t>){</a:t>
+                      </a:r>
+                    </a:p>
+                    <a:p>
+                      <a:pPr marL="0" marR="0">
+                        <a:lnSpc>
+                          <a:spcPct val="130000"/>
+                        </a:lnSpc>
+                        <a:spcBef>
+                          <a:spcPts val="0"/>
+                        </a:spcBef>
+                        <a:spcAft>
+                          <a:spcPts val="0"/>
+                        </a:spcAft>
+                      </a:pPr>
+                      <a:r>
+                        <a:rPr lang="en-US" sz="1000" dirty="0">
+                          <a:solidFill>
+                            <a:srgbClr val="F0F0F0"/>
+                          </a:solidFill>
+                          <a:effectLst/>
+                          <a:latin typeface="Consolas" panose="020B0609020204030204" pitchFamily="49" charset="0"/>
+                        </a:rPr>
+                        <a:t>    </a:t>
+                      </a:r>
+                      <a:r>
+                        <a:rPr lang="en-US" sz="1000" dirty="0" err="1">
+                          <a:solidFill>
+                            <a:srgbClr val="F0F0F0"/>
+                          </a:solidFill>
+                          <a:effectLst/>
+                          <a:latin typeface="Consolas" panose="020B0609020204030204" pitchFamily="49" charset="0"/>
+                        </a:rPr>
+                        <a:t>priority_queue</a:t>
+                      </a:r>
+                      <a:r>
+                        <a:rPr lang="en-US" sz="1000" dirty="0">
+                          <a:solidFill>
+                            <a:srgbClr val="FF3399"/>
+                          </a:solidFill>
+                          <a:effectLst/>
+                          <a:latin typeface="Consolas" panose="020B0609020204030204" pitchFamily="49" charset="0"/>
+                        </a:rPr>
+                        <a:t>&lt;</a:t>
+                      </a:r>
+                      <a:r>
+                        <a:rPr lang="en-US" sz="1000" dirty="0" err="1">
+                          <a:solidFill>
+                            <a:srgbClr val="4BE6FA"/>
+                          </a:solidFill>
+                          <a:effectLst/>
+                          <a:latin typeface="Consolas" panose="020B0609020204030204" pitchFamily="49" charset="0"/>
+                        </a:rPr>
+                        <a:t>int</a:t>
+                      </a:r>
+                      <a:r>
+                        <a:rPr lang="en-US" sz="1000" dirty="0">
+                          <a:solidFill>
+                            <a:srgbClr val="F0F0F0"/>
+                          </a:solidFill>
+                          <a:effectLst/>
+                          <a:latin typeface="Consolas" panose="020B0609020204030204" pitchFamily="49" charset="0"/>
+                        </a:rPr>
+                        <a:t>, </a:t>
+                      </a:r>
+                      <a:r>
+                        <a:rPr lang="en-US" sz="1000" dirty="0">
+                          <a:solidFill>
+                            <a:srgbClr val="4BE6FA"/>
+                          </a:solidFill>
+                          <a:effectLst/>
+                          <a:latin typeface="Consolas" panose="020B0609020204030204" pitchFamily="49" charset="0"/>
+                        </a:rPr>
+                        <a:t>vector</a:t>
+                      </a:r>
+                      <a:r>
+                        <a:rPr lang="en-US" sz="1000" dirty="0">
+                          <a:solidFill>
+                            <a:srgbClr val="FF3399"/>
+                          </a:solidFill>
+                          <a:effectLst/>
+                          <a:latin typeface="Consolas" panose="020B0609020204030204" pitchFamily="49" charset="0"/>
+                        </a:rPr>
+                        <a:t>&lt;</a:t>
+                      </a:r>
+                      <a:r>
+                        <a:rPr lang="en-US" sz="1000" dirty="0" err="1">
+                          <a:solidFill>
+                            <a:srgbClr val="4BE6FA"/>
+                          </a:solidFill>
+                          <a:effectLst/>
+                          <a:latin typeface="Consolas" panose="020B0609020204030204" pitchFamily="49" charset="0"/>
+                        </a:rPr>
+                        <a:t>int</a:t>
+                      </a:r>
+                      <a:r>
+                        <a:rPr lang="en-US" sz="1000" dirty="0">
+                          <a:solidFill>
+                            <a:srgbClr val="FF3399"/>
+                          </a:solidFill>
+                          <a:effectLst/>
+                          <a:latin typeface="Consolas" panose="020B0609020204030204" pitchFamily="49" charset="0"/>
+                        </a:rPr>
+                        <a:t>&gt;</a:t>
+                      </a:r>
+                      <a:r>
+                        <a:rPr lang="en-US" sz="1000" dirty="0">
+                          <a:solidFill>
+                            <a:srgbClr val="F0F0F0"/>
+                          </a:solidFill>
+                          <a:effectLst/>
+                          <a:latin typeface="Consolas" panose="020B0609020204030204" pitchFamily="49" charset="0"/>
+                        </a:rPr>
+                        <a:t>, less</a:t>
+                      </a:r>
+                      <a:r>
+                        <a:rPr lang="en-US" sz="1000" dirty="0">
+                          <a:solidFill>
+                            <a:srgbClr val="FF3399"/>
+                          </a:solidFill>
+                          <a:effectLst/>
+                          <a:latin typeface="Consolas" panose="020B0609020204030204" pitchFamily="49" charset="0"/>
+                        </a:rPr>
+                        <a:t>&lt;</a:t>
+                      </a:r>
+                      <a:r>
+                        <a:rPr lang="en-US" sz="1000" dirty="0" err="1">
+                          <a:solidFill>
+                            <a:srgbClr val="4BE6FA"/>
+                          </a:solidFill>
+                          <a:effectLst/>
+                          <a:latin typeface="Consolas" panose="020B0609020204030204" pitchFamily="49" charset="0"/>
+                        </a:rPr>
+                        <a:t>int</a:t>
+                      </a:r>
+                      <a:r>
+                        <a:rPr lang="en-US" sz="1000" dirty="0">
+                          <a:solidFill>
+                            <a:srgbClr val="FF3399"/>
+                          </a:solidFill>
+                          <a:effectLst/>
+                          <a:latin typeface="Consolas" panose="020B0609020204030204" pitchFamily="49" charset="0"/>
+                        </a:rPr>
+                        <a:t>&gt;</a:t>
+                      </a:r>
+                      <a:r>
+                        <a:rPr lang="en-US" sz="1000" dirty="0">
+                          <a:solidFill>
+                            <a:srgbClr val="F0F0F0"/>
+                          </a:solidFill>
+                          <a:effectLst/>
+                          <a:latin typeface="Consolas" panose="020B0609020204030204" pitchFamily="49" charset="0"/>
+                        </a:rPr>
+                        <a:t> </a:t>
+                      </a:r>
+                      <a:r>
+                        <a:rPr lang="en-US" sz="1000" dirty="0">
+                          <a:solidFill>
+                            <a:srgbClr val="FF3399"/>
+                          </a:solidFill>
+                          <a:effectLst/>
+                          <a:latin typeface="Consolas" panose="020B0609020204030204" pitchFamily="49" charset="0"/>
+                        </a:rPr>
+                        <a:t>&gt;</a:t>
+                      </a:r>
+                      <a:r>
+                        <a:rPr lang="en-US" sz="1000" dirty="0">
+                          <a:solidFill>
+                            <a:srgbClr val="F0F0F0"/>
+                          </a:solidFill>
+                          <a:effectLst/>
+                          <a:latin typeface="Consolas" panose="020B0609020204030204" pitchFamily="49" charset="0"/>
+                        </a:rPr>
+                        <a:t> </a:t>
+                      </a:r>
+                      <a:r>
+                        <a:rPr lang="en-US" sz="1000" dirty="0" err="1">
+                          <a:solidFill>
+                            <a:srgbClr val="F0F0F0"/>
+                          </a:solidFill>
+                          <a:effectLst/>
+                          <a:latin typeface="Consolas" panose="020B0609020204030204" pitchFamily="49" charset="0"/>
+                        </a:rPr>
+                        <a:t>maxHeap</a:t>
+                      </a:r>
+                      <a:r>
+                        <a:rPr lang="en-US" sz="1000" dirty="0">
+                          <a:solidFill>
+                            <a:srgbClr val="F0F0F0"/>
+                          </a:solidFill>
+                          <a:effectLst/>
+                          <a:latin typeface="Consolas" panose="020B0609020204030204" pitchFamily="49" charset="0"/>
+                        </a:rPr>
+                        <a:t>;</a:t>
+                      </a:r>
+                    </a:p>
+                    <a:p>
+                      <a:pPr marL="0" marR="0">
+                        <a:lnSpc>
+                          <a:spcPct val="130000"/>
+                        </a:lnSpc>
+                        <a:spcBef>
+                          <a:spcPts val="0"/>
+                        </a:spcBef>
+                        <a:spcAft>
+                          <a:spcPts val="0"/>
+                        </a:spcAft>
+                      </a:pPr>
+                      <a:r>
+                        <a:rPr lang="en-US" sz="1000" dirty="0">
+                          <a:solidFill>
+                            <a:srgbClr val="F0F0F0"/>
+                          </a:solidFill>
+                          <a:effectLst/>
+                          <a:latin typeface="Consolas" panose="020B0609020204030204" pitchFamily="49" charset="0"/>
+                        </a:rPr>
+                        <a:t>    </a:t>
+                      </a:r>
+                      <a:r>
+                        <a:rPr lang="en-US" sz="1000" dirty="0" err="1">
+                          <a:solidFill>
+                            <a:srgbClr val="F0F0F0"/>
+                          </a:solidFill>
+                          <a:effectLst/>
+                          <a:latin typeface="Consolas" panose="020B0609020204030204" pitchFamily="49" charset="0"/>
+                        </a:rPr>
+                        <a:t>priority_queue</a:t>
+                      </a:r>
+                      <a:r>
+                        <a:rPr lang="en-US" sz="1000" dirty="0">
+                          <a:solidFill>
+                            <a:srgbClr val="FF3399"/>
+                          </a:solidFill>
+                          <a:effectLst/>
+                          <a:latin typeface="Consolas" panose="020B0609020204030204" pitchFamily="49" charset="0"/>
+                        </a:rPr>
+                        <a:t>&lt;</a:t>
+                      </a:r>
+                      <a:r>
+                        <a:rPr lang="en-US" sz="1000" dirty="0" err="1">
+                          <a:solidFill>
+                            <a:srgbClr val="4BE6FA"/>
+                          </a:solidFill>
+                          <a:effectLst/>
+                          <a:latin typeface="Consolas" panose="020B0609020204030204" pitchFamily="49" charset="0"/>
+                        </a:rPr>
+                        <a:t>int</a:t>
+                      </a:r>
+                      <a:r>
+                        <a:rPr lang="en-US" sz="1000" dirty="0">
+                          <a:solidFill>
+                            <a:srgbClr val="F0F0F0"/>
+                          </a:solidFill>
+                          <a:effectLst/>
+                          <a:latin typeface="Consolas" panose="020B0609020204030204" pitchFamily="49" charset="0"/>
+                        </a:rPr>
+                        <a:t>, </a:t>
+                      </a:r>
+                      <a:r>
+                        <a:rPr lang="en-US" sz="1000" dirty="0">
+                          <a:solidFill>
+                            <a:srgbClr val="4BE6FA"/>
+                          </a:solidFill>
+                          <a:effectLst/>
+                          <a:latin typeface="Consolas" panose="020B0609020204030204" pitchFamily="49" charset="0"/>
+                        </a:rPr>
+                        <a:t>vector</a:t>
+                      </a:r>
+                      <a:r>
+                        <a:rPr lang="en-US" sz="1000" dirty="0">
+                          <a:solidFill>
+                            <a:srgbClr val="FF3399"/>
+                          </a:solidFill>
+                          <a:effectLst/>
+                          <a:latin typeface="Consolas" panose="020B0609020204030204" pitchFamily="49" charset="0"/>
+                        </a:rPr>
+                        <a:t>&lt;</a:t>
+                      </a:r>
+                      <a:r>
+                        <a:rPr lang="en-US" sz="1000" dirty="0" err="1">
+                          <a:solidFill>
+                            <a:srgbClr val="4BE6FA"/>
+                          </a:solidFill>
+                          <a:effectLst/>
+                          <a:latin typeface="Consolas" panose="020B0609020204030204" pitchFamily="49" charset="0"/>
+                        </a:rPr>
+                        <a:t>int</a:t>
+                      </a:r>
+                      <a:r>
+                        <a:rPr lang="en-US" sz="1000" dirty="0">
+                          <a:solidFill>
+                            <a:srgbClr val="FF3399"/>
+                          </a:solidFill>
+                          <a:effectLst/>
+                          <a:latin typeface="Consolas" panose="020B0609020204030204" pitchFamily="49" charset="0"/>
+                        </a:rPr>
+                        <a:t>&gt;</a:t>
+                      </a:r>
+                      <a:r>
+                        <a:rPr lang="en-US" sz="1000" dirty="0">
+                          <a:solidFill>
+                            <a:srgbClr val="F0F0F0"/>
+                          </a:solidFill>
+                          <a:effectLst/>
+                          <a:latin typeface="Consolas" panose="020B0609020204030204" pitchFamily="49" charset="0"/>
+                        </a:rPr>
+                        <a:t>, greater</a:t>
+                      </a:r>
+                      <a:r>
+                        <a:rPr lang="en-US" sz="1000" dirty="0">
+                          <a:solidFill>
+                            <a:srgbClr val="FF3399"/>
+                          </a:solidFill>
+                          <a:effectLst/>
+                          <a:latin typeface="Consolas" panose="020B0609020204030204" pitchFamily="49" charset="0"/>
+                        </a:rPr>
+                        <a:t>&lt;</a:t>
+                      </a:r>
+                      <a:r>
+                        <a:rPr lang="en-US" sz="1000" dirty="0" err="1">
+                          <a:solidFill>
+                            <a:srgbClr val="4BE6FA"/>
+                          </a:solidFill>
+                          <a:effectLst/>
+                          <a:latin typeface="Consolas" panose="020B0609020204030204" pitchFamily="49" charset="0"/>
+                        </a:rPr>
+                        <a:t>int</a:t>
+                      </a:r>
+                      <a:r>
+                        <a:rPr lang="en-US" sz="1000" dirty="0">
+                          <a:solidFill>
+                            <a:srgbClr val="FF3399"/>
+                          </a:solidFill>
+                          <a:effectLst/>
+                          <a:latin typeface="Consolas" panose="020B0609020204030204" pitchFamily="49" charset="0"/>
+                        </a:rPr>
+                        <a:t>&gt;</a:t>
+                      </a:r>
+                      <a:r>
+                        <a:rPr lang="en-US" sz="1000" dirty="0">
+                          <a:solidFill>
+                            <a:srgbClr val="F0F0F0"/>
+                          </a:solidFill>
+                          <a:effectLst/>
+                          <a:latin typeface="Consolas" panose="020B0609020204030204" pitchFamily="49" charset="0"/>
+                        </a:rPr>
+                        <a:t> </a:t>
+                      </a:r>
+                      <a:r>
+                        <a:rPr lang="en-US" sz="1000" dirty="0">
+                          <a:solidFill>
+                            <a:srgbClr val="FF3399"/>
+                          </a:solidFill>
+                          <a:effectLst/>
+                          <a:latin typeface="Consolas" panose="020B0609020204030204" pitchFamily="49" charset="0"/>
+                        </a:rPr>
+                        <a:t>&gt;</a:t>
+                      </a:r>
+                      <a:r>
+                        <a:rPr lang="en-US" sz="1000" dirty="0">
+                          <a:solidFill>
+                            <a:srgbClr val="F0F0F0"/>
+                          </a:solidFill>
+                          <a:effectLst/>
+                          <a:latin typeface="Consolas" panose="020B0609020204030204" pitchFamily="49" charset="0"/>
+                        </a:rPr>
+                        <a:t> </a:t>
+                      </a:r>
+                      <a:r>
+                        <a:rPr lang="en-US" sz="1000" dirty="0" err="1">
+                          <a:solidFill>
+                            <a:srgbClr val="F0F0F0"/>
+                          </a:solidFill>
+                          <a:effectLst/>
+                          <a:latin typeface="Consolas" panose="020B0609020204030204" pitchFamily="49" charset="0"/>
+                        </a:rPr>
+                        <a:t>minHeap</a:t>
+                      </a:r>
+                      <a:r>
+                        <a:rPr lang="en-US" sz="1000" dirty="0">
+                          <a:solidFill>
+                            <a:srgbClr val="F0F0F0"/>
+                          </a:solidFill>
+                          <a:effectLst/>
+                          <a:latin typeface="Consolas" panose="020B0609020204030204" pitchFamily="49" charset="0"/>
+                        </a:rPr>
+                        <a:t>;</a:t>
+                      </a:r>
+                    </a:p>
+                    <a:p>
+                      <a:pPr marL="0" marR="0">
+                        <a:lnSpc>
+                          <a:spcPct val="130000"/>
+                        </a:lnSpc>
+                        <a:spcBef>
+                          <a:spcPts val="0"/>
+                        </a:spcBef>
+                        <a:spcAft>
+                          <a:spcPts val="0"/>
+                        </a:spcAft>
+                      </a:pPr>
+                      <a:r>
+                        <a:rPr lang="en-US" sz="1000" dirty="0">
+                          <a:solidFill>
+                            <a:srgbClr val="F0F0F0"/>
+                          </a:solidFill>
+                          <a:effectLst/>
+                          <a:latin typeface="Consolas" panose="020B0609020204030204" pitchFamily="49" charset="0"/>
+                        </a:rPr>
+                        <a:t>    </a:t>
+                      </a:r>
+                      <a:r>
+                        <a:rPr lang="en-US" sz="1000" dirty="0" err="1">
+                          <a:solidFill>
+                            <a:srgbClr val="4BE6FA"/>
+                          </a:solidFill>
+                          <a:effectLst/>
+                          <a:latin typeface="Consolas" panose="020B0609020204030204" pitchFamily="49" charset="0"/>
+                        </a:rPr>
+                        <a:t>int</a:t>
+                      </a:r>
+                      <a:r>
+                        <a:rPr lang="en-US" sz="1000" dirty="0">
+                          <a:solidFill>
+                            <a:srgbClr val="F0F0F0"/>
+                          </a:solidFill>
+                          <a:effectLst/>
+                          <a:latin typeface="Consolas" panose="020B0609020204030204" pitchFamily="49" charset="0"/>
+                        </a:rPr>
+                        <a:t> ret </a:t>
+                      </a:r>
+                      <a:r>
+                        <a:rPr lang="en-US" sz="1000" dirty="0">
+                          <a:solidFill>
+                            <a:srgbClr val="FF3399"/>
+                          </a:solidFill>
+                          <a:effectLst/>
+                          <a:latin typeface="Consolas" panose="020B0609020204030204" pitchFamily="49" charset="0"/>
+                        </a:rPr>
+                        <a:t>=</a:t>
+                      </a:r>
+                      <a:r>
+                        <a:rPr lang="en-US" sz="1000" dirty="0">
+                          <a:solidFill>
+                            <a:srgbClr val="F0F0F0"/>
+                          </a:solidFill>
+                          <a:effectLst/>
+                          <a:latin typeface="Consolas" panose="020B0609020204030204" pitchFamily="49" charset="0"/>
+                        </a:rPr>
+                        <a:t> </a:t>
+                      </a:r>
+                      <a:r>
+                        <a:rPr lang="en-US" sz="1000" dirty="0">
+                          <a:solidFill>
+                            <a:srgbClr val="C10AFF"/>
+                          </a:solidFill>
+                          <a:effectLst/>
+                          <a:latin typeface="Consolas" panose="020B0609020204030204" pitchFamily="49" charset="0"/>
+                        </a:rPr>
+                        <a:t>0</a:t>
+                      </a:r>
+                      <a:r>
+                        <a:rPr lang="en-US" sz="1000" dirty="0">
+                          <a:solidFill>
+                            <a:srgbClr val="F0F0F0"/>
+                          </a:solidFill>
+                          <a:effectLst/>
+                          <a:latin typeface="Consolas" panose="020B0609020204030204" pitchFamily="49" charset="0"/>
+                        </a:rPr>
+                        <a:t>;</a:t>
+                      </a:r>
+                    </a:p>
+                    <a:p>
+                      <a:pPr marL="0" marR="0">
+                        <a:lnSpc>
+                          <a:spcPct val="130000"/>
+                        </a:lnSpc>
+                        <a:spcBef>
+                          <a:spcPts val="0"/>
+                        </a:spcBef>
+                        <a:spcAft>
+                          <a:spcPts val="0"/>
+                        </a:spcAft>
+                      </a:pPr>
+                      <a:r>
+                        <a:rPr lang="en-US" sz="1000" dirty="0">
+                          <a:solidFill>
+                            <a:srgbClr val="F0F0F0"/>
+                          </a:solidFill>
+                          <a:effectLst/>
+                          <a:latin typeface="Consolas" panose="020B0609020204030204" pitchFamily="49" charset="0"/>
+                        </a:rPr>
+                        <a:t>    </a:t>
+                      </a:r>
+                      <a:r>
+                        <a:rPr lang="en-US" sz="1000" dirty="0">
+                          <a:solidFill>
+                            <a:srgbClr val="999999"/>
+                          </a:solidFill>
+                          <a:effectLst/>
+                          <a:latin typeface="Consolas" panose="020B0609020204030204" pitchFamily="49" charset="0"/>
+                        </a:rPr>
+                        <a:t>//1. </a:t>
+                      </a:r>
+                      <a:r>
+                        <a:rPr lang="en-US" sz="1000" dirty="0" err="1">
+                          <a:solidFill>
+                            <a:srgbClr val="999999"/>
+                          </a:solidFill>
+                          <a:effectLst/>
+                          <a:latin typeface="Consolas" panose="020B0609020204030204" pitchFamily="49" charset="0"/>
+                        </a:rPr>
+                        <a:t>maxHeap</a:t>
+                      </a:r>
+                      <a:r>
+                        <a:rPr lang="ko-KR" altLang="en-US" sz="1000" dirty="0">
+                          <a:solidFill>
+                            <a:srgbClr val="999999"/>
+                          </a:solidFill>
+                          <a:effectLst/>
+                          <a:latin typeface="Consolas" panose="020B0609020204030204" pitchFamily="49" charset="0"/>
+                        </a:rPr>
+                        <a:t>의 크기는 </a:t>
+                      </a:r>
+                      <a:r>
+                        <a:rPr lang="en-US" sz="1000" dirty="0" err="1">
+                          <a:solidFill>
+                            <a:srgbClr val="999999"/>
+                          </a:solidFill>
+                          <a:effectLst/>
+                          <a:latin typeface="Consolas" panose="020B0609020204030204" pitchFamily="49" charset="0"/>
+                        </a:rPr>
+                        <a:t>minHeap</a:t>
+                      </a:r>
+                      <a:r>
+                        <a:rPr lang="ko-KR" altLang="en-US" sz="1000" dirty="0">
+                          <a:solidFill>
+                            <a:srgbClr val="999999"/>
+                          </a:solidFill>
+                          <a:effectLst/>
+                          <a:latin typeface="Consolas" panose="020B0609020204030204" pitchFamily="49" charset="0"/>
+                        </a:rPr>
+                        <a:t>의 크기와 같거나 </a:t>
+                      </a:r>
+                      <a:r>
+                        <a:rPr lang="en-US" altLang="ko-KR" sz="1000" dirty="0">
+                          <a:solidFill>
+                            <a:srgbClr val="999999"/>
+                          </a:solidFill>
+                          <a:effectLst/>
+                          <a:latin typeface="Consolas" panose="020B0609020204030204" pitchFamily="49" charset="0"/>
+                        </a:rPr>
+                        <a:t>1 </a:t>
+                      </a:r>
+                      <a:r>
+                        <a:rPr lang="ko-KR" altLang="en-US" sz="1000" dirty="0">
+                          <a:solidFill>
+                            <a:srgbClr val="999999"/>
+                          </a:solidFill>
+                          <a:effectLst/>
+                          <a:latin typeface="Consolas" panose="020B0609020204030204" pitchFamily="49" charset="0"/>
+                        </a:rPr>
+                        <a:t>더 크다</a:t>
+                      </a:r>
+                      <a:endParaRPr lang="ko-KR" altLang="en-US" sz="1000" dirty="0">
+                        <a:solidFill>
+                          <a:srgbClr val="F0F0F0"/>
+                        </a:solidFill>
+                        <a:effectLst/>
+                        <a:latin typeface="Consolas" panose="020B0609020204030204" pitchFamily="49" charset="0"/>
+                      </a:endParaRPr>
+                    </a:p>
+                    <a:p>
+                      <a:pPr marL="0" marR="0">
+                        <a:lnSpc>
+                          <a:spcPct val="130000"/>
+                        </a:lnSpc>
+                        <a:spcBef>
+                          <a:spcPts val="0"/>
+                        </a:spcBef>
+                        <a:spcAft>
+                          <a:spcPts val="0"/>
+                        </a:spcAft>
+                      </a:pPr>
+                      <a:r>
+                        <a:rPr lang="ko-KR" altLang="en-US" sz="1000" dirty="0">
+                          <a:solidFill>
+                            <a:srgbClr val="F0F0F0"/>
+                          </a:solidFill>
+                          <a:effectLst/>
+                          <a:latin typeface="Consolas" panose="020B0609020204030204" pitchFamily="49" charset="0"/>
+                        </a:rPr>
+                        <a:t>    </a:t>
+                      </a:r>
+                      <a:r>
+                        <a:rPr lang="en-US" altLang="ko-KR" sz="1000" dirty="0">
+                          <a:solidFill>
+                            <a:srgbClr val="999999"/>
+                          </a:solidFill>
+                          <a:effectLst/>
+                          <a:latin typeface="Consolas" panose="020B0609020204030204" pitchFamily="49" charset="0"/>
+                        </a:rPr>
+                        <a:t>//2. </a:t>
+                      </a:r>
+                      <a:r>
+                        <a:rPr lang="en-US" sz="1000" dirty="0" err="1">
+                          <a:solidFill>
+                            <a:srgbClr val="999999"/>
+                          </a:solidFill>
+                          <a:effectLst/>
+                          <a:latin typeface="Consolas" panose="020B0609020204030204" pitchFamily="49" charset="0"/>
+                        </a:rPr>
+                        <a:t>maxHeap.top</a:t>
+                      </a:r>
+                      <a:r>
+                        <a:rPr lang="en-US" sz="1000" dirty="0">
+                          <a:solidFill>
+                            <a:srgbClr val="999999"/>
+                          </a:solidFill>
+                          <a:effectLst/>
+                          <a:latin typeface="Consolas" panose="020B0609020204030204" pitchFamily="49" charset="0"/>
+                        </a:rPr>
+                        <a:t>() &lt;= </a:t>
+                      </a:r>
+                      <a:r>
+                        <a:rPr lang="en-US" sz="1000" dirty="0" err="1">
+                          <a:solidFill>
+                            <a:srgbClr val="999999"/>
+                          </a:solidFill>
+                          <a:effectLst/>
+                          <a:latin typeface="Consolas" panose="020B0609020204030204" pitchFamily="49" charset="0"/>
+                        </a:rPr>
+                        <a:t>minHeap.top</a:t>
+                      </a:r>
+                      <a:r>
+                        <a:rPr lang="en-US" sz="1000" dirty="0">
+                          <a:solidFill>
+                            <a:srgbClr val="999999"/>
+                          </a:solidFill>
+                          <a:effectLst/>
+                          <a:latin typeface="Consolas" panose="020B0609020204030204" pitchFamily="49" charset="0"/>
+                        </a:rPr>
+                        <a:t>()</a:t>
+                      </a:r>
+                      <a:endParaRPr lang="en-US" sz="1000" dirty="0">
+                        <a:solidFill>
+                          <a:srgbClr val="F0F0F0"/>
+                        </a:solidFill>
+                        <a:effectLst/>
+                        <a:latin typeface="Consolas" panose="020B0609020204030204" pitchFamily="49" charset="0"/>
+                      </a:endParaRPr>
+                    </a:p>
+                    <a:p>
+                      <a:pPr marL="0" marR="0">
+                        <a:lnSpc>
+                          <a:spcPct val="130000"/>
+                        </a:lnSpc>
+                        <a:spcBef>
+                          <a:spcPts val="0"/>
+                        </a:spcBef>
+                        <a:spcAft>
+                          <a:spcPts val="0"/>
+                        </a:spcAft>
+                      </a:pPr>
+                      <a:r>
+                        <a:rPr lang="en-US" sz="1000" dirty="0">
+                          <a:solidFill>
+                            <a:srgbClr val="F0F0F0"/>
+                          </a:solidFill>
+                          <a:effectLst/>
+                          <a:latin typeface="Consolas" panose="020B0609020204030204" pitchFamily="49" charset="0"/>
+                        </a:rPr>
+                        <a:t>    </a:t>
+                      </a:r>
+                      <a:r>
+                        <a:rPr lang="en-US" sz="1000" dirty="0">
+                          <a:solidFill>
+                            <a:srgbClr val="FF3399"/>
+                          </a:solidFill>
+                          <a:effectLst/>
+                          <a:latin typeface="Consolas" panose="020B0609020204030204" pitchFamily="49" charset="0"/>
+                        </a:rPr>
+                        <a:t>for</a:t>
+                      </a:r>
+                      <a:r>
+                        <a:rPr lang="en-US" sz="1000" dirty="0">
+                          <a:solidFill>
+                            <a:srgbClr val="F0F0F0"/>
+                          </a:solidFill>
+                          <a:effectLst/>
+                          <a:latin typeface="Consolas" panose="020B0609020204030204" pitchFamily="49" charset="0"/>
+                        </a:rPr>
+                        <a:t>(</a:t>
+                      </a:r>
+                      <a:r>
+                        <a:rPr lang="en-US" sz="1000" dirty="0" err="1">
+                          <a:solidFill>
+                            <a:srgbClr val="4BE6FA"/>
+                          </a:solidFill>
+                          <a:effectLst/>
+                          <a:latin typeface="Consolas" panose="020B0609020204030204" pitchFamily="49" charset="0"/>
+                        </a:rPr>
+                        <a:t>int</a:t>
+                      </a:r>
+                      <a:r>
+                        <a:rPr lang="en-US" sz="1000" dirty="0">
+                          <a:solidFill>
+                            <a:srgbClr val="F0F0F0"/>
+                          </a:solidFill>
+                          <a:effectLst/>
+                          <a:latin typeface="Consolas" panose="020B0609020204030204" pitchFamily="49" charset="0"/>
+                        </a:rPr>
+                        <a:t> </a:t>
+                      </a:r>
+                      <a:r>
+                        <a:rPr lang="en-US" sz="1000" dirty="0" err="1">
+                          <a:solidFill>
+                            <a:srgbClr val="F0F0F0"/>
+                          </a:solidFill>
+                          <a:effectLst/>
+                          <a:latin typeface="Consolas" panose="020B0609020204030204" pitchFamily="49" charset="0"/>
+                        </a:rPr>
+                        <a:t>cnt</a:t>
+                      </a:r>
+                      <a:r>
+                        <a:rPr lang="en-US" sz="1000" dirty="0">
+                          <a:solidFill>
+                            <a:srgbClr val="F0F0F0"/>
+                          </a:solidFill>
+                          <a:effectLst/>
+                          <a:latin typeface="Consolas" panose="020B0609020204030204" pitchFamily="49" charset="0"/>
+                        </a:rPr>
+                        <a:t> </a:t>
+                      </a:r>
+                      <a:r>
+                        <a:rPr lang="en-US" sz="1000" dirty="0">
+                          <a:solidFill>
+                            <a:srgbClr val="FF3399"/>
+                          </a:solidFill>
+                          <a:effectLst/>
+                          <a:latin typeface="Consolas" panose="020B0609020204030204" pitchFamily="49" charset="0"/>
+                        </a:rPr>
+                        <a:t>=</a:t>
+                      </a:r>
+                      <a:r>
+                        <a:rPr lang="en-US" sz="1000" dirty="0">
+                          <a:solidFill>
+                            <a:srgbClr val="F0F0F0"/>
+                          </a:solidFill>
+                          <a:effectLst/>
+                          <a:latin typeface="Consolas" panose="020B0609020204030204" pitchFamily="49" charset="0"/>
+                        </a:rPr>
+                        <a:t> </a:t>
+                      </a:r>
+                      <a:r>
+                        <a:rPr lang="en-US" sz="1000" dirty="0">
+                          <a:solidFill>
+                            <a:srgbClr val="C10AFF"/>
+                          </a:solidFill>
+                          <a:effectLst/>
+                          <a:latin typeface="Consolas" panose="020B0609020204030204" pitchFamily="49" charset="0"/>
+                        </a:rPr>
+                        <a:t>1</a:t>
+                      </a:r>
+                      <a:r>
+                        <a:rPr lang="en-US" sz="1000" dirty="0">
+                          <a:solidFill>
+                            <a:srgbClr val="F0F0F0"/>
+                          </a:solidFill>
+                          <a:effectLst/>
+                          <a:latin typeface="Consolas" panose="020B0609020204030204" pitchFamily="49" charset="0"/>
+                        </a:rPr>
+                        <a:t>; </a:t>
+                      </a:r>
+                      <a:r>
+                        <a:rPr lang="en-US" sz="1000" dirty="0" err="1">
+                          <a:solidFill>
+                            <a:srgbClr val="F0F0F0"/>
+                          </a:solidFill>
+                          <a:effectLst/>
+                          <a:latin typeface="Consolas" panose="020B0609020204030204" pitchFamily="49" charset="0"/>
+                        </a:rPr>
+                        <a:t>cnt</a:t>
+                      </a:r>
+                      <a:r>
+                        <a:rPr lang="en-US" sz="1000" dirty="0">
+                          <a:solidFill>
+                            <a:srgbClr val="F0F0F0"/>
+                          </a:solidFill>
+                          <a:effectLst/>
+                          <a:latin typeface="Consolas" panose="020B0609020204030204" pitchFamily="49" charset="0"/>
+                        </a:rPr>
+                        <a:t> </a:t>
+                      </a:r>
+                      <a:r>
+                        <a:rPr lang="en-US" sz="1000" dirty="0">
+                          <a:solidFill>
+                            <a:srgbClr val="FF3399"/>
+                          </a:solidFill>
+                          <a:effectLst/>
+                          <a:latin typeface="Consolas" panose="020B0609020204030204" pitchFamily="49" charset="0"/>
+                        </a:rPr>
+                        <a:t>&lt;=</a:t>
+                      </a:r>
+                      <a:r>
+                        <a:rPr lang="en-US" sz="1000" dirty="0">
+                          <a:solidFill>
+                            <a:srgbClr val="F0F0F0"/>
+                          </a:solidFill>
+                          <a:effectLst/>
+                          <a:latin typeface="Consolas" panose="020B0609020204030204" pitchFamily="49" charset="0"/>
+                        </a:rPr>
+                        <a:t> n; </a:t>
+                      </a:r>
+                      <a:r>
+                        <a:rPr lang="en-US" sz="1000" dirty="0">
+                          <a:solidFill>
+                            <a:srgbClr val="FF3399"/>
+                          </a:solidFill>
+                          <a:effectLst/>
+                          <a:latin typeface="Consolas" panose="020B0609020204030204" pitchFamily="49" charset="0"/>
+                        </a:rPr>
+                        <a:t>++</a:t>
+                      </a:r>
+                      <a:r>
+                        <a:rPr lang="en-US" sz="1000" dirty="0" err="1">
+                          <a:solidFill>
+                            <a:srgbClr val="F0F0F0"/>
+                          </a:solidFill>
+                          <a:effectLst/>
+                          <a:latin typeface="Consolas" panose="020B0609020204030204" pitchFamily="49" charset="0"/>
+                        </a:rPr>
+                        <a:t>cnt</a:t>
+                      </a:r>
+                      <a:r>
+                        <a:rPr lang="en-US" sz="1000" dirty="0">
+                          <a:solidFill>
+                            <a:srgbClr val="F0F0F0"/>
+                          </a:solidFill>
+                          <a:effectLst/>
+                          <a:latin typeface="Consolas" panose="020B0609020204030204" pitchFamily="49" charset="0"/>
+                        </a:rPr>
+                        <a:t>){</a:t>
+                      </a:r>
+                    </a:p>
+                    <a:p>
+                      <a:pPr marL="0" marR="0">
+                        <a:lnSpc>
+                          <a:spcPct val="130000"/>
+                        </a:lnSpc>
+                        <a:spcBef>
+                          <a:spcPts val="0"/>
+                        </a:spcBef>
+                        <a:spcAft>
+                          <a:spcPts val="0"/>
+                        </a:spcAft>
+                      </a:pPr>
+                      <a:r>
+                        <a:rPr lang="en-US" sz="1000" dirty="0">
+                          <a:solidFill>
+                            <a:srgbClr val="F0F0F0"/>
+                          </a:solidFill>
+                          <a:effectLst/>
+                          <a:latin typeface="Consolas" panose="020B0609020204030204" pitchFamily="49" charset="0"/>
+                        </a:rPr>
+                        <a:t>        </a:t>
+                      </a:r>
+                      <a:r>
+                        <a:rPr lang="en-US" sz="1000" dirty="0">
+                          <a:solidFill>
+                            <a:srgbClr val="FF3399"/>
+                          </a:solidFill>
+                          <a:effectLst/>
+                          <a:latin typeface="Consolas" panose="020B0609020204030204" pitchFamily="49" charset="0"/>
+                        </a:rPr>
+                        <a:t>if</a:t>
+                      </a:r>
+                      <a:r>
+                        <a:rPr lang="en-US" sz="1000" dirty="0">
+                          <a:solidFill>
+                            <a:srgbClr val="F0F0F0"/>
+                          </a:solidFill>
+                          <a:effectLst/>
+                          <a:latin typeface="Consolas" panose="020B0609020204030204" pitchFamily="49" charset="0"/>
+                        </a:rPr>
+                        <a:t>(</a:t>
+                      </a:r>
+                      <a:r>
+                        <a:rPr lang="en-US" sz="1000" dirty="0" err="1">
+                          <a:solidFill>
+                            <a:srgbClr val="F0F0F0"/>
+                          </a:solidFill>
+                          <a:effectLst/>
+                          <a:latin typeface="Consolas" panose="020B0609020204030204" pitchFamily="49" charset="0"/>
+                        </a:rPr>
+                        <a:t>maxHeap.</a:t>
+                      </a:r>
+                      <a:r>
+                        <a:rPr lang="en-US" sz="1000" dirty="0" err="1">
+                          <a:solidFill>
+                            <a:srgbClr val="4BE6FA"/>
+                          </a:solidFill>
+                          <a:effectLst/>
+                          <a:latin typeface="Consolas" panose="020B0609020204030204" pitchFamily="49" charset="0"/>
+                        </a:rPr>
+                        <a:t>size</a:t>
+                      </a:r>
+                      <a:r>
+                        <a:rPr lang="en-US" sz="1000" dirty="0">
+                          <a:solidFill>
+                            <a:srgbClr val="F0F0F0"/>
+                          </a:solidFill>
+                          <a:effectLst/>
+                          <a:latin typeface="Consolas" panose="020B0609020204030204" pitchFamily="49" charset="0"/>
+                        </a:rPr>
+                        <a:t>() </a:t>
+                      </a:r>
+                      <a:r>
+                        <a:rPr lang="en-US" sz="1000" dirty="0">
+                          <a:solidFill>
+                            <a:srgbClr val="FF3399"/>
+                          </a:solidFill>
+                          <a:effectLst/>
+                          <a:latin typeface="Consolas" panose="020B0609020204030204" pitchFamily="49" charset="0"/>
+                        </a:rPr>
+                        <a:t>==</a:t>
+                      </a:r>
+                      <a:r>
+                        <a:rPr lang="en-US" sz="1000" dirty="0">
+                          <a:solidFill>
+                            <a:srgbClr val="F0F0F0"/>
+                          </a:solidFill>
+                          <a:effectLst/>
+                          <a:latin typeface="Consolas" panose="020B0609020204030204" pitchFamily="49" charset="0"/>
+                        </a:rPr>
+                        <a:t> </a:t>
+                      </a:r>
+                      <a:r>
+                        <a:rPr lang="en-US" sz="1000" dirty="0" err="1">
+                          <a:solidFill>
+                            <a:srgbClr val="F0F0F0"/>
+                          </a:solidFill>
+                          <a:effectLst/>
+                          <a:latin typeface="Consolas" panose="020B0609020204030204" pitchFamily="49" charset="0"/>
+                        </a:rPr>
+                        <a:t>minHeap.</a:t>
+                      </a:r>
+                      <a:r>
+                        <a:rPr lang="en-US" sz="1000" dirty="0" err="1">
+                          <a:solidFill>
+                            <a:srgbClr val="4BE6FA"/>
+                          </a:solidFill>
+                          <a:effectLst/>
+                          <a:latin typeface="Consolas" panose="020B0609020204030204" pitchFamily="49" charset="0"/>
+                        </a:rPr>
+                        <a:t>size</a:t>
+                      </a:r>
+                      <a:r>
+                        <a:rPr lang="en-US" sz="1000" dirty="0">
+                          <a:solidFill>
+                            <a:srgbClr val="F0F0F0"/>
+                          </a:solidFill>
+                          <a:effectLst/>
+                          <a:latin typeface="Consolas" panose="020B0609020204030204" pitchFamily="49" charset="0"/>
+                        </a:rPr>
+                        <a:t>())</a:t>
+                      </a:r>
+                    </a:p>
+                    <a:p>
+                      <a:pPr marL="0" marR="0">
+                        <a:lnSpc>
+                          <a:spcPct val="130000"/>
+                        </a:lnSpc>
+                        <a:spcBef>
+                          <a:spcPts val="0"/>
+                        </a:spcBef>
+                        <a:spcAft>
+                          <a:spcPts val="0"/>
+                        </a:spcAft>
+                      </a:pPr>
+                      <a:r>
+                        <a:rPr lang="en-US" sz="1000" dirty="0">
+                          <a:solidFill>
+                            <a:srgbClr val="F0F0F0"/>
+                          </a:solidFill>
+                          <a:effectLst/>
+                          <a:latin typeface="Consolas" panose="020B0609020204030204" pitchFamily="49" charset="0"/>
+                        </a:rPr>
+                        <a:t>            </a:t>
+                      </a:r>
+                      <a:r>
+                        <a:rPr lang="en-US" sz="1000" dirty="0" err="1">
+                          <a:solidFill>
+                            <a:srgbClr val="F0F0F0"/>
+                          </a:solidFill>
+                          <a:effectLst/>
+                          <a:latin typeface="Consolas" panose="020B0609020204030204" pitchFamily="49" charset="0"/>
+                        </a:rPr>
+                        <a:t>maxHeap.push</a:t>
+                      </a:r>
+                      <a:r>
+                        <a:rPr lang="en-US" sz="1000" dirty="0">
+                          <a:solidFill>
+                            <a:srgbClr val="F0F0F0"/>
+                          </a:solidFill>
+                          <a:effectLst/>
+                          <a:latin typeface="Consolas" panose="020B0609020204030204" pitchFamily="49" charset="0"/>
+                        </a:rPr>
+                        <a:t>(</a:t>
+                      </a:r>
+                      <a:r>
+                        <a:rPr lang="en-US" sz="1000" dirty="0" err="1">
+                          <a:solidFill>
+                            <a:srgbClr val="F0F0F0"/>
+                          </a:solidFill>
+                          <a:effectLst/>
+                          <a:latin typeface="Consolas" panose="020B0609020204030204" pitchFamily="49" charset="0"/>
+                        </a:rPr>
+                        <a:t>rng.next</a:t>
+                      </a:r>
+                      <a:r>
+                        <a:rPr lang="en-US" sz="1000" dirty="0">
+                          <a:solidFill>
+                            <a:srgbClr val="F0F0F0"/>
+                          </a:solidFill>
+                          <a:effectLst/>
+                          <a:latin typeface="Consolas" panose="020B0609020204030204" pitchFamily="49" charset="0"/>
+                        </a:rPr>
+                        <a:t>());</a:t>
+                      </a:r>
+                    </a:p>
+                    <a:p>
+                      <a:pPr marL="0" marR="0">
+                        <a:lnSpc>
+                          <a:spcPct val="130000"/>
+                        </a:lnSpc>
+                        <a:spcBef>
+                          <a:spcPts val="0"/>
+                        </a:spcBef>
+                        <a:spcAft>
+                          <a:spcPts val="0"/>
+                        </a:spcAft>
+                      </a:pPr>
+                      <a:r>
+                        <a:rPr lang="en-US" sz="1000" dirty="0">
+                          <a:solidFill>
+                            <a:srgbClr val="F0F0F0"/>
+                          </a:solidFill>
+                          <a:effectLst/>
+                          <a:latin typeface="Consolas" panose="020B0609020204030204" pitchFamily="49" charset="0"/>
+                        </a:rPr>
+                        <a:t>        </a:t>
+                      </a:r>
+                      <a:r>
+                        <a:rPr lang="en-US" sz="1000" dirty="0">
+                          <a:solidFill>
+                            <a:srgbClr val="FF3399"/>
+                          </a:solidFill>
+                          <a:effectLst/>
+                          <a:latin typeface="Consolas" panose="020B0609020204030204" pitchFamily="49" charset="0"/>
+                        </a:rPr>
+                        <a:t>else</a:t>
+                      </a:r>
+                      <a:endParaRPr lang="en-US" sz="1000" dirty="0">
+                        <a:solidFill>
+                          <a:srgbClr val="F0F0F0"/>
+                        </a:solidFill>
+                        <a:effectLst/>
+                        <a:latin typeface="Consolas" panose="020B0609020204030204" pitchFamily="49" charset="0"/>
+                      </a:endParaRPr>
+                    </a:p>
+                    <a:p>
+                      <a:pPr marL="0" marR="0">
+                        <a:lnSpc>
+                          <a:spcPct val="130000"/>
+                        </a:lnSpc>
+                        <a:spcBef>
+                          <a:spcPts val="0"/>
+                        </a:spcBef>
+                        <a:spcAft>
+                          <a:spcPts val="0"/>
+                        </a:spcAft>
+                      </a:pPr>
+                      <a:r>
+                        <a:rPr lang="en-US" sz="1000" dirty="0">
+                          <a:solidFill>
+                            <a:srgbClr val="F0F0F0"/>
+                          </a:solidFill>
+                          <a:effectLst/>
+                          <a:latin typeface="Consolas" panose="020B0609020204030204" pitchFamily="49" charset="0"/>
+                        </a:rPr>
+                        <a:t>            </a:t>
+                      </a:r>
+                      <a:r>
+                        <a:rPr lang="en-US" sz="1000" dirty="0" err="1">
+                          <a:solidFill>
+                            <a:srgbClr val="F0F0F0"/>
+                          </a:solidFill>
+                          <a:effectLst/>
+                          <a:latin typeface="Consolas" panose="020B0609020204030204" pitchFamily="49" charset="0"/>
+                        </a:rPr>
+                        <a:t>minHeap.push</a:t>
+                      </a:r>
+                      <a:r>
+                        <a:rPr lang="en-US" sz="1000" dirty="0">
+                          <a:solidFill>
+                            <a:srgbClr val="F0F0F0"/>
+                          </a:solidFill>
+                          <a:effectLst/>
+                          <a:latin typeface="Consolas" panose="020B0609020204030204" pitchFamily="49" charset="0"/>
+                        </a:rPr>
+                        <a:t>(</a:t>
+                      </a:r>
+                      <a:r>
+                        <a:rPr lang="en-US" sz="1000" dirty="0" err="1">
+                          <a:solidFill>
+                            <a:srgbClr val="F0F0F0"/>
+                          </a:solidFill>
+                          <a:effectLst/>
+                          <a:latin typeface="Consolas" panose="020B0609020204030204" pitchFamily="49" charset="0"/>
+                        </a:rPr>
+                        <a:t>rng.next</a:t>
+                      </a:r>
+                      <a:r>
+                        <a:rPr lang="en-US" sz="1000" dirty="0">
+                          <a:solidFill>
+                            <a:srgbClr val="F0F0F0"/>
+                          </a:solidFill>
+                          <a:effectLst/>
+                          <a:latin typeface="Consolas" panose="020B0609020204030204" pitchFamily="49" charset="0"/>
+                        </a:rPr>
+                        <a:t>());</a:t>
+                      </a:r>
+                    </a:p>
+                    <a:p>
+                      <a:pPr marL="0" marR="0">
+                        <a:lnSpc>
+                          <a:spcPct val="130000"/>
+                        </a:lnSpc>
+                        <a:spcBef>
+                          <a:spcPts val="0"/>
+                        </a:spcBef>
+                        <a:spcAft>
+                          <a:spcPts val="0"/>
+                        </a:spcAft>
+                      </a:pPr>
+                      <a:r>
+                        <a:rPr lang="en-US" sz="1000" dirty="0">
+                          <a:solidFill>
+                            <a:srgbClr val="F0F0F0"/>
+                          </a:solidFill>
+                          <a:effectLst/>
+                          <a:latin typeface="Consolas" panose="020B0609020204030204" pitchFamily="49" charset="0"/>
+                        </a:rPr>
+                        <a:t>        </a:t>
+                      </a:r>
+                      <a:r>
+                        <a:rPr lang="en-US" sz="1000" dirty="0">
+                          <a:solidFill>
+                            <a:srgbClr val="FF3399"/>
+                          </a:solidFill>
+                          <a:effectLst/>
+                          <a:latin typeface="Consolas" panose="020B0609020204030204" pitchFamily="49" charset="0"/>
+                        </a:rPr>
+                        <a:t>if</a:t>
+                      </a:r>
+                      <a:r>
+                        <a:rPr lang="en-US" sz="1000" dirty="0">
+                          <a:solidFill>
+                            <a:srgbClr val="F0F0F0"/>
+                          </a:solidFill>
+                          <a:effectLst/>
+                          <a:latin typeface="Consolas" panose="020B0609020204030204" pitchFamily="49" charset="0"/>
+                        </a:rPr>
+                        <a:t>(</a:t>
+                      </a:r>
+                      <a:r>
+                        <a:rPr lang="en-US" sz="1000" dirty="0">
+                          <a:solidFill>
+                            <a:srgbClr val="FF3399"/>
+                          </a:solidFill>
+                          <a:effectLst/>
+                          <a:latin typeface="Consolas" panose="020B0609020204030204" pitchFamily="49" charset="0"/>
+                        </a:rPr>
+                        <a:t>!</a:t>
+                      </a:r>
+                      <a:r>
+                        <a:rPr lang="en-US" sz="1000" dirty="0" err="1">
+                          <a:solidFill>
+                            <a:srgbClr val="F0F0F0"/>
+                          </a:solidFill>
+                          <a:effectLst/>
+                          <a:latin typeface="Consolas" panose="020B0609020204030204" pitchFamily="49" charset="0"/>
+                        </a:rPr>
+                        <a:t>minHeap.empty</a:t>
+                      </a:r>
+                      <a:r>
+                        <a:rPr lang="en-US" sz="1000" dirty="0">
+                          <a:solidFill>
+                            <a:srgbClr val="F0F0F0"/>
+                          </a:solidFill>
+                          <a:effectLst/>
+                          <a:latin typeface="Consolas" panose="020B0609020204030204" pitchFamily="49" charset="0"/>
+                        </a:rPr>
+                        <a:t>() </a:t>
+                      </a:r>
+                      <a:r>
+                        <a:rPr lang="en-US" sz="1000" dirty="0">
+                          <a:solidFill>
+                            <a:srgbClr val="FF3399"/>
+                          </a:solidFill>
+                          <a:effectLst/>
+                          <a:latin typeface="Consolas" panose="020B0609020204030204" pitchFamily="49" charset="0"/>
+                        </a:rPr>
+                        <a:t>&amp;&amp;</a:t>
+                      </a:r>
+                      <a:r>
+                        <a:rPr lang="en-US" sz="1000" dirty="0">
+                          <a:solidFill>
+                            <a:srgbClr val="F0F0F0"/>
+                          </a:solidFill>
+                          <a:effectLst/>
+                          <a:latin typeface="Consolas" panose="020B0609020204030204" pitchFamily="49" charset="0"/>
+                        </a:rPr>
+                        <a:t> </a:t>
+                      </a:r>
+                      <a:r>
+                        <a:rPr lang="en-US" sz="1000" dirty="0">
+                          <a:solidFill>
+                            <a:srgbClr val="FF3399"/>
+                          </a:solidFill>
+                          <a:effectLst/>
+                          <a:latin typeface="Consolas" panose="020B0609020204030204" pitchFamily="49" charset="0"/>
+                        </a:rPr>
+                        <a:t>!</a:t>
+                      </a:r>
+                      <a:r>
+                        <a:rPr lang="en-US" sz="1000" dirty="0" err="1">
+                          <a:solidFill>
+                            <a:srgbClr val="F0F0F0"/>
+                          </a:solidFill>
+                          <a:effectLst/>
+                          <a:latin typeface="Consolas" panose="020B0609020204030204" pitchFamily="49" charset="0"/>
+                        </a:rPr>
+                        <a:t>maxHeap.empty</a:t>
+                      </a:r>
+                      <a:r>
+                        <a:rPr lang="en-US" sz="1000" dirty="0">
+                          <a:solidFill>
+                            <a:srgbClr val="F0F0F0"/>
+                          </a:solidFill>
+                          <a:effectLst/>
+                          <a:latin typeface="Consolas" panose="020B0609020204030204" pitchFamily="49" charset="0"/>
+                        </a:rPr>
+                        <a:t>() </a:t>
+                      </a:r>
+                      <a:r>
+                        <a:rPr lang="en-US" sz="1000" dirty="0">
+                          <a:solidFill>
+                            <a:srgbClr val="FF3399"/>
+                          </a:solidFill>
+                          <a:effectLst/>
+                          <a:latin typeface="Consolas" panose="020B0609020204030204" pitchFamily="49" charset="0"/>
+                        </a:rPr>
+                        <a:t>&amp;&amp;</a:t>
+                      </a:r>
+                      <a:r>
+                        <a:rPr lang="en-US" sz="1000" dirty="0">
+                          <a:solidFill>
+                            <a:srgbClr val="F0F0F0"/>
+                          </a:solidFill>
+                          <a:effectLst/>
+                          <a:latin typeface="Consolas" panose="020B0609020204030204" pitchFamily="49" charset="0"/>
+                        </a:rPr>
+                        <a:t> </a:t>
+                      </a:r>
+                      <a:r>
+                        <a:rPr lang="en-US" sz="1000" dirty="0" err="1">
+                          <a:solidFill>
+                            <a:srgbClr val="F0F0F0"/>
+                          </a:solidFill>
+                          <a:effectLst/>
+                          <a:latin typeface="Consolas" panose="020B0609020204030204" pitchFamily="49" charset="0"/>
+                        </a:rPr>
+                        <a:t>minHeap.top</a:t>
+                      </a:r>
+                      <a:r>
+                        <a:rPr lang="en-US" sz="1000" dirty="0">
+                          <a:solidFill>
+                            <a:srgbClr val="F0F0F0"/>
+                          </a:solidFill>
+                          <a:effectLst/>
+                          <a:latin typeface="Consolas" panose="020B0609020204030204" pitchFamily="49" charset="0"/>
+                        </a:rPr>
+                        <a:t>() </a:t>
+                      </a:r>
+                      <a:r>
+                        <a:rPr lang="en-US" sz="1000" dirty="0">
+                          <a:solidFill>
+                            <a:srgbClr val="FF3399"/>
+                          </a:solidFill>
+                          <a:effectLst/>
+                          <a:latin typeface="Consolas" panose="020B0609020204030204" pitchFamily="49" charset="0"/>
+                        </a:rPr>
+                        <a:t>&lt;</a:t>
+                      </a:r>
+                      <a:r>
+                        <a:rPr lang="en-US" sz="1000" dirty="0">
+                          <a:solidFill>
+                            <a:srgbClr val="F0F0F0"/>
+                          </a:solidFill>
+                          <a:effectLst/>
+                          <a:latin typeface="Consolas" panose="020B0609020204030204" pitchFamily="49" charset="0"/>
+                        </a:rPr>
+                        <a:t> </a:t>
+                      </a:r>
+                      <a:r>
+                        <a:rPr lang="en-US" sz="1000" dirty="0" err="1">
+                          <a:solidFill>
+                            <a:srgbClr val="F0F0F0"/>
+                          </a:solidFill>
+                          <a:effectLst/>
+                          <a:latin typeface="Consolas" panose="020B0609020204030204" pitchFamily="49" charset="0"/>
+                        </a:rPr>
+                        <a:t>maxHeap.top</a:t>
+                      </a:r>
+                      <a:r>
+                        <a:rPr lang="en-US" sz="1000" dirty="0">
+                          <a:solidFill>
+                            <a:srgbClr val="F0F0F0"/>
+                          </a:solidFill>
+                          <a:effectLst/>
+                          <a:latin typeface="Consolas" panose="020B0609020204030204" pitchFamily="49" charset="0"/>
+                        </a:rPr>
+                        <a:t>()){</a:t>
+                      </a:r>
+                    </a:p>
+                    <a:p>
+                      <a:pPr marL="0" marR="0">
+                        <a:lnSpc>
+                          <a:spcPct val="130000"/>
+                        </a:lnSpc>
+                        <a:spcBef>
+                          <a:spcPts val="0"/>
+                        </a:spcBef>
+                        <a:spcAft>
+                          <a:spcPts val="0"/>
+                        </a:spcAft>
+                      </a:pPr>
+                      <a:r>
+                        <a:rPr lang="en-US" sz="1000" dirty="0">
+                          <a:solidFill>
+                            <a:srgbClr val="F0F0F0"/>
+                          </a:solidFill>
+                          <a:effectLst/>
+                          <a:latin typeface="Consolas" panose="020B0609020204030204" pitchFamily="49" charset="0"/>
+                        </a:rPr>
+                        <a:t>            </a:t>
+                      </a:r>
+                      <a:r>
+                        <a:rPr lang="en-US" sz="1000" dirty="0" err="1">
+                          <a:solidFill>
+                            <a:srgbClr val="4BE6FA"/>
+                          </a:solidFill>
+                          <a:effectLst/>
+                          <a:latin typeface="Consolas" panose="020B0609020204030204" pitchFamily="49" charset="0"/>
+                        </a:rPr>
+                        <a:t>int</a:t>
+                      </a:r>
+                      <a:r>
+                        <a:rPr lang="en-US" sz="1000" dirty="0">
+                          <a:solidFill>
+                            <a:srgbClr val="F0F0F0"/>
+                          </a:solidFill>
+                          <a:effectLst/>
+                          <a:latin typeface="Consolas" panose="020B0609020204030204" pitchFamily="49" charset="0"/>
+                        </a:rPr>
+                        <a:t> a </a:t>
+                      </a:r>
+                      <a:r>
+                        <a:rPr lang="en-US" sz="1000" dirty="0">
+                          <a:solidFill>
+                            <a:srgbClr val="FF3399"/>
+                          </a:solidFill>
+                          <a:effectLst/>
+                          <a:latin typeface="Consolas" panose="020B0609020204030204" pitchFamily="49" charset="0"/>
+                        </a:rPr>
+                        <a:t>=</a:t>
+                      </a:r>
+                      <a:r>
+                        <a:rPr lang="en-US" sz="1000" dirty="0">
+                          <a:solidFill>
+                            <a:srgbClr val="F0F0F0"/>
+                          </a:solidFill>
+                          <a:effectLst/>
+                          <a:latin typeface="Consolas" panose="020B0609020204030204" pitchFamily="49" charset="0"/>
+                        </a:rPr>
+                        <a:t> </a:t>
+                      </a:r>
+                      <a:r>
+                        <a:rPr lang="en-US" sz="1000" dirty="0" err="1">
+                          <a:solidFill>
+                            <a:srgbClr val="F0F0F0"/>
+                          </a:solidFill>
+                          <a:effectLst/>
+                          <a:latin typeface="Consolas" panose="020B0609020204030204" pitchFamily="49" charset="0"/>
+                        </a:rPr>
+                        <a:t>maxHeap.top</a:t>
+                      </a:r>
+                      <a:r>
+                        <a:rPr lang="en-US" sz="1000" dirty="0">
+                          <a:solidFill>
+                            <a:srgbClr val="F0F0F0"/>
+                          </a:solidFill>
+                          <a:effectLst/>
+                          <a:latin typeface="Consolas" panose="020B0609020204030204" pitchFamily="49" charset="0"/>
+                        </a:rPr>
+                        <a:t>(), b </a:t>
+                      </a:r>
+                      <a:r>
+                        <a:rPr lang="en-US" sz="1000" dirty="0">
+                          <a:solidFill>
+                            <a:srgbClr val="FF3399"/>
+                          </a:solidFill>
+                          <a:effectLst/>
+                          <a:latin typeface="Consolas" panose="020B0609020204030204" pitchFamily="49" charset="0"/>
+                        </a:rPr>
+                        <a:t>=</a:t>
+                      </a:r>
+                      <a:r>
+                        <a:rPr lang="en-US" sz="1000" dirty="0">
+                          <a:solidFill>
+                            <a:srgbClr val="F0F0F0"/>
+                          </a:solidFill>
+                          <a:effectLst/>
+                          <a:latin typeface="Consolas" panose="020B0609020204030204" pitchFamily="49" charset="0"/>
+                        </a:rPr>
+                        <a:t> </a:t>
+                      </a:r>
+                      <a:r>
+                        <a:rPr lang="en-US" sz="1000" dirty="0" err="1">
+                          <a:solidFill>
+                            <a:srgbClr val="F0F0F0"/>
+                          </a:solidFill>
+                          <a:effectLst/>
+                          <a:latin typeface="Consolas" panose="020B0609020204030204" pitchFamily="49" charset="0"/>
+                        </a:rPr>
+                        <a:t>minHeap.top</a:t>
+                      </a:r>
+                      <a:r>
+                        <a:rPr lang="en-US" sz="1000" dirty="0">
+                          <a:solidFill>
+                            <a:srgbClr val="F0F0F0"/>
+                          </a:solidFill>
+                          <a:effectLst/>
+                          <a:latin typeface="Consolas" panose="020B0609020204030204" pitchFamily="49" charset="0"/>
+                        </a:rPr>
+                        <a:t>();</a:t>
+                      </a:r>
+                    </a:p>
+                    <a:p>
+                      <a:pPr marL="0" marR="0">
+                        <a:lnSpc>
+                          <a:spcPct val="130000"/>
+                        </a:lnSpc>
+                        <a:spcBef>
+                          <a:spcPts val="0"/>
+                        </a:spcBef>
+                        <a:spcAft>
+                          <a:spcPts val="0"/>
+                        </a:spcAft>
+                      </a:pPr>
+                      <a:r>
+                        <a:rPr lang="en-US" sz="1000" dirty="0">
+                          <a:solidFill>
+                            <a:srgbClr val="F0F0F0"/>
+                          </a:solidFill>
+                          <a:effectLst/>
+                          <a:latin typeface="Consolas" panose="020B0609020204030204" pitchFamily="49" charset="0"/>
+                        </a:rPr>
+                        <a:t>            </a:t>
+                      </a:r>
+                      <a:r>
+                        <a:rPr lang="en-US" sz="1000" dirty="0" err="1">
+                          <a:solidFill>
+                            <a:srgbClr val="F0F0F0"/>
+                          </a:solidFill>
+                          <a:effectLst/>
+                          <a:latin typeface="Consolas" panose="020B0609020204030204" pitchFamily="49" charset="0"/>
+                        </a:rPr>
+                        <a:t>maxHeap.</a:t>
+                      </a:r>
+                      <a:r>
+                        <a:rPr lang="en-US" sz="1000" dirty="0" err="1">
+                          <a:solidFill>
+                            <a:srgbClr val="4BE6FA"/>
+                          </a:solidFill>
+                          <a:effectLst/>
+                          <a:latin typeface="Consolas" panose="020B0609020204030204" pitchFamily="49" charset="0"/>
+                        </a:rPr>
+                        <a:t>pop</a:t>
+                      </a:r>
+                      <a:r>
+                        <a:rPr lang="en-US" sz="1000" dirty="0">
+                          <a:solidFill>
+                            <a:srgbClr val="F0F0F0"/>
+                          </a:solidFill>
+                          <a:effectLst/>
+                          <a:latin typeface="Consolas" panose="020B0609020204030204" pitchFamily="49" charset="0"/>
+                        </a:rPr>
+                        <a:t>(); </a:t>
+                      </a:r>
+                      <a:r>
+                        <a:rPr lang="en-US" sz="1000" dirty="0" err="1">
+                          <a:solidFill>
+                            <a:srgbClr val="F0F0F0"/>
+                          </a:solidFill>
+                          <a:effectLst/>
+                          <a:latin typeface="Consolas" panose="020B0609020204030204" pitchFamily="49" charset="0"/>
+                        </a:rPr>
+                        <a:t>minHeap.</a:t>
+                      </a:r>
+                      <a:r>
+                        <a:rPr lang="en-US" sz="1000" dirty="0" err="1">
+                          <a:solidFill>
+                            <a:srgbClr val="4BE6FA"/>
+                          </a:solidFill>
+                          <a:effectLst/>
+                          <a:latin typeface="Consolas" panose="020B0609020204030204" pitchFamily="49" charset="0"/>
+                        </a:rPr>
+                        <a:t>pop</a:t>
+                      </a:r>
+                      <a:r>
+                        <a:rPr lang="en-US" sz="1000" dirty="0">
+                          <a:solidFill>
+                            <a:srgbClr val="F0F0F0"/>
+                          </a:solidFill>
+                          <a:effectLst/>
+                          <a:latin typeface="Consolas" panose="020B0609020204030204" pitchFamily="49" charset="0"/>
+                        </a:rPr>
+                        <a:t>();</a:t>
+                      </a:r>
+                    </a:p>
+                    <a:p>
+                      <a:pPr marL="0" marR="0">
+                        <a:lnSpc>
+                          <a:spcPct val="130000"/>
+                        </a:lnSpc>
+                        <a:spcBef>
+                          <a:spcPts val="0"/>
+                        </a:spcBef>
+                        <a:spcAft>
+                          <a:spcPts val="0"/>
+                        </a:spcAft>
+                      </a:pPr>
+                      <a:r>
+                        <a:rPr lang="en-US" sz="1000" dirty="0">
+                          <a:solidFill>
+                            <a:srgbClr val="F0F0F0"/>
+                          </a:solidFill>
+                          <a:effectLst/>
+                          <a:latin typeface="Consolas" panose="020B0609020204030204" pitchFamily="49" charset="0"/>
+                        </a:rPr>
+                        <a:t>            </a:t>
+                      </a:r>
+                      <a:r>
+                        <a:rPr lang="en-US" sz="1000" dirty="0" err="1">
+                          <a:solidFill>
+                            <a:srgbClr val="F0F0F0"/>
+                          </a:solidFill>
+                          <a:effectLst/>
+                          <a:latin typeface="Consolas" panose="020B0609020204030204" pitchFamily="49" charset="0"/>
+                        </a:rPr>
+                        <a:t>maxHeap.push</a:t>
+                      </a:r>
+                      <a:r>
+                        <a:rPr lang="en-US" sz="1000" dirty="0">
+                          <a:solidFill>
+                            <a:srgbClr val="F0F0F0"/>
+                          </a:solidFill>
+                          <a:effectLst/>
+                          <a:latin typeface="Consolas" panose="020B0609020204030204" pitchFamily="49" charset="0"/>
+                        </a:rPr>
+                        <a:t>(b);</a:t>
+                      </a:r>
+                    </a:p>
+                    <a:p>
+                      <a:pPr marL="0" marR="0">
+                        <a:lnSpc>
+                          <a:spcPct val="130000"/>
+                        </a:lnSpc>
+                        <a:spcBef>
+                          <a:spcPts val="0"/>
+                        </a:spcBef>
+                        <a:spcAft>
+                          <a:spcPts val="0"/>
+                        </a:spcAft>
+                      </a:pPr>
+                      <a:r>
+                        <a:rPr lang="en-US" sz="1000" dirty="0">
+                          <a:solidFill>
+                            <a:srgbClr val="F0F0F0"/>
+                          </a:solidFill>
+                          <a:effectLst/>
+                          <a:latin typeface="Consolas" panose="020B0609020204030204" pitchFamily="49" charset="0"/>
+                        </a:rPr>
+                        <a:t>            </a:t>
+                      </a:r>
+                      <a:r>
+                        <a:rPr lang="en-US" sz="1000" dirty="0" err="1">
+                          <a:solidFill>
+                            <a:srgbClr val="F0F0F0"/>
+                          </a:solidFill>
+                          <a:effectLst/>
+                          <a:latin typeface="Consolas" panose="020B0609020204030204" pitchFamily="49" charset="0"/>
+                        </a:rPr>
+                        <a:t>minHeap.push</a:t>
+                      </a:r>
+                      <a:r>
+                        <a:rPr lang="en-US" sz="1000" dirty="0">
+                          <a:solidFill>
+                            <a:srgbClr val="F0F0F0"/>
+                          </a:solidFill>
+                          <a:effectLst/>
+                          <a:latin typeface="Consolas" panose="020B0609020204030204" pitchFamily="49" charset="0"/>
+                        </a:rPr>
+                        <a:t>(a);</a:t>
+                      </a:r>
+                    </a:p>
+                    <a:p>
+                      <a:pPr marL="0" marR="0">
+                        <a:lnSpc>
+                          <a:spcPct val="130000"/>
+                        </a:lnSpc>
+                        <a:spcBef>
+                          <a:spcPts val="0"/>
+                        </a:spcBef>
+                        <a:spcAft>
+                          <a:spcPts val="0"/>
+                        </a:spcAft>
+                      </a:pPr>
+                      <a:r>
+                        <a:rPr lang="en-US" sz="1000" dirty="0">
+                          <a:solidFill>
+                            <a:srgbClr val="F0F0F0"/>
+                          </a:solidFill>
+                          <a:effectLst/>
+                          <a:latin typeface="Consolas" panose="020B0609020204030204" pitchFamily="49" charset="0"/>
+                        </a:rPr>
+                        <a:t>        }</a:t>
+                      </a:r>
+                    </a:p>
+                    <a:p>
+                      <a:pPr marL="0" marR="0">
+                        <a:lnSpc>
+                          <a:spcPct val="130000"/>
+                        </a:lnSpc>
+                        <a:spcBef>
+                          <a:spcPts val="0"/>
+                        </a:spcBef>
+                        <a:spcAft>
+                          <a:spcPts val="0"/>
+                        </a:spcAft>
+                      </a:pPr>
+                      <a:r>
+                        <a:rPr lang="en-US" sz="1000" dirty="0">
+                          <a:solidFill>
+                            <a:srgbClr val="F0F0F0"/>
+                          </a:solidFill>
+                          <a:effectLst/>
+                          <a:latin typeface="Consolas" panose="020B0609020204030204" pitchFamily="49" charset="0"/>
+                        </a:rPr>
+                        <a:t>        ret </a:t>
+                      </a:r>
+                      <a:r>
+                        <a:rPr lang="en-US" sz="1000" dirty="0">
+                          <a:solidFill>
+                            <a:srgbClr val="FF3399"/>
+                          </a:solidFill>
+                          <a:effectLst/>
+                          <a:latin typeface="Consolas" panose="020B0609020204030204" pitchFamily="49" charset="0"/>
+                        </a:rPr>
+                        <a:t>=</a:t>
+                      </a:r>
+                      <a:r>
+                        <a:rPr lang="en-US" sz="1000" dirty="0">
+                          <a:solidFill>
+                            <a:srgbClr val="F0F0F0"/>
+                          </a:solidFill>
+                          <a:effectLst/>
+                          <a:latin typeface="Consolas" panose="020B0609020204030204" pitchFamily="49" charset="0"/>
+                        </a:rPr>
+                        <a:t> (</a:t>
+                      </a:r>
+                      <a:r>
+                        <a:rPr lang="en-US" sz="1000" dirty="0" err="1">
+                          <a:solidFill>
+                            <a:srgbClr val="F0F0F0"/>
+                          </a:solidFill>
+                          <a:effectLst/>
+                          <a:latin typeface="Consolas" panose="020B0609020204030204" pitchFamily="49" charset="0"/>
+                        </a:rPr>
+                        <a:t>ret</a:t>
+                      </a:r>
+                      <a:r>
+                        <a:rPr lang="en-US" sz="1000" dirty="0" err="1">
+                          <a:solidFill>
+                            <a:srgbClr val="FF3399"/>
+                          </a:solidFill>
+                          <a:effectLst/>
+                          <a:latin typeface="Consolas" panose="020B0609020204030204" pitchFamily="49" charset="0"/>
+                        </a:rPr>
+                        <a:t>+</a:t>
+                      </a:r>
+                      <a:r>
+                        <a:rPr lang="en-US" sz="1000" dirty="0" err="1">
+                          <a:solidFill>
+                            <a:srgbClr val="F0F0F0"/>
+                          </a:solidFill>
+                          <a:effectLst/>
+                          <a:latin typeface="Consolas" panose="020B0609020204030204" pitchFamily="49" charset="0"/>
+                        </a:rPr>
+                        <a:t>maxHeap.top</a:t>
+                      </a:r>
+                      <a:r>
+                        <a:rPr lang="en-US" sz="1000" dirty="0">
+                          <a:solidFill>
+                            <a:srgbClr val="F0F0F0"/>
+                          </a:solidFill>
+                          <a:effectLst/>
+                          <a:latin typeface="Consolas" panose="020B0609020204030204" pitchFamily="49" charset="0"/>
+                        </a:rPr>
+                        <a:t>()) % </a:t>
+                      </a:r>
+                      <a:r>
+                        <a:rPr lang="en-US" sz="1000" dirty="0">
+                          <a:solidFill>
+                            <a:srgbClr val="C10AFF"/>
+                          </a:solidFill>
+                          <a:effectLst/>
+                          <a:latin typeface="Consolas" panose="020B0609020204030204" pitchFamily="49" charset="0"/>
+                        </a:rPr>
+                        <a:t>20090711</a:t>
+                      </a:r>
+                      <a:r>
+                        <a:rPr lang="en-US" sz="1000" dirty="0">
+                          <a:solidFill>
+                            <a:srgbClr val="F0F0F0"/>
+                          </a:solidFill>
+                          <a:effectLst/>
+                          <a:latin typeface="Consolas" panose="020B0609020204030204" pitchFamily="49" charset="0"/>
+                        </a:rPr>
+                        <a:t>;</a:t>
+                      </a:r>
+                    </a:p>
+                    <a:p>
+                      <a:pPr marL="0" marR="0">
+                        <a:lnSpc>
+                          <a:spcPct val="130000"/>
+                        </a:lnSpc>
+                        <a:spcBef>
+                          <a:spcPts val="0"/>
+                        </a:spcBef>
+                        <a:spcAft>
+                          <a:spcPts val="0"/>
+                        </a:spcAft>
+                      </a:pPr>
+                      <a:r>
+                        <a:rPr lang="en-US" sz="1000" dirty="0">
+                          <a:solidFill>
+                            <a:srgbClr val="F0F0F0"/>
+                          </a:solidFill>
+                          <a:effectLst/>
+                          <a:latin typeface="Consolas" panose="020B0609020204030204" pitchFamily="49" charset="0"/>
+                        </a:rPr>
+                        <a:t>    }</a:t>
+                      </a:r>
+                    </a:p>
+                    <a:p>
+                      <a:pPr marL="0" marR="0">
+                        <a:lnSpc>
+                          <a:spcPct val="130000"/>
+                        </a:lnSpc>
+                        <a:spcBef>
+                          <a:spcPts val="0"/>
+                        </a:spcBef>
+                        <a:spcAft>
+                          <a:spcPts val="0"/>
+                        </a:spcAft>
+                      </a:pPr>
+                      <a:r>
+                        <a:rPr lang="en-US" sz="1000" dirty="0">
+                          <a:solidFill>
+                            <a:srgbClr val="F0F0F0"/>
+                          </a:solidFill>
+                          <a:effectLst/>
+                          <a:latin typeface="Consolas" panose="020B0609020204030204" pitchFamily="49" charset="0"/>
+                        </a:rPr>
+                        <a:t>    </a:t>
+                      </a:r>
+                      <a:r>
+                        <a:rPr lang="en-US" sz="1000" dirty="0">
+                          <a:solidFill>
+                            <a:srgbClr val="FF3399"/>
+                          </a:solidFill>
+                          <a:effectLst/>
+                          <a:latin typeface="Consolas" panose="020B0609020204030204" pitchFamily="49" charset="0"/>
+                        </a:rPr>
+                        <a:t>return</a:t>
+                      </a:r>
+                      <a:r>
+                        <a:rPr lang="en-US" sz="1000" dirty="0">
+                          <a:solidFill>
+                            <a:srgbClr val="F0F0F0"/>
+                          </a:solidFill>
+                          <a:effectLst/>
+                          <a:latin typeface="Consolas" panose="020B0609020204030204" pitchFamily="49" charset="0"/>
+                        </a:rPr>
+                        <a:t> ret;        </a:t>
+                      </a:r>
+                    </a:p>
+                    <a:p>
+                      <a:pPr marL="0" marR="0">
+                        <a:lnSpc>
+                          <a:spcPct val="130000"/>
+                        </a:lnSpc>
+                        <a:spcBef>
+                          <a:spcPts val="0"/>
+                        </a:spcBef>
+                        <a:spcAft>
+                          <a:spcPts val="0"/>
+                        </a:spcAft>
+                      </a:pPr>
+                      <a:r>
+                        <a:rPr lang="en-US" sz="1000" dirty="0">
+                          <a:solidFill>
+                            <a:srgbClr val="F0F0F0"/>
+                          </a:solidFill>
+                          <a:effectLst/>
+                          <a:latin typeface="Consolas" panose="020B0609020204030204" pitchFamily="49" charset="0"/>
+                        </a:rPr>
+                        <a:t>}</a:t>
+                      </a:r>
+                    </a:p>
+                    <a:p>
+                      <a:pPr algn="r"/>
+                      <a:r>
+                        <a:rPr lang="en-US" sz="1000" i="1" u="none" strike="noStrike" dirty="0">
+                          <a:solidFill>
+                            <a:srgbClr val="4F4F4F"/>
+                          </a:solidFill>
+                          <a:effectLst/>
+                          <a:hlinkClick r:id="rId2"/>
+                        </a:rPr>
+                        <a:t>Colored by Color Scripter</a:t>
+                      </a:r>
+                      <a:endParaRPr lang="en-US" sz="1000" i="1" dirty="0">
+                        <a:effectLst/>
+                      </a:endParaRPr>
+                    </a:p>
+                  </a:txBody>
+                  <a:tcPr marL="0" marR="0" marT="6820" marB="6820" anchor="ctr">
+                    <a:lnL w="15240" cap="flat" cmpd="sng" algn="ctr">
+                      <a:solidFill>
+                        <a:srgbClr val="4F4F4F"/>
+                      </a:solidFill>
+                      <a:prstDash val="solid"/>
+                      <a:round/>
+                      <a:headEnd type="none" w="med" len="med"/>
+                      <a:tailEnd type="none" w="med" len="med"/>
+                    </a:lnL>
+                    <a:lnR>
+                      <a:noFill/>
+                    </a:lnR>
+                    <a:lnT>
+                      <a:noFill/>
+                    </a:lnT>
+                    <a:lnB>
+                      <a:noFill/>
+                    </a:lnB>
+                    <a:solidFill>
+                      <a:srgbClr val="272727"/>
+                    </a:solidFill>
+                  </a:tcPr>
+                </a:tc>
+                <a:tc>
+                  <a:txBody>
+                    <a:bodyPr/>
+                    <a:lstStyle/>
+                    <a:p>
+                      <a:pPr fontAlgn="b"/>
+                      <a:r>
+                        <a:rPr lang="en-US" sz="1000" u="none" strike="noStrike" dirty="0" err="1">
+                          <a:solidFill>
+                            <a:srgbClr val="FFFFFF"/>
+                          </a:solidFill>
+                          <a:effectLst/>
+                          <a:hlinkClick r:id="rId2"/>
+                        </a:rPr>
+                        <a:t>cs</a:t>
+                      </a:r>
+                      <a:endParaRPr lang="en-US" sz="1000" dirty="0">
+                        <a:effectLst/>
+                      </a:endParaRPr>
+                    </a:p>
+                  </a:txBody>
+                  <a:tcPr marL="0" marR="2273" marT="0" marB="4547" anchor="b">
+                    <a:lnL>
+                      <a:noFill/>
+                    </a:lnL>
+                    <a:lnR>
+                      <a:noFill/>
+                    </a:lnR>
+                    <a:lnT>
+                      <a:noFill/>
+                    </a:lnT>
+                    <a:lnB>
+                      <a:noFill/>
+                    </a:lnB>
+                    <a:solidFill>
+                      <a:srgbClr val="272727"/>
+                    </a:solidFill>
+                  </a:tcPr>
+                </a:tc>
+                <a:extLst>
+                  <a:ext uri="{0D108BD9-81ED-4DB2-BD59-A6C34878D82A}">
+                    <a16:rowId xmlns:a16="http://schemas.microsoft.com/office/drawing/2014/main" val="1535921140"/>
+                  </a:ext>
+                </a:extLst>
+              </a:tr>
+            </a:tbl>
+          </a:graphicData>
+        </a:graphic>
+      </p:graphicFrame>
+    </p:spTree>
+    <p:extLst>
+      <p:ext uri="{BB962C8B-B14F-4D97-AF65-F5344CB8AC3E}">
+        <p14:creationId xmlns:p14="http://schemas.microsoft.com/office/powerpoint/2010/main" val="208110300"/>
       </p:ext>
     </p:extLst>
   </p:cSld>

--- a/Chapter23/힙.pptx
+++ b/Chapter23/힙.pptx
@@ -4,11 +4,14 @@
   <p:sldMasterIdLst>
     <p:sldMasterId id="2147483648" r:id="rId1"/>
   </p:sldMasterIdLst>
+  <p:notesMasterIdLst>
+    <p:notesMasterId r:id="rId21"/>
+  </p:notesMasterIdLst>
   <p:sldIdLst>
     <p:sldId id="256" r:id="rId2"/>
     <p:sldId id="274" r:id="rId3"/>
-    <p:sldId id="276" r:id="rId4"/>
-    <p:sldId id="257" r:id="rId5"/>
+    <p:sldId id="257" r:id="rId4"/>
+    <p:sldId id="276" r:id="rId5"/>
     <p:sldId id="258" r:id="rId6"/>
     <p:sldId id="259" r:id="rId7"/>
     <p:sldId id="277" r:id="rId8"/>
@@ -21,8 +24,9 @@
     <p:sldId id="271" r:id="rId15"/>
     <p:sldId id="272" r:id="rId16"/>
     <p:sldId id="273" r:id="rId17"/>
-    <p:sldId id="281" r:id="rId18"/>
-    <p:sldId id="282" r:id="rId19"/>
+    <p:sldId id="284" r:id="rId18"/>
+    <p:sldId id="281" r:id="rId19"/>
+    <p:sldId id="282" r:id="rId20"/>
   </p:sldIdLst>
   <p:sldSz cx="12192000" cy="6858000"/>
   <p:notesSz cx="6858000" cy="9144000"/>
@@ -133,6 +137,1315 @@
 <p1510:revInfo xmlns:a="http://schemas.openxmlformats.org/drawingml/2006/main" xmlns:r="http://schemas.openxmlformats.org/officeDocument/2006/relationships" xmlns:p1510="http://schemas.microsoft.com/office/powerpoint/2015/10/main"/>
 </file>
 
+<file path=ppt/notesMasters/notesMaster1.xml><?xml version="1.0" encoding="utf-8"?>
+<p:notesMaster xmlns:a="http://schemas.openxmlformats.org/drawingml/2006/main" xmlns:r="http://schemas.openxmlformats.org/officeDocument/2006/relationships" xmlns:p="http://schemas.openxmlformats.org/presentationml/2006/main">
+  <p:cSld>
+    <p:bg>
+      <p:bgRef idx="1001">
+        <a:schemeClr val="bg1"/>
+      </p:bgRef>
+    </p:bg>
+    <p:spTree>
+      <p:nvGrpSpPr>
+        <p:cNvPr id="1" name=""/>
+        <p:cNvGrpSpPr/>
+        <p:nvPr/>
+      </p:nvGrpSpPr>
+      <p:grpSpPr>
+        <a:xfrm>
+          <a:off x="0" y="0"/>
+          <a:ext cx="0" cy="0"/>
+          <a:chOff x="0" y="0"/>
+          <a:chExt cx="0" cy="0"/>
+        </a:xfrm>
+      </p:grpSpPr>
+      <p:sp>
+        <p:nvSpPr>
+          <p:cNvPr id="2" name="머리글 개체 틀 1"/>
+          <p:cNvSpPr>
+            <a:spLocks noGrp="1"/>
+          </p:cNvSpPr>
+          <p:nvPr>
+            <p:ph type="hdr" sz="quarter"/>
+          </p:nvPr>
+        </p:nvSpPr>
+        <p:spPr>
+          <a:xfrm>
+            <a:off x="0" y="0"/>
+            <a:ext cx="2971800" cy="458788"/>
+          </a:xfrm>
+          <a:prstGeom prst="rect">
+            <a:avLst/>
+          </a:prstGeom>
+        </p:spPr>
+        <p:txBody>
+          <a:bodyPr vert="horz" lIns="91440" tIns="45720" rIns="91440" bIns="45720" rtlCol="0"/>
+          <a:lstStyle>
+            <a:lvl1pPr algn="l">
+              <a:defRPr sz="1200"/>
+            </a:lvl1pPr>
+          </a:lstStyle>
+          <a:p>
+            <a:endParaRPr lang="ko-KR" altLang="en-US"/>
+          </a:p>
+        </p:txBody>
+      </p:sp>
+      <p:sp>
+        <p:nvSpPr>
+          <p:cNvPr id="3" name="날짜 개체 틀 2"/>
+          <p:cNvSpPr>
+            <a:spLocks noGrp="1"/>
+          </p:cNvSpPr>
+          <p:nvPr>
+            <p:ph type="dt" idx="1"/>
+          </p:nvPr>
+        </p:nvSpPr>
+        <p:spPr>
+          <a:xfrm>
+            <a:off x="3884613" y="0"/>
+            <a:ext cx="2971800" cy="458788"/>
+          </a:xfrm>
+          <a:prstGeom prst="rect">
+            <a:avLst/>
+          </a:prstGeom>
+        </p:spPr>
+        <p:txBody>
+          <a:bodyPr vert="horz" lIns="91440" tIns="45720" rIns="91440" bIns="45720" rtlCol="0"/>
+          <a:lstStyle>
+            <a:lvl1pPr algn="r">
+              <a:defRPr sz="1200"/>
+            </a:lvl1pPr>
+          </a:lstStyle>
+          <a:p>
+            <a:fld id="{07C18FE7-5528-430A-9759-F021518C6510}" type="datetimeFigureOut">
+              <a:rPr lang="ko-KR" altLang="en-US" smtClean="0"/>
+              <a:t>2018-01-13</a:t>
+            </a:fld>
+            <a:endParaRPr lang="ko-KR" altLang="en-US"/>
+          </a:p>
+        </p:txBody>
+      </p:sp>
+      <p:sp>
+        <p:nvSpPr>
+          <p:cNvPr id="4" name="슬라이드 이미지 개체 틀 3"/>
+          <p:cNvSpPr>
+            <a:spLocks noGrp="1" noRot="1" noChangeAspect="1"/>
+          </p:cNvSpPr>
+          <p:nvPr>
+            <p:ph type="sldImg" idx="2"/>
+          </p:nvPr>
+        </p:nvSpPr>
+        <p:spPr>
+          <a:xfrm>
+            <a:off x="685800" y="1143000"/>
+            <a:ext cx="5486400" cy="3086100"/>
+          </a:xfrm>
+          <a:prstGeom prst="rect">
+            <a:avLst/>
+          </a:prstGeom>
+          <a:noFill/>
+          <a:ln w="12700">
+            <a:solidFill>
+              <a:prstClr val="black"/>
+            </a:solidFill>
+          </a:ln>
+        </p:spPr>
+        <p:txBody>
+          <a:bodyPr vert="horz" lIns="91440" tIns="45720" rIns="91440" bIns="45720" rtlCol="0" anchor="ctr"/>
+          <a:lstStyle/>
+          <a:p>
+            <a:endParaRPr lang="ko-KR" altLang="en-US"/>
+          </a:p>
+        </p:txBody>
+      </p:sp>
+      <p:sp>
+        <p:nvSpPr>
+          <p:cNvPr id="5" name="슬라이드 노트 개체 틀 4"/>
+          <p:cNvSpPr>
+            <a:spLocks noGrp="1"/>
+          </p:cNvSpPr>
+          <p:nvPr>
+            <p:ph type="body" sz="quarter" idx="3"/>
+          </p:nvPr>
+        </p:nvSpPr>
+        <p:spPr>
+          <a:xfrm>
+            <a:off x="685800" y="4400550"/>
+            <a:ext cx="5486400" cy="3600450"/>
+          </a:xfrm>
+          <a:prstGeom prst="rect">
+            <a:avLst/>
+          </a:prstGeom>
+        </p:spPr>
+        <p:txBody>
+          <a:bodyPr vert="horz" lIns="91440" tIns="45720" rIns="91440" bIns="45720" rtlCol="0"/>
+          <a:lstStyle/>
+          <a:p>
+            <a:pPr lvl="0"/>
+            <a:r>
+              <a:rPr lang="ko-KR" altLang="en-US"/>
+              <a:t>마스터 텍스트 스타일 편집</a:t>
+            </a:r>
+          </a:p>
+          <a:p>
+            <a:pPr lvl="1"/>
+            <a:r>
+              <a:rPr lang="ko-KR" altLang="en-US"/>
+              <a:t>둘째 수준</a:t>
+            </a:r>
+          </a:p>
+          <a:p>
+            <a:pPr lvl="2"/>
+            <a:r>
+              <a:rPr lang="ko-KR" altLang="en-US"/>
+              <a:t>셋째 수준</a:t>
+            </a:r>
+          </a:p>
+          <a:p>
+            <a:pPr lvl="3"/>
+            <a:r>
+              <a:rPr lang="ko-KR" altLang="en-US"/>
+              <a:t>넷째 수준</a:t>
+            </a:r>
+          </a:p>
+          <a:p>
+            <a:pPr lvl="4"/>
+            <a:r>
+              <a:rPr lang="ko-KR" altLang="en-US"/>
+              <a:t>다섯째 수준</a:t>
+            </a:r>
+          </a:p>
+        </p:txBody>
+      </p:sp>
+      <p:sp>
+        <p:nvSpPr>
+          <p:cNvPr id="6" name="바닥글 개체 틀 5"/>
+          <p:cNvSpPr>
+            <a:spLocks noGrp="1"/>
+          </p:cNvSpPr>
+          <p:nvPr>
+            <p:ph type="ftr" sz="quarter" idx="4"/>
+          </p:nvPr>
+        </p:nvSpPr>
+        <p:spPr>
+          <a:xfrm>
+            <a:off x="0" y="8685213"/>
+            <a:ext cx="2971800" cy="458787"/>
+          </a:xfrm>
+          <a:prstGeom prst="rect">
+            <a:avLst/>
+          </a:prstGeom>
+        </p:spPr>
+        <p:txBody>
+          <a:bodyPr vert="horz" lIns="91440" tIns="45720" rIns="91440" bIns="45720" rtlCol="0" anchor="b"/>
+          <a:lstStyle>
+            <a:lvl1pPr algn="l">
+              <a:defRPr sz="1200"/>
+            </a:lvl1pPr>
+          </a:lstStyle>
+          <a:p>
+            <a:endParaRPr lang="ko-KR" altLang="en-US"/>
+          </a:p>
+        </p:txBody>
+      </p:sp>
+      <p:sp>
+        <p:nvSpPr>
+          <p:cNvPr id="7" name="슬라이드 번호 개체 틀 6"/>
+          <p:cNvSpPr>
+            <a:spLocks noGrp="1"/>
+          </p:cNvSpPr>
+          <p:nvPr>
+            <p:ph type="sldNum" sz="quarter" idx="5"/>
+          </p:nvPr>
+        </p:nvSpPr>
+        <p:spPr>
+          <a:xfrm>
+            <a:off x="3884613" y="8685213"/>
+            <a:ext cx="2971800" cy="458787"/>
+          </a:xfrm>
+          <a:prstGeom prst="rect">
+            <a:avLst/>
+          </a:prstGeom>
+        </p:spPr>
+        <p:txBody>
+          <a:bodyPr vert="horz" lIns="91440" tIns="45720" rIns="91440" bIns="45720" rtlCol="0" anchor="b"/>
+          <a:lstStyle>
+            <a:lvl1pPr algn="r">
+              <a:defRPr sz="1200"/>
+            </a:lvl1pPr>
+          </a:lstStyle>
+          <a:p>
+            <a:fld id="{75D78CB7-893F-4FF5-AE2D-8F0E16575B7E}" type="slidenum">
+              <a:rPr lang="ko-KR" altLang="en-US" smtClean="0"/>
+              <a:t>‹#›</a:t>
+            </a:fld>
+            <a:endParaRPr lang="ko-KR" altLang="en-US"/>
+          </a:p>
+        </p:txBody>
+      </p:sp>
+    </p:spTree>
+    <p:extLst>
+      <p:ext uri="{BB962C8B-B14F-4D97-AF65-F5344CB8AC3E}">
+        <p14:creationId xmlns:p14="http://schemas.microsoft.com/office/powerpoint/2010/main" val="818194101"/>
+      </p:ext>
+    </p:extLst>
+  </p:cSld>
+  <p:clrMap bg1="lt1" tx1="dk1" bg2="lt2" tx2="dk2" accent1="accent1" accent2="accent2" accent3="accent3" accent4="accent4" accent5="accent5" accent6="accent6" hlink="hlink" folHlink="folHlink"/>
+  <p:notesStyle>
+    <a:lvl1pPr marL="0" algn="l" defTabSz="914400" rtl="0" eaLnBrk="1" latinLnBrk="1" hangingPunct="1">
+      <a:defRPr sz="1200" kern="1200">
+        <a:solidFill>
+          <a:schemeClr val="tx1"/>
+        </a:solidFill>
+        <a:latin typeface="+mn-lt"/>
+        <a:ea typeface="+mn-ea"/>
+        <a:cs typeface="+mn-cs"/>
+      </a:defRPr>
+    </a:lvl1pPr>
+    <a:lvl2pPr marL="457200" algn="l" defTabSz="914400" rtl="0" eaLnBrk="1" latinLnBrk="1" hangingPunct="1">
+      <a:defRPr sz="1200" kern="1200">
+        <a:solidFill>
+          <a:schemeClr val="tx1"/>
+        </a:solidFill>
+        <a:latin typeface="+mn-lt"/>
+        <a:ea typeface="+mn-ea"/>
+        <a:cs typeface="+mn-cs"/>
+      </a:defRPr>
+    </a:lvl2pPr>
+    <a:lvl3pPr marL="914400" algn="l" defTabSz="914400" rtl="0" eaLnBrk="1" latinLnBrk="1" hangingPunct="1">
+      <a:defRPr sz="1200" kern="1200">
+        <a:solidFill>
+          <a:schemeClr val="tx1"/>
+        </a:solidFill>
+        <a:latin typeface="+mn-lt"/>
+        <a:ea typeface="+mn-ea"/>
+        <a:cs typeface="+mn-cs"/>
+      </a:defRPr>
+    </a:lvl3pPr>
+    <a:lvl4pPr marL="1371600" algn="l" defTabSz="914400" rtl="0" eaLnBrk="1" latinLnBrk="1" hangingPunct="1">
+      <a:defRPr sz="1200" kern="1200">
+        <a:solidFill>
+          <a:schemeClr val="tx1"/>
+        </a:solidFill>
+        <a:latin typeface="+mn-lt"/>
+        <a:ea typeface="+mn-ea"/>
+        <a:cs typeface="+mn-cs"/>
+      </a:defRPr>
+    </a:lvl4pPr>
+    <a:lvl5pPr marL="1828800" algn="l" defTabSz="914400" rtl="0" eaLnBrk="1" latinLnBrk="1" hangingPunct="1">
+      <a:defRPr sz="1200" kern="1200">
+        <a:solidFill>
+          <a:schemeClr val="tx1"/>
+        </a:solidFill>
+        <a:latin typeface="+mn-lt"/>
+        <a:ea typeface="+mn-ea"/>
+        <a:cs typeface="+mn-cs"/>
+      </a:defRPr>
+    </a:lvl5pPr>
+    <a:lvl6pPr marL="2286000" algn="l" defTabSz="914400" rtl="0" eaLnBrk="1" latinLnBrk="1" hangingPunct="1">
+      <a:defRPr sz="1200" kern="1200">
+        <a:solidFill>
+          <a:schemeClr val="tx1"/>
+        </a:solidFill>
+        <a:latin typeface="+mn-lt"/>
+        <a:ea typeface="+mn-ea"/>
+        <a:cs typeface="+mn-cs"/>
+      </a:defRPr>
+    </a:lvl6pPr>
+    <a:lvl7pPr marL="2743200" algn="l" defTabSz="914400" rtl="0" eaLnBrk="1" latinLnBrk="1" hangingPunct="1">
+      <a:defRPr sz="1200" kern="1200">
+        <a:solidFill>
+          <a:schemeClr val="tx1"/>
+        </a:solidFill>
+        <a:latin typeface="+mn-lt"/>
+        <a:ea typeface="+mn-ea"/>
+        <a:cs typeface="+mn-cs"/>
+      </a:defRPr>
+    </a:lvl7pPr>
+    <a:lvl8pPr marL="3200400" algn="l" defTabSz="914400" rtl="0" eaLnBrk="1" latinLnBrk="1" hangingPunct="1">
+      <a:defRPr sz="1200" kern="1200">
+        <a:solidFill>
+          <a:schemeClr val="tx1"/>
+        </a:solidFill>
+        <a:latin typeface="+mn-lt"/>
+        <a:ea typeface="+mn-ea"/>
+        <a:cs typeface="+mn-cs"/>
+      </a:defRPr>
+    </a:lvl8pPr>
+    <a:lvl9pPr marL="3657600" algn="l" defTabSz="914400" rtl="0" eaLnBrk="1" latinLnBrk="1" hangingPunct="1">
+      <a:defRPr sz="1200" kern="1200">
+        <a:solidFill>
+          <a:schemeClr val="tx1"/>
+        </a:solidFill>
+        <a:latin typeface="+mn-lt"/>
+        <a:ea typeface="+mn-ea"/>
+        <a:cs typeface="+mn-cs"/>
+      </a:defRPr>
+    </a:lvl9pPr>
+  </p:notesStyle>
+</p:notesMaster>
+</file>
+
+<file path=ppt/notesSlides/notesSlide1.xml><?xml version="1.0" encoding="utf-8"?>
+<p:notes xmlns:a="http://schemas.openxmlformats.org/drawingml/2006/main" xmlns:r="http://schemas.openxmlformats.org/officeDocument/2006/relationships" xmlns:p="http://schemas.openxmlformats.org/presentationml/2006/main">
+  <p:cSld>
+    <p:spTree>
+      <p:nvGrpSpPr>
+        <p:cNvPr id="1" name=""/>
+        <p:cNvGrpSpPr/>
+        <p:nvPr/>
+      </p:nvGrpSpPr>
+      <p:grpSpPr>
+        <a:xfrm>
+          <a:off x="0" y="0"/>
+          <a:ext cx="0" cy="0"/>
+          <a:chOff x="0" y="0"/>
+          <a:chExt cx="0" cy="0"/>
+        </a:xfrm>
+      </p:grpSpPr>
+      <p:sp>
+        <p:nvSpPr>
+          <p:cNvPr id="2" name="슬라이드 이미지 개체 틀 1"/>
+          <p:cNvSpPr>
+            <a:spLocks noGrp="1" noRot="1" noChangeAspect="1"/>
+          </p:cNvSpPr>
+          <p:nvPr>
+            <p:ph type="sldImg"/>
+          </p:nvPr>
+        </p:nvSpPr>
+        <p:spPr/>
+      </p:sp>
+      <p:sp>
+        <p:nvSpPr>
+          <p:cNvPr id="3" name="슬라이드 노트 개체 틀 2"/>
+          <p:cNvSpPr>
+            <a:spLocks noGrp="1"/>
+          </p:cNvSpPr>
+          <p:nvPr>
+            <p:ph type="body" idx="1"/>
+          </p:nvPr>
+        </p:nvSpPr>
+        <p:spPr/>
+        <p:txBody>
+          <a:bodyPr/>
+          <a:lstStyle/>
+          <a:p>
+            <a:r>
+              <a:rPr lang="ko-KR" altLang="en-US" dirty="0"/>
+              <a:t>큐는</a:t>
+            </a:r>
+            <a:r>
+              <a:rPr lang="en-US" altLang="ko-KR" dirty="0"/>
+              <a:t>?</a:t>
+            </a:r>
+          </a:p>
+          <a:p>
+            <a:endParaRPr lang="en-US" altLang="ko-KR" dirty="0"/>
+          </a:p>
+          <a:p>
+            <a:r>
+              <a:rPr lang="ko-KR" altLang="en-US" dirty="0" err="1"/>
+              <a:t>시간복잡도</a:t>
+            </a:r>
+            <a:endParaRPr lang="en-US" altLang="ko-KR" dirty="0"/>
+          </a:p>
+          <a:p>
+            <a:r>
+              <a:rPr lang="ko-KR" altLang="en-US" dirty="0"/>
+              <a:t>배열 이용 </a:t>
+            </a:r>
+            <a:r>
+              <a:rPr lang="en-US" altLang="ko-KR" dirty="0"/>
+              <a:t>: </a:t>
+            </a:r>
+            <a:r>
+              <a:rPr lang="ko-KR" altLang="en-US" dirty="0"/>
+              <a:t>추가는 </a:t>
+            </a:r>
+            <a:r>
+              <a:rPr lang="en-US" altLang="ko-KR" dirty="0"/>
+              <a:t>O(1)</a:t>
+            </a:r>
+            <a:r>
+              <a:rPr lang="ko-KR" altLang="en-US" dirty="0"/>
+              <a:t>이지만 꺼내기는 </a:t>
+            </a:r>
+            <a:r>
+              <a:rPr lang="en-US" altLang="ko-KR" dirty="0"/>
+              <a:t>O(N)</a:t>
+            </a:r>
+          </a:p>
+          <a:p>
+            <a:r>
+              <a:rPr lang="ko-KR" altLang="en-US" dirty="0"/>
+              <a:t>균형 잡힌 이진 검색 트리 </a:t>
+            </a:r>
+            <a:r>
+              <a:rPr lang="en-US" altLang="ko-KR" dirty="0"/>
+              <a:t>: O(</a:t>
+            </a:r>
+            <a:r>
+              <a:rPr lang="en-US" altLang="ko-KR" dirty="0" err="1"/>
+              <a:t>logN</a:t>
+            </a:r>
+            <a:r>
+              <a:rPr lang="en-US" altLang="ko-KR" dirty="0"/>
+              <a:t>)</a:t>
+            </a:r>
+          </a:p>
+          <a:p>
+            <a:r>
+              <a:rPr lang="en-US" altLang="ko-KR" dirty="0"/>
+              <a:t>=&gt;</a:t>
+            </a:r>
+            <a:r>
+              <a:rPr lang="ko-KR" altLang="en-US" dirty="0"/>
+              <a:t>단순한 구조로 구현하기 위해 </a:t>
+            </a:r>
+            <a:r>
+              <a:rPr lang="ko-KR" altLang="en-US" dirty="0" err="1"/>
+              <a:t>힙이</a:t>
+            </a:r>
+            <a:r>
+              <a:rPr lang="ko-KR" altLang="en-US" dirty="0"/>
+              <a:t> 나옴</a:t>
+            </a:r>
+          </a:p>
+        </p:txBody>
+      </p:sp>
+      <p:sp>
+        <p:nvSpPr>
+          <p:cNvPr id="4" name="슬라이드 번호 개체 틀 3"/>
+          <p:cNvSpPr>
+            <a:spLocks noGrp="1"/>
+          </p:cNvSpPr>
+          <p:nvPr>
+            <p:ph type="sldNum" sz="quarter" idx="10"/>
+          </p:nvPr>
+        </p:nvSpPr>
+        <p:spPr/>
+        <p:txBody>
+          <a:bodyPr/>
+          <a:lstStyle/>
+          <a:p>
+            <a:fld id="{75D78CB7-893F-4FF5-AE2D-8F0E16575B7E}" type="slidenum">
+              <a:rPr lang="ko-KR" altLang="en-US" smtClean="0"/>
+              <a:t>2</a:t>
+            </a:fld>
+            <a:endParaRPr lang="ko-KR" altLang="en-US"/>
+          </a:p>
+        </p:txBody>
+      </p:sp>
+    </p:spTree>
+    <p:extLst>
+      <p:ext uri="{BB962C8B-B14F-4D97-AF65-F5344CB8AC3E}">
+        <p14:creationId xmlns:p14="http://schemas.microsoft.com/office/powerpoint/2010/main" val="3435709"/>
+      </p:ext>
+    </p:extLst>
+  </p:cSld>
+  <p:clrMapOvr>
+    <a:masterClrMapping/>
+  </p:clrMapOvr>
+</p:notes>
+</file>
+
+<file path=ppt/notesSlides/notesSlide2.xml><?xml version="1.0" encoding="utf-8"?>
+<p:notes xmlns:a="http://schemas.openxmlformats.org/drawingml/2006/main" xmlns:r="http://schemas.openxmlformats.org/officeDocument/2006/relationships" xmlns:p="http://schemas.openxmlformats.org/presentationml/2006/main">
+  <p:cSld>
+    <p:spTree>
+      <p:nvGrpSpPr>
+        <p:cNvPr id="1" name=""/>
+        <p:cNvGrpSpPr/>
+        <p:nvPr/>
+      </p:nvGrpSpPr>
+      <p:grpSpPr>
+        <a:xfrm>
+          <a:off x="0" y="0"/>
+          <a:ext cx="0" cy="0"/>
+          <a:chOff x="0" y="0"/>
+          <a:chExt cx="0" cy="0"/>
+        </a:xfrm>
+      </p:grpSpPr>
+      <p:sp>
+        <p:nvSpPr>
+          <p:cNvPr id="2" name="슬라이드 이미지 개체 틀 1"/>
+          <p:cNvSpPr>
+            <a:spLocks noGrp="1" noRot="1" noChangeAspect="1"/>
+          </p:cNvSpPr>
+          <p:nvPr>
+            <p:ph type="sldImg"/>
+          </p:nvPr>
+        </p:nvSpPr>
+        <p:spPr/>
+      </p:sp>
+      <p:sp>
+        <p:nvSpPr>
+          <p:cNvPr id="3" name="슬라이드 노트 개체 틀 2"/>
+          <p:cNvSpPr>
+            <a:spLocks noGrp="1"/>
+          </p:cNvSpPr>
+          <p:nvPr>
+            <p:ph type="body" idx="1"/>
+          </p:nvPr>
+        </p:nvSpPr>
+        <p:spPr/>
+        <p:txBody>
+          <a:bodyPr/>
+          <a:lstStyle/>
+          <a:p>
+            <a:r>
+              <a:rPr lang="ko-KR" altLang="en-US" dirty="0"/>
+              <a:t>우선순위에 실제 자료의 쌍을 담는 </a:t>
+            </a:r>
+            <a:r>
+              <a:rPr lang="ko-KR" altLang="en-US" dirty="0" err="1"/>
+              <a:t>힙을</a:t>
+            </a:r>
+            <a:r>
+              <a:rPr lang="ko-KR" altLang="en-US" dirty="0"/>
+              <a:t> 만들고</a:t>
+            </a:r>
+            <a:r>
+              <a:rPr lang="en-US" altLang="ko-KR" dirty="0"/>
+              <a:t>, </a:t>
+            </a:r>
+            <a:r>
+              <a:rPr lang="ko-KR" altLang="en-US" dirty="0"/>
+              <a:t>대소 관계를 비교할 때는 우선순위를 비교하면 된다</a:t>
+            </a:r>
+            <a:r>
+              <a:rPr lang="en-US" altLang="ko-KR" dirty="0"/>
+              <a:t>.</a:t>
+            </a:r>
+          </a:p>
+          <a:p>
+            <a:endParaRPr lang="en-US" altLang="ko-KR" dirty="0"/>
+          </a:p>
+          <a:p>
+            <a:r>
+              <a:rPr lang="ko-KR" altLang="en-US" dirty="0" err="1"/>
+              <a:t>힙의</a:t>
+            </a:r>
+            <a:r>
+              <a:rPr lang="en-US" altLang="ko-KR" dirty="0"/>
+              <a:t> </a:t>
+            </a:r>
+            <a:r>
+              <a:rPr lang="ko-KR" altLang="en-US" dirty="0"/>
+              <a:t>대소 관계 규칙은 부모 자식 관계에만 적용된다</a:t>
+            </a:r>
+            <a:r>
+              <a:rPr lang="en-US" altLang="ko-KR" dirty="0"/>
+              <a:t>.</a:t>
+            </a:r>
+          </a:p>
+          <a:p>
+            <a:r>
+              <a:rPr lang="en-US" altLang="ko-KR" dirty="0"/>
+              <a:t>(</a:t>
+            </a:r>
+            <a:r>
+              <a:rPr lang="ko-KR" altLang="en-US" dirty="0"/>
+              <a:t>왼쪽 자식과 오른쪽 자식이 갖는 원소의 크기는 제한하지 않는다</a:t>
+            </a:r>
+            <a:r>
+              <a:rPr lang="en-US" altLang="ko-KR" dirty="0"/>
+              <a:t>)</a:t>
+            </a:r>
+            <a:endParaRPr lang="ko-KR" altLang="en-US" dirty="0"/>
+          </a:p>
+        </p:txBody>
+      </p:sp>
+      <p:sp>
+        <p:nvSpPr>
+          <p:cNvPr id="4" name="슬라이드 번호 개체 틀 3"/>
+          <p:cNvSpPr>
+            <a:spLocks noGrp="1"/>
+          </p:cNvSpPr>
+          <p:nvPr>
+            <p:ph type="sldNum" sz="quarter" idx="10"/>
+          </p:nvPr>
+        </p:nvSpPr>
+        <p:spPr/>
+        <p:txBody>
+          <a:bodyPr/>
+          <a:lstStyle/>
+          <a:p>
+            <a:fld id="{75D78CB7-893F-4FF5-AE2D-8F0E16575B7E}" type="slidenum">
+              <a:rPr lang="ko-KR" altLang="en-US" smtClean="0"/>
+              <a:t>3</a:t>
+            </a:fld>
+            <a:endParaRPr lang="ko-KR" altLang="en-US"/>
+          </a:p>
+        </p:txBody>
+      </p:sp>
+    </p:spTree>
+    <p:extLst>
+      <p:ext uri="{BB962C8B-B14F-4D97-AF65-F5344CB8AC3E}">
+        <p14:creationId xmlns:p14="http://schemas.microsoft.com/office/powerpoint/2010/main" val="728232956"/>
+      </p:ext>
+    </p:extLst>
+  </p:cSld>
+  <p:clrMapOvr>
+    <a:masterClrMapping/>
+  </p:clrMapOvr>
+</p:notes>
+</file>
+
+<file path=ppt/notesSlides/notesSlide3.xml><?xml version="1.0" encoding="utf-8"?>
+<p:notes xmlns:a="http://schemas.openxmlformats.org/drawingml/2006/main" xmlns:r="http://schemas.openxmlformats.org/officeDocument/2006/relationships" xmlns:p="http://schemas.openxmlformats.org/presentationml/2006/main">
+  <p:cSld>
+    <p:spTree>
+      <p:nvGrpSpPr>
+        <p:cNvPr id="1" name=""/>
+        <p:cNvGrpSpPr/>
+        <p:nvPr/>
+      </p:nvGrpSpPr>
+      <p:grpSpPr>
+        <a:xfrm>
+          <a:off x="0" y="0"/>
+          <a:ext cx="0" cy="0"/>
+          <a:chOff x="0" y="0"/>
+          <a:chExt cx="0" cy="0"/>
+        </a:xfrm>
+      </p:grpSpPr>
+      <p:sp>
+        <p:nvSpPr>
+          <p:cNvPr id="2" name="슬라이드 이미지 개체 틀 1"/>
+          <p:cNvSpPr>
+            <a:spLocks noGrp="1" noRot="1" noChangeAspect="1"/>
+          </p:cNvSpPr>
+          <p:nvPr>
+            <p:ph type="sldImg"/>
+          </p:nvPr>
+        </p:nvSpPr>
+        <p:spPr/>
+      </p:sp>
+      <p:sp>
+        <p:nvSpPr>
+          <p:cNvPr id="3" name="슬라이드 노트 개체 틀 2"/>
+          <p:cNvSpPr>
+            <a:spLocks noGrp="1"/>
+          </p:cNvSpPr>
+          <p:nvPr>
+            <p:ph type="body" idx="1"/>
+          </p:nvPr>
+        </p:nvSpPr>
+        <p:spPr/>
+        <p:txBody>
+          <a:bodyPr/>
+          <a:lstStyle/>
+          <a:p>
+            <a:r>
+              <a:rPr lang="ko-KR" altLang="en-US" dirty="0"/>
+              <a:t>트리가 한쪽으로 기울어지는 일을 막기위해 트리 구조에 제약을 두었다</a:t>
+            </a:r>
+            <a:r>
+              <a:rPr lang="en-US" altLang="ko-KR" dirty="0"/>
+              <a:t>.</a:t>
+            </a:r>
+          </a:p>
+          <a:p>
+            <a:endParaRPr lang="en-US" altLang="ko-KR" dirty="0"/>
+          </a:p>
+          <a:p>
+            <a:r>
+              <a:rPr lang="ko-KR" altLang="en-US" dirty="0"/>
+              <a:t>노드 개수를 알면 트리 모양이 정해진다</a:t>
+            </a:r>
+            <a:r>
+              <a:rPr lang="en-US" altLang="ko-KR" dirty="0"/>
+              <a:t>.</a:t>
+            </a:r>
+            <a:endParaRPr lang="ko-KR" altLang="en-US" dirty="0"/>
+          </a:p>
+        </p:txBody>
+      </p:sp>
+      <p:sp>
+        <p:nvSpPr>
+          <p:cNvPr id="4" name="슬라이드 번호 개체 틀 3"/>
+          <p:cNvSpPr>
+            <a:spLocks noGrp="1"/>
+          </p:cNvSpPr>
+          <p:nvPr>
+            <p:ph type="sldNum" sz="quarter" idx="10"/>
+          </p:nvPr>
+        </p:nvSpPr>
+        <p:spPr/>
+        <p:txBody>
+          <a:bodyPr/>
+          <a:lstStyle/>
+          <a:p>
+            <a:fld id="{75D78CB7-893F-4FF5-AE2D-8F0E16575B7E}" type="slidenum">
+              <a:rPr lang="ko-KR" altLang="en-US" smtClean="0"/>
+              <a:t>4</a:t>
+            </a:fld>
+            <a:endParaRPr lang="ko-KR" altLang="en-US"/>
+          </a:p>
+        </p:txBody>
+      </p:sp>
+    </p:spTree>
+    <p:extLst>
+      <p:ext uri="{BB962C8B-B14F-4D97-AF65-F5344CB8AC3E}">
+        <p14:creationId xmlns:p14="http://schemas.microsoft.com/office/powerpoint/2010/main" val="3434123868"/>
+      </p:ext>
+    </p:extLst>
+  </p:cSld>
+  <p:clrMapOvr>
+    <a:masterClrMapping/>
+  </p:clrMapOvr>
+</p:notes>
+</file>
+
+<file path=ppt/notesSlides/notesSlide4.xml><?xml version="1.0" encoding="utf-8"?>
+<p:notes xmlns:a="http://schemas.openxmlformats.org/drawingml/2006/main" xmlns:r="http://schemas.openxmlformats.org/officeDocument/2006/relationships" xmlns:p="http://schemas.openxmlformats.org/presentationml/2006/main">
+  <p:cSld>
+    <p:spTree>
+      <p:nvGrpSpPr>
+        <p:cNvPr id="1" name=""/>
+        <p:cNvGrpSpPr/>
+        <p:nvPr/>
+      </p:nvGrpSpPr>
+      <p:grpSpPr>
+        <a:xfrm>
+          <a:off x="0" y="0"/>
+          <a:ext cx="0" cy="0"/>
+          <a:chOff x="0" y="0"/>
+          <a:chExt cx="0" cy="0"/>
+        </a:xfrm>
+      </p:grpSpPr>
+      <p:sp>
+        <p:nvSpPr>
+          <p:cNvPr id="2" name="슬라이드 이미지 개체 틀 1"/>
+          <p:cNvSpPr>
+            <a:spLocks noGrp="1" noRot="1" noChangeAspect="1"/>
+          </p:cNvSpPr>
+          <p:nvPr>
+            <p:ph type="sldImg"/>
+          </p:nvPr>
+        </p:nvSpPr>
+        <p:spPr/>
+      </p:sp>
+      <p:sp>
+        <p:nvSpPr>
+          <p:cNvPr id="3" name="슬라이드 노트 개체 틀 2"/>
+          <p:cNvSpPr>
+            <a:spLocks noGrp="1"/>
+          </p:cNvSpPr>
+          <p:nvPr>
+            <p:ph type="body" idx="1"/>
+          </p:nvPr>
+        </p:nvSpPr>
+        <p:spPr/>
+        <p:txBody>
+          <a:bodyPr/>
+          <a:lstStyle/>
+          <a:p>
+            <a:r>
+              <a:rPr lang="ko-KR" altLang="en-US" dirty="0"/>
+              <a:t>원칙 </a:t>
+            </a:r>
+            <a:r>
+              <a:rPr lang="en-US" altLang="ko-KR" dirty="0"/>
+              <a:t>1, 2</a:t>
+            </a:r>
+            <a:r>
+              <a:rPr lang="ko-KR" altLang="en-US" dirty="0"/>
+              <a:t>에 의해</a:t>
+            </a:r>
+          </a:p>
+        </p:txBody>
+      </p:sp>
+      <p:sp>
+        <p:nvSpPr>
+          <p:cNvPr id="4" name="슬라이드 번호 개체 틀 3"/>
+          <p:cNvSpPr>
+            <a:spLocks noGrp="1"/>
+          </p:cNvSpPr>
+          <p:nvPr>
+            <p:ph type="sldNum" sz="quarter" idx="10"/>
+          </p:nvPr>
+        </p:nvSpPr>
+        <p:spPr/>
+        <p:txBody>
+          <a:bodyPr/>
+          <a:lstStyle/>
+          <a:p>
+            <a:fld id="{75D78CB7-893F-4FF5-AE2D-8F0E16575B7E}" type="slidenum">
+              <a:rPr lang="ko-KR" altLang="en-US" smtClean="0"/>
+              <a:t>5</a:t>
+            </a:fld>
+            <a:endParaRPr lang="ko-KR" altLang="en-US"/>
+          </a:p>
+        </p:txBody>
+      </p:sp>
+    </p:spTree>
+    <p:extLst>
+      <p:ext uri="{BB962C8B-B14F-4D97-AF65-F5344CB8AC3E}">
+        <p14:creationId xmlns:p14="http://schemas.microsoft.com/office/powerpoint/2010/main" val="2300731658"/>
+      </p:ext>
+    </p:extLst>
+  </p:cSld>
+  <p:clrMapOvr>
+    <a:masterClrMapping/>
+  </p:clrMapOvr>
+</p:notes>
+</file>
+
+<file path=ppt/notesSlides/notesSlide5.xml><?xml version="1.0" encoding="utf-8"?>
+<p:notes xmlns:a="http://schemas.openxmlformats.org/drawingml/2006/main" xmlns:r="http://schemas.openxmlformats.org/officeDocument/2006/relationships" xmlns:p="http://schemas.openxmlformats.org/presentationml/2006/main">
+  <p:cSld>
+    <p:spTree>
+      <p:nvGrpSpPr>
+        <p:cNvPr id="1" name=""/>
+        <p:cNvGrpSpPr/>
+        <p:nvPr/>
+      </p:nvGrpSpPr>
+      <p:grpSpPr>
+        <a:xfrm>
+          <a:off x="0" y="0"/>
+          <a:ext cx="0" cy="0"/>
+          <a:chOff x="0" y="0"/>
+          <a:chExt cx="0" cy="0"/>
+        </a:xfrm>
+      </p:grpSpPr>
+      <p:sp>
+        <p:nvSpPr>
+          <p:cNvPr id="2" name="슬라이드 이미지 개체 틀 1"/>
+          <p:cNvSpPr>
+            <a:spLocks noGrp="1" noRot="1" noChangeAspect="1"/>
+          </p:cNvSpPr>
+          <p:nvPr>
+            <p:ph type="sldImg"/>
+          </p:nvPr>
+        </p:nvSpPr>
+        <p:spPr/>
+      </p:sp>
+      <p:sp>
+        <p:nvSpPr>
+          <p:cNvPr id="3" name="슬라이드 노트 개체 틀 2"/>
+          <p:cNvSpPr>
+            <a:spLocks noGrp="1"/>
+          </p:cNvSpPr>
+          <p:nvPr>
+            <p:ph type="body" idx="1"/>
+          </p:nvPr>
+        </p:nvSpPr>
+        <p:spPr/>
+        <p:txBody>
+          <a:bodyPr/>
+          <a:lstStyle/>
+          <a:p>
+            <a:r>
+              <a:rPr lang="ko-KR" altLang="en-US" dirty="0"/>
+              <a:t>모양 규칙 만족</a:t>
+            </a:r>
+          </a:p>
+        </p:txBody>
+      </p:sp>
+      <p:sp>
+        <p:nvSpPr>
+          <p:cNvPr id="4" name="슬라이드 번호 개체 틀 3"/>
+          <p:cNvSpPr>
+            <a:spLocks noGrp="1"/>
+          </p:cNvSpPr>
+          <p:nvPr>
+            <p:ph type="sldNum" sz="quarter" idx="10"/>
+          </p:nvPr>
+        </p:nvSpPr>
+        <p:spPr/>
+        <p:txBody>
+          <a:bodyPr/>
+          <a:lstStyle/>
+          <a:p>
+            <a:fld id="{75D78CB7-893F-4FF5-AE2D-8F0E16575B7E}" type="slidenum">
+              <a:rPr lang="ko-KR" altLang="en-US" smtClean="0"/>
+              <a:t>6</a:t>
+            </a:fld>
+            <a:endParaRPr lang="ko-KR" altLang="en-US"/>
+          </a:p>
+        </p:txBody>
+      </p:sp>
+    </p:spTree>
+    <p:extLst>
+      <p:ext uri="{BB962C8B-B14F-4D97-AF65-F5344CB8AC3E}">
+        <p14:creationId xmlns:p14="http://schemas.microsoft.com/office/powerpoint/2010/main" val="3253366298"/>
+      </p:ext>
+    </p:extLst>
+  </p:cSld>
+  <p:clrMapOvr>
+    <a:masterClrMapping/>
+  </p:clrMapOvr>
+</p:notes>
+</file>
+
+<file path=ppt/notesSlides/notesSlide6.xml><?xml version="1.0" encoding="utf-8"?>
+<p:notes xmlns:a="http://schemas.openxmlformats.org/drawingml/2006/main" xmlns:r="http://schemas.openxmlformats.org/officeDocument/2006/relationships" xmlns:p="http://schemas.openxmlformats.org/presentationml/2006/main">
+  <p:cSld>
+    <p:spTree>
+      <p:nvGrpSpPr>
+        <p:cNvPr id="1" name=""/>
+        <p:cNvGrpSpPr/>
+        <p:nvPr/>
+      </p:nvGrpSpPr>
+      <p:grpSpPr>
+        <a:xfrm>
+          <a:off x="0" y="0"/>
+          <a:ext cx="0" cy="0"/>
+          <a:chOff x="0" y="0"/>
+          <a:chExt cx="0" cy="0"/>
+        </a:xfrm>
+      </p:grpSpPr>
+      <p:sp>
+        <p:nvSpPr>
+          <p:cNvPr id="2" name="슬라이드 이미지 개체 틀 1"/>
+          <p:cNvSpPr>
+            <a:spLocks noGrp="1" noRot="1" noChangeAspect="1"/>
+          </p:cNvSpPr>
+          <p:nvPr>
+            <p:ph type="sldImg"/>
+          </p:nvPr>
+        </p:nvSpPr>
+        <p:spPr/>
+      </p:sp>
+      <p:sp>
+        <p:nvSpPr>
+          <p:cNvPr id="3" name="슬라이드 노트 개체 틀 2"/>
+          <p:cNvSpPr>
+            <a:spLocks noGrp="1"/>
+          </p:cNvSpPr>
+          <p:nvPr>
+            <p:ph type="body" idx="1"/>
+          </p:nvPr>
+        </p:nvSpPr>
+        <p:spPr/>
+        <p:txBody>
+          <a:bodyPr/>
+          <a:lstStyle/>
+          <a:p>
+            <a:endParaRPr lang="ko-KR" altLang="en-US" dirty="0"/>
+          </a:p>
+        </p:txBody>
+      </p:sp>
+      <p:sp>
+        <p:nvSpPr>
+          <p:cNvPr id="4" name="슬라이드 번호 개체 틀 3"/>
+          <p:cNvSpPr>
+            <a:spLocks noGrp="1"/>
+          </p:cNvSpPr>
+          <p:nvPr>
+            <p:ph type="sldNum" sz="quarter" idx="10"/>
+          </p:nvPr>
+        </p:nvSpPr>
+        <p:spPr/>
+        <p:txBody>
+          <a:bodyPr/>
+          <a:lstStyle/>
+          <a:p>
+            <a:fld id="{75D78CB7-893F-4FF5-AE2D-8F0E16575B7E}" type="slidenum">
+              <a:rPr lang="ko-KR" altLang="en-US" smtClean="0"/>
+              <a:t>7</a:t>
+            </a:fld>
+            <a:endParaRPr lang="ko-KR" altLang="en-US"/>
+          </a:p>
+        </p:txBody>
+      </p:sp>
+    </p:spTree>
+    <p:extLst>
+      <p:ext uri="{BB962C8B-B14F-4D97-AF65-F5344CB8AC3E}">
+        <p14:creationId xmlns:p14="http://schemas.microsoft.com/office/powerpoint/2010/main" val="586395932"/>
+      </p:ext>
+    </p:extLst>
+  </p:cSld>
+  <p:clrMapOvr>
+    <a:masterClrMapping/>
+  </p:clrMapOvr>
+</p:notes>
+</file>
+
+<file path=ppt/notesSlides/notesSlide7.xml><?xml version="1.0" encoding="utf-8"?>
+<p:notes xmlns:a="http://schemas.openxmlformats.org/drawingml/2006/main" xmlns:r="http://schemas.openxmlformats.org/officeDocument/2006/relationships" xmlns:p="http://schemas.openxmlformats.org/presentationml/2006/main">
+  <p:cSld>
+    <p:spTree>
+      <p:nvGrpSpPr>
+        <p:cNvPr id="1" name=""/>
+        <p:cNvGrpSpPr/>
+        <p:nvPr/>
+      </p:nvGrpSpPr>
+      <p:grpSpPr>
+        <a:xfrm>
+          <a:off x="0" y="0"/>
+          <a:ext cx="0" cy="0"/>
+          <a:chOff x="0" y="0"/>
+          <a:chExt cx="0" cy="0"/>
+        </a:xfrm>
+      </p:grpSpPr>
+      <p:sp>
+        <p:nvSpPr>
+          <p:cNvPr id="2" name="슬라이드 이미지 개체 틀 1"/>
+          <p:cNvSpPr>
+            <a:spLocks noGrp="1" noRot="1" noChangeAspect="1"/>
+          </p:cNvSpPr>
+          <p:nvPr>
+            <p:ph type="sldImg"/>
+          </p:nvPr>
+        </p:nvSpPr>
+        <p:spPr/>
+      </p:sp>
+      <p:sp>
+        <p:nvSpPr>
+          <p:cNvPr id="3" name="슬라이드 노트 개체 틀 2"/>
+          <p:cNvSpPr>
+            <a:spLocks noGrp="1"/>
+          </p:cNvSpPr>
+          <p:nvPr>
+            <p:ph type="body" idx="1"/>
+          </p:nvPr>
+        </p:nvSpPr>
+        <p:spPr/>
+        <p:txBody>
+          <a:bodyPr/>
+          <a:lstStyle/>
+          <a:p>
+            <a:r>
+              <a:rPr lang="ko-KR" altLang="en-US" dirty="0"/>
+              <a:t>모양규칙 먼저 </a:t>
+            </a:r>
+            <a:r>
+              <a:rPr lang="en-US" altLang="ko-KR" dirty="0"/>
+              <a:t>-&gt; </a:t>
+            </a:r>
+            <a:r>
+              <a:rPr lang="ko-KR" altLang="en-US" dirty="0"/>
+              <a:t>대소규칙</a:t>
+            </a:r>
+          </a:p>
+        </p:txBody>
+      </p:sp>
+      <p:sp>
+        <p:nvSpPr>
+          <p:cNvPr id="4" name="슬라이드 번호 개체 틀 3"/>
+          <p:cNvSpPr>
+            <a:spLocks noGrp="1"/>
+          </p:cNvSpPr>
+          <p:nvPr>
+            <p:ph type="sldNum" sz="quarter" idx="10"/>
+          </p:nvPr>
+        </p:nvSpPr>
+        <p:spPr/>
+        <p:txBody>
+          <a:bodyPr/>
+          <a:lstStyle/>
+          <a:p>
+            <a:fld id="{75D78CB7-893F-4FF5-AE2D-8F0E16575B7E}" type="slidenum">
+              <a:rPr lang="ko-KR" altLang="en-US" smtClean="0"/>
+              <a:t>11</a:t>
+            </a:fld>
+            <a:endParaRPr lang="ko-KR" altLang="en-US"/>
+          </a:p>
+        </p:txBody>
+      </p:sp>
+    </p:spTree>
+    <p:extLst>
+      <p:ext uri="{BB962C8B-B14F-4D97-AF65-F5344CB8AC3E}">
+        <p14:creationId xmlns:p14="http://schemas.microsoft.com/office/powerpoint/2010/main" val="2665694202"/>
+      </p:ext>
+    </p:extLst>
+  </p:cSld>
+  <p:clrMapOvr>
+    <a:masterClrMapping/>
+  </p:clrMapOvr>
+</p:notes>
+</file>
+
+<file path=ppt/notesSlides/notesSlide8.xml><?xml version="1.0" encoding="utf-8"?>
+<p:notes xmlns:a="http://schemas.openxmlformats.org/drawingml/2006/main" xmlns:r="http://schemas.openxmlformats.org/officeDocument/2006/relationships" xmlns:p="http://schemas.openxmlformats.org/presentationml/2006/main">
+  <p:cSld>
+    <p:spTree>
+      <p:nvGrpSpPr>
+        <p:cNvPr id="1" name=""/>
+        <p:cNvGrpSpPr/>
+        <p:nvPr/>
+      </p:nvGrpSpPr>
+      <p:grpSpPr>
+        <a:xfrm>
+          <a:off x="0" y="0"/>
+          <a:ext cx="0" cy="0"/>
+          <a:chOff x="0" y="0"/>
+          <a:chExt cx="0" cy="0"/>
+        </a:xfrm>
+      </p:grpSpPr>
+      <p:sp>
+        <p:nvSpPr>
+          <p:cNvPr id="2" name="슬라이드 이미지 개체 틀 1"/>
+          <p:cNvSpPr>
+            <a:spLocks noGrp="1" noRot="1" noChangeAspect="1"/>
+          </p:cNvSpPr>
+          <p:nvPr>
+            <p:ph type="sldImg"/>
+          </p:nvPr>
+        </p:nvSpPr>
+        <p:spPr/>
+      </p:sp>
+      <p:sp>
+        <p:nvSpPr>
+          <p:cNvPr id="3" name="슬라이드 노트 개체 틀 2"/>
+          <p:cNvSpPr>
+            <a:spLocks noGrp="1"/>
+          </p:cNvSpPr>
+          <p:nvPr>
+            <p:ph type="body" idx="1"/>
+          </p:nvPr>
+        </p:nvSpPr>
+        <p:spPr/>
+        <p:txBody>
+          <a:bodyPr/>
+          <a:lstStyle/>
+          <a:p>
+            <a:endParaRPr lang="ko-KR" altLang="en-US" dirty="0"/>
+          </a:p>
+        </p:txBody>
+      </p:sp>
+      <p:sp>
+        <p:nvSpPr>
+          <p:cNvPr id="4" name="슬라이드 번호 개체 틀 3"/>
+          <p:cNvSpPr>
+            <a:spLocks noGrp="1"/>
+          </p:cNvSpPr>
+          <p:nvPr>
+            <p:ph type="sldNum" sz="quarter" idx="10"/>
+          </p:nvPr>
+        </p:nvSpPr>
+        <p:spPr/>
+        <p:txBody>
+          <a:bodyPr/>
+          <a:lstStyle/>
+          <a:p>
+            <a:fld id="{75D78CB7-893F-4FF5-AE2D-8F0E16575B7E}" type="slidenum">
+              <a:rPr lang="ko-KR" altLang="en-US" smtClean="0"/>
+              <a:t>18</a:t>
+            </a:fld>
+            <a:endParaRPr lang="ko-KR" altLang="en-US"/>
+          </a:p>
+        </p:txBody>
+      </p:sp>
+    </p:spTree>
+    <p:extLst>
+      <p:ext uri="{BB962C8B-B14F-4D97-AF65-F5344CB8AC3E}">
+        <p14:creationId xmlns:p14="http://schemas.microsoft.com/office/powerpoint/2010/main" val="2748107657"/>
+      </p:ext>
+    </p:extLst>
+  </p:cSld>
+  <p:clrMapOvr>
+    <a:masterClrMapping/>
+  </p:clrMapOvr>
+</p:notes>
+</file>
+
+<file path=ppt/notesSlides/notesSlide9.xml><?xml version="1.0" encoding="utf-8"?>
+<p:notes xmlns:a="http://schemas.openxmlformats.org/drawingml/2006/main" xmlns:r="http://schemas.openxmlformats.org/officeDocument/2006/relationships" xmlns:p="http://schemas.openxmlformats.org/presentationml/2006/main">
+  <p:cSld>
+    <p:spTree>
+      <p:nvGrpSpPr>
+        <p:cNvPr id="1" name=""/>
+        <p:cNvGrpSpPr/>
+        <p:nvPr/>
+      </p:nvGrpSpPr>
+      <p:grpSpPr>
+        <a:xfrm>
+          <a:off x="0" y="0"/>
+          <a:ext cx="0" cy="0"/>
+          <a:chOff x="0" y="0"/>
+          <a:chExt cx="0" cy="0"/>
+        </a:xfrm>
+      </p:grpSpPr>
+      <p:sp>
+        <p:nvSpPr>
+          <p:cNvPr id="2" name="슬라이드 이미지 개체 틀 1"/>
+          <p:cNvSpPr>
+            <a:spLocks noGrp="1" noRot="1" noChangeAspect="1"/>
+          </p:cNvSpPr>
+          <p:nvPr>
+            <p:ph type="sldImg"/>
+          </p:nvPr>
+        </p:nvSpPr>
+        <p:spPr/>
+      </p:sp>
+      <p:sp>
+        <p:nvSpPr>
+          <p:cNvPr id="3" name="슬라이드 노트 개체 틀 2"/>
+          <p:cNvSpPr>
+            <a:spLocks noGrp="1"/>
+          </p:cNvSpPr>
+          <p:nvPr>
+            <p:ph type="body" idx="1"/>
+          </p:nvPr>
+        </p:nvSpPr>
+        <p:spPr/>
+        <p:txBody>
+          <a:bodyPr/>
+          <a:lstStyle/>
+          <a:p>
+            <a:r>
+              <a:rPr lang="ko-KR" altLang="en-US" dirty="0" err="1"/>
+              <a:t>시간복잡도</a:t>
+            </a:r>
+            <a:r>
+              <a:rPr lang="ko-KR" altLang="en-US" dirty="0"/>
+              <a:t> </a:t>
+            </a:r>
+            <a:r>
+              <a:rPr lang="en-US" altLang="ko-KR" dirty="0"/>
+              <a:t>O(</a:t>
+            </a:r>
+            <a:r>
+              <a:rPr lang="en-US" altLang="ko-KR" dirty="0" err="1"/>
+              <a:t>NlgN</a:t>
+            </a:r>
+            <a:r>
+              <a:rPr lang="en-US" altLang="ko-KR" dirty="0"/>
+              <a:t>)</a:t>
+            </a:r>
+            <a:endParaRPr lang="ko-KR" altLang="en-US" dirty="0"/>
+          </a:p>
+        </p:txBody>
+      </p:sp>
+      <p:sp>
+        <p:nvSpPr>
+          <p:cNvPr id="4" name="슬라이드 번호 개체 틀 3"/>
+          <p:cNvSpPr>
+            <a:spLocks noGrp="1"/>
+          </p:cNvSpPr>
+          <p:nvPr>
+            <p:ph type="sldNum" sz="quarter" idx="10"/>
+          </p:nvPr>
+        </p:nvSpPr>
+        <p:spPr/>
+        <p:txBody>
+          <a:bodyPr/>
+          <a:lstStyle/>
+          <a:p>
+            <a:fld id="{75D78CB7-893F-4FF5-AE2D-8F0E16575B7E}" type="slidenum">
+              <a:rPr lang="ko-KR" altLang="en-US" smtClean="0"/>
+              <a:t>19</a:t>
+            </a:fld>
+            <a:endParaRPr lang="ko-KR" altLang="en-US"/>
+          </a:p>
+        </p:txBody>
+      </p:sp>
+    </p:spTree>
+    <p:extLst>
+      <p:ext uri="{BB962C8B-B14F-4D97-AF65-F5344CB8AC3E}">
+        <p14:creationId xmlns:p14="http://schemas.microsoft.com/office/powerpoint/2010/main" val="1413243032"/>
+      </p:ext>
+    </p:extLst>
+  </p:cSld>
+  <p:clrMapOvr>
+    <a:masterClrMapping/>
+  </p:clrMapOvr>
+</p:notes>
+</file>
+
 <file path=ppt/slideLayouts/slideLayout1.xml><?xml version="1.0" encoding="utf-8"?>
 <p:sldLayout xmlns:a="http://schemas.openxmlformats.org/drawingml/2006/main" xmlns:r="http://schemas.openxmlformats.org/officeDocument/2006/relationships" xmlns:p="http://schemas.openxmlformats.org/presentationml/2006/main" type="title" preserve="1">
   <p:cSld name="제목 슬라이드">
@@ -280,7 +1593,7 @@
           <a:p>
             <a:fld id="{44B6D631-7F3A-41F1-B3A5-312D5064F1E9}" type="datetimeFigureOut">
               <a:rPr lang="ko-KR" altLang="en-US" smtClean="0"/>
-              <a:t>2018-01-07</a:t>
+              <a:t>2018-01-13</a:t>
             </a:fld>
             <a:endParaRPr lang="ko-KR" altLang="en-US"/>
           </a:p>
@@ -478,7 +1791,7 @@
           <a:p>
             <a:fld id="{44B6D631-7F3A-41F1-B3A5-312D5064F1E9}" type="datetimeFigureOut">
               <a:rPr lang="ko-KR" altLang="en-US" smtClean="0"/>
-              <a:t>2018-01-07</a:t>
+              <a:t>2018-01-13</a:t>
             </a:fld>
             <a:endParaRPr lang="ko-KR" altLang="en-US"/>
           </a:p>
@@ -686,7 +1999,7 @@
           <a:p>
             <a:fld id="{44B6D631-7F3A-41F1-B3A5-312D5064F1E9}" type="datetimeFigureOut">
               <a:rPr lang="ko-KR" altLang="en-US" smtClean="0"/>
-              <a:t>2018-01-07</a:t>
+              <a:t>2018-01-13</a:t>
             </a:fld>
             <a:endParaRPr lang="ko-KR" altLang="en-US"/>
           </a:p>
@@ -884,7 +2197,7 @@
           <a:p>
             <a:fld id="{44B6D631-7F3A-41F1-B3A5-312D5064F1E9}" type="datetimeFigureOut">
               <a:rPr lang="ko-KR" altLang="en-US" smtClean="0"/>
-              <a:t>2018-01-07</a:t>
+              <a:t>2018-01-13</a:t>
             </a:fld>
             <a:endParaRPr lang="ko-KR" altLang="en-US"/>
           </a:p>
@@ -1159,7 +2472,7 @@
           <a:p>
             <a:fld id="{44B6D631-7F3A-41F1-B3A5-312D5064F1E9}" type="datetimeFigureOut">
               <a:rPr lang="ko-KR" altLang="en-US" smtClean="0"/>
-              <a:t>2018-01-07</a:t>
+              <a:t>2018-01-13</a:t>
             </a:fld>
             <a:endParaRPr lang="ko-KR" altLang="en-US"/>
           </a:p>
@@ -1424,7 +2737,7 @@
           <a:p>
             <a:fld id="{44B6D631-7F3A-41F1-B3A5-312D5064F1E9}" type="datetimeFigureOut">
               <a:rPr lang="ko-KR" altLang="en-US" smtClean="0"/>
-              <a:t>2018-01-07</a:t>
+              <a:t>2018-01-13</a:t>
             </a:fld>
             <a:endParaRPr lang="ko-KR" altLang="en-US"/>
           </a:p>
@@ -1836,7 +3149,7 @@
           <a:p>
             <a:fld id="{44B6D631-7F3A-41F1-B3A5-312D5064F1E9}" type="datetimeFigureOut">
               <a:rPr lang="ko-KR" altLang="en-US" smtClean="0"/>
-              <a:t>2018-01-07</a:t>
+              <a:t>2018-01-13</a:t>
             </a:fld>
             <a:endParaRPr lang="ko-KR" altLang="en-US"/>
           </a:p>
@@ -1977,7 +3290,7 @@
           <a:p>
             <a:fld id="{44B6D631-7F3A-41F1-B3A5-312D5064F1E9}" type="datetimeFigureOut">
               <a:rPr lang="ko-KR" altLang="en-US" smtClean="0"/>
-              <a:t>2018-01-07</a:t>
+              <a:t>2018-01-13</a:t>
             </a:fld>
             <a:endParaRPr lang="ko-KR" altLang="en-US"/>
           </a:p>
@@ -2090,7 +3403,7 @@
           <a:p>
             <a:fld id="{44B6D631-7F3A-41F1-B3A5-312D5064F1E9}" type="datetimeFigureOut">
               <a:rPr lang="ko-KR" altLang="en-US" smtClean="0"/>
-              <a:t>2018-01-07</a:t>
+              <a:t>2018-01-13</a:t>
             </a:fld>
             <a:endParaRPr lang="ko-KR" altLang="en-US"/>
           </a:p>
@@ -2401,7 +3714,7 @@
           <a:p>
             <a:fld id="{44B6D631-7F3A-41F1-B3A5-312D5064F1E9}" type="datetimeFigureOut">
               <a:rPr lang="ko-KR" altLang="en-US" smtClean="0"/>
-              <a:t>2018-01-07</a:t>
+              <a:t>2018-01-13</a:t>
             </a:fld>
             <a:endParaRPr lang="ko-KR" altLang="en-US"/>
           </a:p>
@@ -2689,7 +4002,7 @@
           <a:p>
             <a:fld id="{44B6D631-7F3A-41F1-B3A5-312D5064F1E9}" type="datetimeFigureOut">
               <a:rPr lang="ko-KR" altLang="en-US" smtClean="0"/>
-              <a:t>2018-01-07</a:t>
+              <a:t>2018-01-13</a:t>
             </a:fld>
             <a:endParaRPr lang="ko-KR" altLang="en-US"/>
           </a:p>
@@ -2930,7 +4243,7 @@
           <a:p>
             <a:fld id="{44B6D631-7F3A-41F1-B3A5-312D5064F1E9}" type="datetimeFigureOut">
               <a:rPr lang="ko-KR" altLang="en-US" smtClean="0"/>
-              <a:t>2018-01-07</a:t>
+              <a:t>2018-01-13</a:t>
             </a:fld>
             <a:endParaRPr lang="ko-KR" altLang="en-US"/>
           </a:p>
@@ -3399,7 +4712,7 @@
           <a:p>
             <a:r>
               <a:rPr lang="en-US" altLang="ko-KR" dirty="0"/>
-              <a:t>2018-01-07</a:t>
+              <a:t>2018-01-14</a:t>
             </a:r>
             <a:endParaRPr lang="ko-KR" altLang="en-US" dirty="0"/>
           </a:p>
@@ -3626,7 +4939,7 @@
           <p:nvPr/>
         </p:nvPicPr>
         <p:blipFill>
-          <a:blip r:embed="rId2"/>
+          <a:blip r:embed="rId3"/>
           <a:stretch>
             <a:fillRect/>
           </a:stretch>
@@ -4104,7 +5417,7 @@
         </p:blipFill>
         <p:spPr>
           <a:xfrm>
-            <a:off x="3982019" y="2263521"/>
+            <a:off x="3982019" y="1949005"/>
             <a:ext cx="4227961" cy="2330958"/>
           </a:xfrm>
           <a:prstGeom prst="rect">
@@ -4112,6 +5425,89 @@
           </a:prstGeom>
         </p:spPr>
       </p:pic>
+      <p:sp>
+        <p:nvSpPr>
+          <p:cNvPr id="5" name="TextBox 4">
+            <a:extLst>
+              <a:ext uri="{FF2B5EF4-FFF2-40B4-BE49-F238E27FC236}">
+                <a16:creationId xmlns:a16="http://schemas.microsoft.com/office/drawing/2014/main" id="{A649FFF3-E0E3-439D-A11C-729D3088DBC5}"/>
+              </a:ext>
+            </a:extLst>
+          </p:cNvPr>
+          <p:cNvSpPr txBox="1"/>
+          <p:nvPr/>
+        </p:nvSpPr>
+        <p:spPr>
+          <a:xfrm>
+            <a:off x="893189" y="1548300"/>
+            <a:ext cx="1524776" cy="461665"/>
+          </a:xfrm>
+          <a:prstGeom prst="rect">
+            <a:avLst/>
+          </a:prstGeom>
+          <a:noFill/>
+        </p:spPr>
+        <p:txBody>
+          <a:bodyPr wrap="none" rtlCol="0">
+            <a:spAutoFit/>
+          </a:bodyPr>
+          <a:lstStyle/>
+          <a:p>
+            <a:r>
+              <a:rPr lang="ko-KR" altLang="en-US" sz="2400" dirty="0"/>
+              <a:t>최종 결과</a:t>
+            </a:r>
+          </a:p>
+        </p:txBody>
+      </p:sp>
+      <p:sp>
+        <p:nvSpPr>
+          <p:cNvPr id="6" name="TextBox 5">
+            <a:extLst>
+              <a:ext uri="{FF2B5EF4-FFF2-40B4-BE49-F238E27FC236}">
+                <a16:creationId xmlns:a16="http://schemas.microsoft.com/office/drawing/2014/main" id="{FD4FD85C-77A2-4E5D-B939-AAAEE93C21DB}"/>
+              </a:ext>
+            </a:extLst>
+          </p:cNvPr>
+          <p:cNvSpPr txBox="1"/>
+          <p:nvPr/>
+        </p:nvSpPr>
+        <p:spPr>
+          <a:xfrm>
+            <a:off x="893189" y="4453511"/>
+            <a:ext cx="2789546" cy="461665"/>
+          </a:xfrm>
+          <a:prstGeom prst="rect">
+            <a:avLst/>
+          </a:prstGeom>
+          <a:noFill/>
+        </p:spPr>
+        <p:txBody>
+          <a:bodyPr wrap="none" rtlCol="0">
+            <a:spAutoFit/>
+          </a:bodyPr>
+          <a:lstStyle/>
+          <a:p>
+            <a:r>
+              <a:rPr lang="ko-KR" altLang="en-US" sz="2400" dirty="0" err="1"/>
+              <a:t>시간복잡도</a:t>
+            </a:r>
+            <a:r>
+              <a:rPr lang="en-US" altLang="ko-KR" sz="2400" dirty="0"/>
+              <a:t>?O(</a:t>
+            </a:r>
+            <a:r>
+              <a:rPr lang="en-US" altLang="ko-KR" sz="2400" dirty="0" err="1"/>
+              <a:t>lgN</a:t>
+            </a:r>
+            <a:r>
+              <a:rPr lang="en-US" altLang="ko-KR" sz="2400" dirty="0"/>
+              <a:t>)</a:t>
+            </a:r>
+            <a:endParaRPr lang="ko-KR" altLang="en-US" sz="2400" dirty="0"/>
+          </a:p>
+        </p:txBody>
+      </p:sp>
     </p:spTree>
     <p:extLst>
       <p:ext uri="{BB962C8B-B14F-4D97-AF65-F5344CB8AC3E}">
@@ -4316,7 +5712,7 @@
         <p:spPr>
           <a:xfrm>
             <a:off x="923544" y="1690688"/>
-            <a:ext cx="7293920" cy="2677656"/>
+            <a:ext cx="8140305" cy="3416320"/>
           </a:xfrm>
           <a:prstGeom prst="rect">
             <a:avLst/>
@@ -4379,6 +5775,19 @@
           </a:p>
           <a:p>
             <a:endParaRPr lang="en-US" altLang="ko-KR" sz="2400" dirty="0"/>
+          </a:p>
+          <a:p>
+            <a:endParaRPr lang="en-US" altLang="ko-KR" sz="2400" dirty="0"/>
+          </a:p>
+          <a:p>
+            <a:r>
+              <a:rPr lang="ko-KR" altLang="en-US" sz="2400" dirty="0"/>
+              <a:t>카드 정렬하기 </a:t>
+            </a:r>
+            <a:r>
+              <a:rPr lang="en-US" altLang="ko-KR" sz="2400" dirty="0"/>
+              <a:t>: https://www.acmicpc.net/problem/1715</a:t>
+            </a:r>
           </a:p>
           <a:p>
             <a:endParaRPr lang="en-US" altLang="ko-KR" sz="2400" dirty="0"/>
@@ -4427,38 +5836,10 @@
       </p:grpSpPr>
       <p:sp>
         <p:nvSpPr>
-          <p:cNvPr id="2" name="제목 1">
-            <a:extLst>
-              <a:ext uri="{FF2B5EF4-FFF2-40B4-BE49-F238E27FC236}">
-                <a16:creationId xmlns:a16="http://schemas.microsoft.com/office/drawing/2014/main" id="{64C5C47A-8A21-47BB-AD80-BFE8FF9FFA3E}"/>
-              </a:ext>
-            </a:extLst>
-          </p:cNvPr>
-          <p:cNvSpPr>
-            <a:spLocks noGrp="1"/>
-          </p:cNvSpPr>
-          <p:nvPr>
-            <p:ph type="title"/>
-          </p:nvPr>
-        </p:nvSpPr>
-        <p:spPr/>
-        <p:txBody>
-          <a:bodyPr/>
-          <a:lstStyle/>
-          <a:p>
-            <a:r>
-              <a:rPr lang="ko-KR" altLang="en-US" dirty="0"/>
-              <a:t>변화하는 중간 값</a:t>
-            </a:r>
-          </a:p>
-        </p:txBody>
-      </p:sp>
-      <p:sp>
-        <p:nvSpPr>
-          <p:cNvPr id="5" name="TextBox 4">
-            <a:extLst>
-              <a:ext uri="{FF2B5EF4-FFF2-40B4-BE49-F238E27FC236}">
-                <a16:creationId xmlns:a16="http://schemas.microsoft.com/office/drawing/2014/main" id="{6934A8B6-2BCA-4530-B32A-39651E5F2A54}"/>
+          <p:cNvPr id="4" name="TextBox 3">
+            <a:extLst>
+              <a:ext uri="{FF2B5EF4-FFF2-40B4-BE49-F238E27FC236}">
+                <a16:creationId xmlns:a16="http://schemas.microsoft.com/office/drawing/2014/main" id="{AE334931-1719-4606-ADCD-4890BE5E759B}"/>
               </a:ext>
             </a:extLst>
           </p:cNvPr>
@@ -4467,8 +5848,8 @@
         </p:nvSpPr>
         <p:spPr>
           <a:xfrm>
-            <a:off x="923544" y="1690688"/>
-            <a:ext cx="9081332" cy="2923877"/>
+            <a:off x="1073020" y="1567543"/>
+            <a:ext cx="9031640" cy="4247317"/>
           </a:xfrm>
           <a:prstGeom prst="rect">
             <a:avLst/>
@@ -4481,177 +5862,219 @@
           </a:bodyPr>
           <a:lstStyle/>
           <a:p>
-            <a:r>
-              <a:rPr lang="en-US" altLang="ko-KR" sz="2400" dirty="0"/>
-              <a:t>C++ STL </a:t>
-            </a:r>
-            <a:r>
-              <a:rPr lang="en-US" altLang="ko-KR" sz="2400" dirty="0" err="1"/>
-              <a:t>priority_queue</a:t>
-            </a:r>
-            <a:endParaRPr lang="en-US" altLang="ko-KR" sz="2400" dirty="0"/>
-          </a:p>
-          <a:p>
-            <a:r>
-              <a:rPr lang="en-US" altLang="ko-KR" sz="2000" dirty="0" err="1"/>
-              <a:t>priority_queue</a:t>
-            </a:r>
-            <a:r>
-              <a:rPr lang="en-US" altLang="ko-KR" sz="2000" dirty="0"/>
-              <a:t>&lt;</a:t>
-            </a:r>
-            <a:r>
-              <a:rPr lang="en-US" altLang="ko-KR" sz="2000" dirty="0" err="1"/>
-              <a:t>int</a:t>
-            </a:r>
-            <a:r>
-              <a:rPr lang="en-US" altLang="ko-KR" sz="2000" dirty="0"/>
-              <a:t>, vector&lt;</a:t>
-            </a:r>
-            <a:r>
-              <a:rPr lang="en-US" altLang="ko-KR" sz="2000" dirty="0" err="1"/>
-              <a:t>int</a:t>
-            </a:r>
-            <a:r>
-              <a:rPr lang="en-US" altLang="ko-KR" sz="2000" dirty="0"/>
-              <a:t>&gt;, less&lt;</a:t>
-            </a:r>
-            <a:r>
-              <a:rPr lang="en-US" altLang="ko-KR" sz="2000" dirty="0" err="1"/>
-              <a:t>int</a:t>
-            </a:r>
-            <a:r>
-              <a:rPr lang="en-US" altLang="ko-KR" sz="2000" dirty="0"/>
-              <a:t>&gt; &gt; maxheap</a:t>
-            </a:r>
-          </a:p>
-          <a:p>
-            <a:r>
-              <a:rPr lang="en-US" altLang="ko-KR" sz="2000" dirty="0" err="1"/>
-              <a:t>priority_queue</a:t>
-            </a:r>
-            <a:r>
-              <a:rPr lang="en-US" altLang="ko-KR" sz="2000" dirty="0"/>
-              <a:t>&lt;</a:t>
-            </a:r>
-            <a:r>
-              <a:rPr lang="en-US" altLang="ko-KR" sz="2000" dirty="0" err="1"/>
-              <a:t>int</a:t>
-            </a:r>
-            <a:r>
-              <a:rPr lang="en-US" altLang="ko-KR" sz="2000" dirty="0"/>
-              <a:t>, vector&lt;</a:t>
-            </a:r>
-            <a:r>
-              <a:rPr lang="en-US" altLang="ko-KR" sz="2000" dirty="0" err="1"/>
-              <a:t>int</a:t>
-            </a:r>
-            <a:r>
-              <a:rPr lang="en-US" altLang="ko-KR" sz="2000" dirty="0"/>
-              <a:t>&gt;, </a:t>
-            </a:r>
-            <a:r>
-              <a:rPr lang="en-US" altLang="ko-KR" sz="2000" dirty="0" err="1"/>
-              <a:t>greatet</a:t>
-            </a:r>
-            <a:r>
-              <a:rPr lang="en-US" altLang="ko-KR" sz="2000" dirty="0"/>
-              <a:t>&lt;</a:t>
-            </a:r>
-            <a:r>
-              <a:rPr lang="en-US" altLang="ko-KR" sz="2000" dirty="0" err="1"/>
-              <a:t>int</a:t>
-            </a:r>
-            <a:r>
-              <a:rPr lang="en-US" altLang="ko-KR" sz="2000" dirty="0"/>
-              <a:t>&gt; &gt; minheap</a:t>
-            </a:r>
-          </a:p>
-          <a:p>
-            <a:endParaRPr lang="en-US" altLang="ko-KR" sz="2400" dirty="0"/>
-          </a:p>
-          <a:p>
-            <a:endParaRPr lang="en-US" altLang="ko-KR" sz="2400" dirty="0"/>
-          </a:p>
-          <a:p>
-            <a:pPr marL="457200" indent="-457200">
+            <a:pPr marL="342900" indent="-342900">
               <a:buAutoNum type="arabicPeriod"/>
             </a:pPr>
             <a:r>
-              <a:rPr lang="ko-KR" altLang="en-US" sz="2400" dirty="0"/>
-              <a:t>최대 </a:t>
-            </a:r>
-            <a:r>
-              <a:rPr lang="ko-KR" altLang="en-US" sz="2400" dirty="0" err="1"/>
-              <a:t>힙의</a:t>
-            </a:r>
-            <a:r>
-              <a:rPr lang="ko-KR" altLang="en-US" sz="2400" dirty="0"/>
-              <a:t> 크기는 최소 </a:t>
-            </a:r>
-            <a:r>
-              <a:rPr lang="ko-KR" altLang="en-US" sz="2400" dirty="0" err="1"/>
-              <a:t>힙의</a:t>
-            </a:r>
-            <a:r>
-              <a:rPr lang="ko-KR" altLang="en-US" sz="2400" dirty="0"/>
-              <a:t> 크기와 같거나</a:t>
-            </a:r>
-            <a:r>
-              <a:rPr lang="en-US" altLang="ko-KR" sz="2400" dirty="0"/>
-              <a:t>, </a:t>
-            </a:r>
-            <a:r>
-              <a:rPr lang="ko-KR" altLang="en-US" sz="2400" dirty="0"/>
-              <a:t>하나 더 크다</a:t>
-            </a:r>
-            <a:endParaRPr lang="en-US" altLang="ko-KR" sz="2400" dirty="0"/>
-          </a:p>
-          <a:p>
-            <a:pPr marL="457200" indent="-457200">
+              <a:rPr lang="ko-KR" altLang="en-US" dirty="0" err="1"/>
+              <a:t>힙을</a:t>
+            </a:r>
+            <a:r>
+              <a:rPr lang="ko-KR" altLang="en-US" dirty="0"/>
+              <a:t> 만드는 연산 </a:t>
+            </a:r>
+            <a:r>
+              <a:rPr lang="en-US" altLang="ko-KR" dirty="0"/>
+              <a:t>: O(N)</a:t>
+            </a:r>
+          </a:p>
+          <a:p>
+            <a:pPr marL="342900" indent="-342900">
               <a:buAutoNum type="arabicPeriod"/>
             </a:pPr>
-            <a:r>
-              <a:rPr lang="ko-KR" altLang="en-US" sz="2400" dirty="0"/>
-              <a:t>최대 </a:t>
-            </a:r>
-            <a:r>
-              <a:rPr lang="ko-KR" altLang="en-US" sz="2400" dirty="0" err="1"/>
+            <a:endParaRPr lang="en-US" altLang="ko-KR" dirty="0"/>
+          </a:p>
+          <a:p>
+            <a:pPr marL="342900" indent="-342900">
+              <a:buAutoNum type="arabicPeriod"/>
+            </a:pPr>
+            <a:endParaRPr lang="en-US" altLang="ko-KR" dirty="0"/>
+          </a:p>
+          <a:p>
+            <a:pPr marL="342900" indent="-342900">
+              <a:buAutoNum type="arabicPeriod"/>
+            </a:pPr>
+            <a:endParaRPr lang="en-US" altLang="ko-KR" dirty="0"/>
+          </a:p>
+          <a:p>
+            <a:pPr marL="342900" indent="-342900">
+              <a:buAutoNum type="arabicPeriod"/>
+            </a:pPr>
+            <a:endParaRPr lang="en-US" altLang="ko-KR" dirty="0"/>
+          </a:p>
+          <a:p>
+            <a:pPr marL="342900" indent="-342900">
+              <a:buAutoNum type="arabicPeriod"/>
+            </a:pPr>
+            <a:endParaRPr lang="en-US" altLang="ko-KR" dirty="0"/>
+          </a:p>
+          <a:p>
+            <a:pPr marL="342900" indent="-342900">
+              <a:buAutoNum type="arabicPeriod"/>
+            </a:pPr>
+            <a:endParaRPr lang="en-US" altLang="ko-KR" dirty="0"/>
+          </a:p>
+          <a:p>
+            <a:pPr marL="342900" indent="-342900">
+              <a:buAutoNum type="arabicPeriod"/>
+            </a:pPr>
+            <a:endParaRPr lang="en-US" altLang="ko-KR" dirty="0"/>
+          </a:p>
+          <a:p>
+            <a:pPr marL="342900" indent="-342900">
+              <a:buAutoNum type="arabicPeriod"/>
+            </a:pPr>
+            <a:endParaRPr lang="en-US" altLang="ko-KR" dirty="0"/>
+          </a:p>
+          <a:p>
+            <a:pPr marL="342900" indent="-342900">
+              <a:buAutoNum type="arabicPeriod"/>
+            </a:pPr>
+            <a:endParaRPr lang="en-US" altLang="ko-KR" dirty="0"/>
+          </a:p>
+          <a:p>
+            <a:pPr marL="342900" indent="-342900">
+              <a:buAutoNum type="arabicPeriod"/>
+            </a:pPr>
+            <a:endParaRPr lang="en-US" altLang="ko-KR" dirty="0"/>
+          </a:p>
+          <a:p>
+            <a:pPr marL="342900" indent="-342900">
+              <a:buAutoNum type="arabicPeriod"/>
+            </a:pPr>
+            <a:r>
+              <a:rPr lang="ko-KR" altLang="en-US" dirty="0" err="1"/>
+              <a:t>힙</a:t>
+            </a:r>
+            <a:r>
+              <a:rPr lang="ko-KR" altLang="en-US" dirty="0"/>
+              <a:t> 정렬 </a:t>
+            </a:r>
+            <a:r>
+              <a:rPr lang="en-US" altLang="ko-KR" dirty="0"/>
+              <a:t>: </a:t>
+            </a:r>
+            <a:r>
+              <a:rPr lang="ko-KR" altLang="en-US" dirty="0"/>
+              <a:t>주어진 배열을 </a:t>
+            </a:r>
+            <a:r>
+              <a:rPr lang="ko-KR" altLang="en-US" dirty="0" err="1"/>
+              <a:t>힙으로</a:t>
+            </a:r>
+            <a:r>
+              <a:rPr lang="ko-KR" altLang="en-US" dirty="0"/>
+              <a:t> 만든 뒤 모든 원소들을 꺼내서 반환 순서대로 배열</a:t>
+            </a:r>
+            <a:endParaRPr lang="en-US" altLang="ko-KR" dirty="0"/>
+          </a:p>
+          <a:p>
+            <a:pPr marL="342900" indent="-342900">
+              <a:buAutoNum type="arabicPeriod"/>
+            </a:pPr>
+            <a:endParaRPr lang="en-US" altLang="ko-KR" dirty="0"/>
+          </a:p>
+          <a:p>
+            <a:pPr marL="342900" indent="-342900">
+              <a:buAutoNum type="arabicPeriod"/>
+            </a:pPr>
+            <a:r>
+              <a:rPr lang="ko-KR" altLang="en-US" dirty="0"/>
+              <a:t>이미 </a:t>
+            </a:r>
+            <a:r>
+              <a:rPr lang="ko-KR" altLang="en-US" dirty="0" err="1"/>
+              <a:t>힙에</a:t>
+            </a:r>
+            <a:r>
+              <a:rPr lang="ko-KR" altLang="en-US" dirty="0"/>
+              <a:t> 들어 있는 원소 중 하나를 증가시키기 </a:t>
+            </a:r>
+            <a:endParaRPr lang="en-US" altLang="ko-KR" dirty="0"/>
+          </a:p>
+          <a:p>
+            <a:r>
+              <a:rPr lang="en-US" altLang="ko-KR" dirty="0"/>
+              <a:t>:</a:t>
+            </a:r>
+            <a:r>
+              <a:rPr lang="ko-KR" altLang="en-US" dirty="0"/>
+              <a:t> 각 원소가 </a:t>
+            </a:r>
+            <a:r>
+              <a:rPr lang="ko-KR" altLang="en-US" dirty="0" err="1"/>
               <a:t>힙의</a:t>
             </a:r>
             <a:r>
-              <a:rPr lang="ko-KR" altLang="en-US" sz="2400" dirty="0"/>
-              <a:t> 최대 원소는 최소 </a:t>
-            </a:r>
-            <a:r>
-              <a:rPr lang="ko-KR" altLang="en-US" sz="2400" dirty="0" err="1"/>
-              <a:t>힙의</a:t>
-            </a:r>
-            <a:r>
-              <a:rPr lang="ko-KR" altLang="en-US" sz="2400" dirty="0"/>
-              <a:t> 최소 원소보다 작거나 같다</a:t>
-            </a:r>
-            <a:r>
-              <a:rPr lang="en-US" altLang="ko-KR" sz="2400" dirty="0"/>
-              <a:t>.</a:t>
-            </a:r>
-          </a:p>
-          <a:p>
-            <a:r>
-              <a:rPr lang="ko-KR" altLang="en-US" sz="2400" dirty="0"/>
-              <a:t>이 식이 깨지는 경우</a:t>
-            </a:r>
-            <a:r>
-              <a:rPr lang="en-US" altLang="ko-KR" sz="2400" dirty="0"/>
-              <a:t>?</a:t>
-            </a:r>
-          </a:p>
-        </p:txBody>
-      </p:sp>
+              <a:rPr lang="ko-KR" altLang="en-US" dirty="0"/>
+              <a:t> 어디에 위치하는지를 별도의 배열에 유지해서 구현</a:t>
+            </a:r>
+            <a:endParaRPr lang="en-US" altLang="ko-KR" dirty="0"/>
+          </a:p>
+        </p:txBody>
+      </p:sp>
+      <p:sp>
+        <p:nvSpPr>
+          <p:cNvPr id="2" name="제목 1">
+            <a:extLst>
+              <a:ext uri="{FF2B5EF4-FFF2-40B4-BE49-F238E27FC236}">
+                <a16:creationId xmlns:a16="http://schemas.microsoft.com/office/drawing/2014/main" id="{64C5C47A-8A21-47BB-AD80-BFE8FF9FFA3E}"/>
+              </a:ext>
+            </a:extLst>
+          </p:cNvPr>
+          <p:cNvSpPr>
+            <a:spLocks noGrp="1"/>
+          </p:cNvSpPr>
+          <p:nvPr>
+            <p:ph type="title"/>
+          </p:nvPr>
+        </p:nvSpPr>
+        <p:spPr/>
+        <p:txBody>
+          <a:bodyPr/>
+          <a:lstStyle/>
+          <a:p>
+            <a:r>
+              <a:rPr lang="ko-KR" altLang="en-US" dirty="0"/>
+              <a:t>다른 연산들</a:t>
+            </a:r>
+          </a:p>
+        </p:txBody>
+      </p:sp>
+      <p:pic>
+        <p:nvPicPr>
+          <p:cNvPr id="3" name="그림 2">
+            <a:extLst>
+              <a:ext uri="{FF2B5EF4-FFF2-40B4-BE49-F238E27FC236}">
+                <a16:creationId xmlns:a16="http://schemas.microsoft.com/office/drawing/2014/main" id="{15E94608-BF33-42AE-B24E-278DABA8AEA2}"/>
+              </a:ext>
+            </a:extLst>
+          </p:cNvPr>
+          <p:cNvPicPr>
+            <a:picLocks noChangeAspect="1"/>
+          </p:cNvPicPr>
+          <p:nvPr/>
+        </p:nvPicPr>
+        <p:blipFill>
+          <a:blip r:embed="rId2"/>
+          <a:stretch>
+            <a:fillRect/>
+          </a:stretch>
+        </p:blipFill>
+        <p:spPr>
+          <a:xfrm>
+            <a:off x="1423988" y="1968487"/>
+            <a:ext cx="7494920" cy="2528867"/>
+          </a:xfrm>
+          <a:prstGeom prst="rect">
+            <a:avLst/>
+          </a:prstGeom>
+        </p:spPr>
+      </p:pic>
     </p:spTree>
     <p:extLst>
       <p:ext uri="{BB962C8B-B14F-4D97-AF65-F5344CB8AC3E}">
-        <p14:creationId xmlns:p14="http://schemas.microsoft.com/office/powerpoint/2010/main" val="2805038834"/>
+        <p14:creationId xmlns:p14="http://schemas.microsoft.com/office/powerpoint/2010/main" val="42498160"/>
       </p:ext>
     </p:extLst>
   </p:cSld>
@@ -4706,12 +6129,400 @@
           </a:p>
         </p:txBody>
       </p:sp>
+      <p:sp>
+        <p:nvSpPr>
+          <p:cNvPr id="4" name="TextBox 3">
+            <a:extLst>
+              <a:ext uri="{FF2B5EF4-FFF2-40B4-BE49-F238E27FC236}">
+                <a16:creationId xmlns:a16="http://schemas.microsoft.com/office/drawing/2014/main" id="{B864EE28-FC3D-4647-82AB-7CC8A3010DC2}"/>
+              </a:ext>
+            </a:extLst>
+          </p:cNvPr>
+          <p:cNvSpPr txBox="1"/>
+          <p:nvPr/>
+        </p:nvSpPr>
+        <p:spPr>
+          <a:xfrm>
+            <a:off x="923544" y="1605344"/>
+            <a:ext cx="10758073" cy="4647426"/>
+          </a:xfrm>
+          <a:prstGeom prst="rect">
+            <a:avLst/>
+          </a:prstGeom>
+          <a:noFill/>
+        </p:spPr>
+        <p:txBody>
+          <a:bodyPr wrap="none" rtlCol="0">
+            <a:spAutoFit/>
+          </a:bodyPr>
+          <a:lstStyle/>
+          <a:p>
+            <a:r>
+              <a:rPr lang="en-US" altLang="ko-KR" sz="2400" dirty="0"/>
+              <a:t>Idea</a:t>
+            </a:r>
+          </a:p>
+          <a:p>
+            <a:pPr marL="457200" indent="-457200">
+              <a:buAutoNum type="arabicPeriod"/>
+            </a:pPr>
+            <a:r>
+              <a:rPr lang="ko-KR" altLang="en-US" sz="2400" dirty="0"/>
+              <a:t>최대 </a:t>
+            </a:r>
+            <a:r>
+              <a:rPr lang="ko-KR" altLang="en-US" sz="2400" dirty="0" err="1"/>
+              <a:t>힙의</a:t>
+            </a:r>
+            <a:r>
+              <a:rPr lang="ko-KR" altLang="en-US" sz="2400" dirty="0"/>
+              <a:t> 크기는 최소 </a:t>
+            </a:r>
+            <a:r>
+              <a:rPr lang="ko-KR" altLang="en-US" sz="2400" dirty="0" err="1"/>
+              <a:t>힙의</a:t>
+            </a:r>
+            <a:r>
+              <a:rPr lang="ko-KR" altLang="en-US" sz="2400" dirty="0"/>
+              <a:t> 크기와 같거나</a:t>
+            </a:r>
+            <a:r>
+              <a:rPr lang="en-US" altLang="ko-KR" sz="2400" dirty="0"/>
+              <a:t>, </a:t>
+            </a:r>
+            <a:r>
+              <a:rPr lang="ko-KR" altLang="en-US" sz="2400" dirty="0"/>
+              <a:t>하나 더 크다</a:t>
+            </a:r>
+            <a:endParaRPr lang="en-US" altLang="ko-KR" sz="2400" dirty="0"/>
+          </a:p>
+          <a:p>
+            <a:pPr marL="457200" indent="-457200">
+              <a:buAutoNum type="arabicPeriod"/>
+            </a:pPr>
+            <a:r>
+              <a:rPr lang="ko-KR" altLang="en-US" sz="2400" dirty="0"/>
+              <a:t>최대 </a:t>
+            </a:r>
+            <a:r>
+              <a:rPr lang="ko-KR" altLang="en-US" sz="2400" dirty="0" err="1"/>
+              <a:t>힙의</a:t>
+            </a:r>
+            <a:r>
+              <a:rPr lang="ko-KR" altLang="en-US" sz="2400" dirty="0"/>
+              <a:t> 최대 원소는 최소 </a:t>
+            </a:r>
+            <a:r>
+              <a:rPr lang="ko-KR" altLang="en-US" sz="2400" dirty="0" err="1"/>
+              <a:t>힙의</a:t>
+            </a:r>
+            <a:r>
+              <a:rPr lang="ko-KR" altLang="en-US" sz="2400" dirty="0"/>
+              <a:t> 최소 원소보다 작거나 같다</a:t>
+            </a:r>
+            <a:r>
+              <a:rPr lang="en-US" altLang="ko-KR" sz="2400" dirty="0"/>
+              <a:t>.</a:t>
+            </a:r>
+          </a:p>
+          <a:p>
+            <a:endParaRPr lang="en-US" altLang="ko-KR" sz="2400" dirty="0"/>
+          </a:p>
+          <a:p>
+            <a:r>
+              <a:rPr lang="ko-KR" altLang="en-US" sz="2400" dirty="0"/>
+              <a:t>이 식이 깨지는 경우</a:t>
+            </a:r>
+            <a:r>
+              <a:rPr lang="en-US" altLang="ko-KR" sz="2400" dirty="0"/>
+              <a:t>?</a:t>
+            </a:r>
+            <a:r>
+              <a:rPr lang="ko-KR" altLang="en-US" sz="2400" dirty="0"/>
+              <a:t>최대 </a:t>
+            </a:r>
+            <a:r>
+              <a:rPr lang="ko-KR" altLang="en-US" sz="2400" dirty="0" err="1"/>
+              <a:t>힙의</a:t>
+            </a:r>
+            <a:r>
+              <a:rPr lang="ko-KR" altLang="en-US" sz="2400" dirty="0"/>
+              <a:t> 최대 원소와 최소 </a:t>
+            </a:r>
+            <a:r>
+              <a:rPr lang="ko-KR" altLang="en-US" sz="2400" dirty="0" err="1"/>
+              <a:t>힙의</a:t>
+            </a:r>
+            <a:r>
+              <a:rPr lang="ko-KR" altLang="en-US" sz="2400" dirty="0"/>
+              <a:t> 최소 원소를 맞바꾼다</a:t>
+            </a:r>
+            <a:endParaRPr lang="en-US" altLang="ko-KR" sz="2400" dirty="0"/>
+          </a:p>
+          <a:p>
+            <a:endParaRPr lang="en-US" altLang="ko-KR" sz="2400" dirty="0"/>
+          </a:p>
+          <a:p>
+            <a:endParaRPr lang="en-US" altLang="ko-KR" sz="2400" dirty="0"/>
+          </a:p>
+          <a:p>
+            <a:r>
+              <a:rPr lang="en-US" altLang="ko-KR" sz="2400" dirty="0"/>
+              <a:t>C++ STL </a:t>
+            </a:r>
+            <a:r>
+              <a:rPr lang="ko-KR" altLang="en-US" sz="2400" dirty="0"/>
+              <a:t>에서의 </a:t>
+            </a:r>
+            <a:r>
+              <a:rPr lang="ko-KR" altLang="en-US" sz="2400" dirty="0" err="1"/>
+              <a:t>힙</a:t>
+            </a:r>
+            <a:r>
+              <a:rPr lang="ko-KR" altLang="en-US" sz="2400" dirty="0"/>
+              <a:t> 구현 </a:t>
+            </a:r>
+            <a:r>
+              <a:rPr lang="en-US" altLang="ko-KR" sz="2400" dirty="0"/>
+              <a:t>: </a:t>
+            </a:r>
+            <a:r>
+              <a:rPr lang="en-US" altLang="ko-KR" sz="2400" dirty="0" err="1"/>
+              <a:t>priority_queue</a:t>
+            </a:r>
+            <a:endParaRPr lang="en-US" altLang="ko-KR" sz="2400" dirty="0"/>
+          </a:p>
+          <a:p>
+            <a:r>
+              <a:rPr lang="en-US" altLang="ko-KR" sz="2000" dirty="0"/>
+              <a:t>&lt;queue&gt; header</a:t>
+            </a:r>
+            <a:r>
+              <a:rPr lang="ko-KR" altLang="en-US" sz="2000" dirty="0"/>
+              <a:t>에 있음</a:t>
+            </a:r>
+            <a:endParaRPr lang="en-US" altLang="ko-KR" sz="2000" dirty="0"/>
+          </a:p>
+          <a:p>
+            <a:r>
+              <a:rPr lang="en-US" altLang="ko-KR" sz="2000" dirty="0"/>
+              <a:t>empty, size, top, pop, push</a:t>
+            </a:r>
+            <a:r>
+              <a:rPr lang="ko-KR" altLang="en-US" sz="2000" dirty="0"/>
+              <a:t>연산 수행</a:t>
+            </a:r>
+            <a:endParaRPr lang="en-US" altLang="ko-KR" sz="2000" dirty="0"/>
+          </a:p>
+          <a:p>
+            <a:r>
+              <a:rPr lang="ko-KR" altLang="en-US" sz="2000" dirty="0"/>
+              <a:t>최대 </a:t>
+            </a:r>
+            <a:r>
+              <a:rPr lang="ko-KR" altLang="en-US" sz="2000" dirty="0" err="1"/>
+              <a:t>힙</a:t>
+            </a:r>
+            <a:r>
+              <a:rPr lang="ko-KR" altLang="en-US" sz="2000" dirty="0"/>
+              <a:t> </a:t>
+            </a:r>
+            <a:r>
+              <a:rPr lang="en-US" altLang="ko-KR" sz="2000" dirty="0"/>
+              <a:t>: </a:t>
+            </a:r>
+            <a:r>
+              <a:rPr lang="en-US" altLang="ko-KR" sz="2000" dirty="0" err="1"/>
+              <a:t>priority_queue</a:t>
+            </a:r>
+            <a:r>
+              <a:rPr lang="en-US" altLang="ko-KR" sz="2000" dirty="0"/>
+              <a:t>&lt;</a:t>
+            </a:r>
+            <a:r>
+              <a:rPr lang="en-US" altLang="ko-KR" sz="2000" dirty="0" err="1"/>
+              <a:t>int</a:t>
+            </a:r>
+            <a:r>
+              <a:rPr lang="en-US" altLang="ko-KR" sz="2000" dirty="0"/>
+              <a:t>, vector&lt;</a:t>
+            </a:r>
+            <a:r>
+              <a:rPr lang="en-US" altLang="ko-KR" sz="2000" dirty="0" err="1"/>
+              <a:t>int</a:t>
+            </a:r>
+            <a:r>
+              <a:rPr lang="en-US" altLang="ko-KR" sz="2000" dirty="0"/>
+              <a:t>&gt;, </a:t>
+            </a:r>
+            <a:r>
+              <a:rPr lang="en-US" altLang="ko-KR" sz="2000" dirty="0">
+                <a:solidFill>
+                  <a:srgbClr val="FF0000"/>
+                </a:solidFill>
+              </a:rPr>
+              <a:t>less&lt;</a:t>
+            </a:r>
+            <a:r>
+              <a:rPr lang="en-US" altLang="ko-KR" sz="2000" dirty="0" err="1">
+                <a:solidFill>
+                  <a:srgbClr val="FF0000"/>
+                </a:solidFill>
+              </a:rPr>
+              <a:t>int</a:t>
+            </a:r>
+            <a:r>
+              <a:rPr lang="en-US" altLang="ko-KR" sz="2000" dirty="0">
+                <a:solidFill>
+                  <a:srgbClr val="FF0000"/>
+                </a:solidFill>
+              </a:rPr>
+              <a:t>&gt; </a:t>
+            </a:r>
+            <a:r>
+              <a:rPr lang="en-US" altLang="ko-KR" sz="2000" dirty="0"/>
+              <a:t>&gt;</a:t>
+            </a:r>
+          </a:p>
+          <a:p>
+            <a:r>
+              <a:rPr lang="ko-KR" altLang="en-US" sz="2000" dirty="0"/>
+              <a:t>최소 </a:t>
+            </a:r>
+            <a:r>
+              <a:rPr lang="ko-KR" altLang="en-US" sz="2000" dirty="0" err="1"/>
+              <a:t>힙</a:t>
+            </a:r>
+            <a:r>
+              <a:rPr lang="ko-KR" altLang="en-US" sz="2000" dirty="0"/>
+              <a:t> </a:t>
+            </a:r>
+            <a:r>
+              <a:rPr lang="en-US" altLang="ko-KR" sz="2000" dirty="0"/>
+              <a:t>: </a:t>
+            </a:r>
+            <a:r>
+              <a:rPr lang="en-US" altLang="ko-KR" sz="2000" dirty="0" err="1"/>
+              <a:t>priority_queue</a:t>
+            </a:r>
+            <a:r>
+              <a:rPr lang="en-US" altLang="ko-KR" sz="2000" dirty="0"/>
+              <a:t>&lt;</a:t>
+            </a:r>
+            <a:r>
+              <a:rPr lang="en-US" altLang="ko-KR" sz="2000" dirty="0" err="1"/>
+              <a:t>int</a:t>
+            </a:r>
+            <a:r>
+              <a:rPr lang="en-US" altLang="ko-KR" sz="2000" dirty="0"/>
+              <a:t>, vector&lt;</a:t>
+            </a:r>
+            <a:r>
+              <a:rPr lang="en-US" altLang="ko-KR" sz="2000" dirty="0" err="1"/>
+              <a:t>int</a:t>
+            </a:r>
+            <a:r>
+              <a:rPr lang="en-US" altLang="ko-KR" sz="2000" dirty="0"/>
+              <a:t>&gt;, </a:t>
+            </a:r>
+            <a:r>
+              <a:rPr lang="en-US" altLang="ko-KR" sz="2000" dirty="0">
+                <a:solidFill>
+                  <a:srgbClr val="FF0000"/>
+                </a:solidFill>
+              </a:rPr>
+              <a:t>greater&lt;</a:t>
+            </a:r>
+            <a:r>
+              <a:rPr lang="en-US" altLang="ko-KR" sz="2000" dirty="0" err="1">
+                <a:solidFill>
+                  <a:srgbClr val="FF0000"/>
+                </a:solidFill>
+              </a:rPr>
+              <a:t>int</a:t>
+            </a:r>
+            <a:r>
+              <a:rPr lang="en-US" altLang="ko-KR" sz="2000" dirty="0">
+                <a:solidFill>
+                  <a:srgbClr val="FF0000"/>
+                </a:solidFill>
+              </a:rPr>
+              <a:t>&gt; </a:t>
+            </a:r>
+            <a:r>
+              <a:rPr lang="en-US" altLang="ko-KR" sz="2000" dirty="0"/>
+              <a:t>&gt;</a:t>
+            </a:r>
+          </a:p>
+          <a:p>
+            <a:endParaRPr lang="en-US" altLang="ko-KR" sz="2400" dirty="0"/>
+          </a:p>
+        </p:txBody>
+      </p:sp>
+    </p:spTree>
+    <p:extLst>
+      <p:ext uri="{BB962C8B-B14F-4D97-AF65-F5344CB8AC3E}">
+        <p14:creationId xmlns:p14="http://schemas.microsoft.com/office/powerpoint/2010/main" val="2805038834"/>
+      </p:ext>
+    </p:extLst>
+  </p:cSld>
+  <p:clrMapOvr>
+    <a:masterClrMapping/>
+  </p:clrMapOvr>
+</p:sld>
+</file>
+
+<file path=ppt/slides/slide19.xml><?xml version="1.0" encoding="utf-8"?>
+<p:sld xmlns:a="http://schemas.openxmlformats.org/drawingml/2006/main" xmlns:r="http://schemas.openxmlformats.org/officeDocument/2006/relationships" xmlns:p="http://schemas.openxmlformats.org/presentationml/2006/main">
+  <p:cSld>
+    <p:spTree>
+      <p:nvGrpSpPr>
+        <p:cNvPr id="1" name=""/>
+        <p:cNvGrpSpPr/>
+        <p:nvPr/>
+      </p:nvGrpSpPr>
+      <p:grpSpPr>
+        <a:xfrm>
+          <a:off x="0" y="0"/>
+          <a:ext cx="0" cy="0"/>
+          <a:chOff x="0" y="0"/>
+          <a:chExt cx="0" cy="0"/>
+        </a:xfrm>
+      </p:grpSpPr>
+      <p:sp>
+        <p:nvSpPr>
+          <p:cNvPr id="2" name="제목 1">
+            <a:extLst>
+              <a:ext uri="{FF2B5EF4-FFF2-40B4-BE49-F238E27FC236}">
+                <a16:creationId xmlns:a16="http://schemas.microsoft.com/office/drawing/2014/main" id="{64C5C47A-8A21-47BB-AD80-BFE8FF9FFA3E}"/>
+              </a:ext>
+            </a:extLst>
+          </p:cNvPr>
+          <p:cNvSpPr>
+            <a:spLocks noGrp="1"/>
+          </p:cNvSpPr>
+          <p:nvPr>
+            <p:ph type="title"/>
+          </p:nvPr>
+        </p:nvSpPr>
+        <p:spPr/>
+        <p:txBody>
+          <a:bodyPr/>
+          <a:lstStyle/>
+          <a:p>
+            <a:r>
+              <a:rPr lang="ko-KR" altLang="en-US" dirty="0"/>
+              <a:t>변화하는 중간 값</a:t>
+            </a:r>
+          </a:p>
+        </p:txBody>
+      </p:sp>
       <p:graphicFrame>
         <p:nvGraphicFramePr>
           <p:cNvPr id="3" name="표 2">
             <a:extLst>
               <a:ext uri="{FF2B5EF4-FFF2-40B4-BE49-F238E27FC236}">
-                <a16:creationId xmlns:a16="http://schemas.microsoft.com/office/drawing/2014/main" id="{26345D84-455B-4E1A-87C2-2AE4046834F8}"/>
+                <a16:creationId xmlns:a16="http://schemas.microsoft.com/office/drawing/2014/main" id="{E404B5B9-E38D-4876-9A96-46C3333754F6}"/>
               </a:ext>
             </a:extLst>
           </p:cNvPr>
@@ -4721,7 +6532,7 @@
           <p:nvPr>
             <p:extLst>
               <p:ext uri="{D42A27DB-BD31-4B8C-83A1-F6EECF244321}">
-                <p14:modId xmlns:p14="http://schemas.microsoft.com/office/powerpoint/2010/main" val="1203064033"/>
+                <p14:modId xmlns:p14="http://schemas.microsoft.com/office/powerpoint/2010/main" val="4026886932"/>
               </p:ext>
             </p:extLst>
           </p:nvPr>
@@ -7216,7 +9027,7 @@
                             <a:srgbClr val="4F4F4F"/>
                           </a:solidFill>
                           <a:effectLst/>
-                          <a:hlinkClick r:id="rId2"/>
+                          <a:hlinkClick r:id="rId3"/>
                         </a:rPr>
                         <a:t>Colored by Color Scripter</a:t>
                       </a:r>
@@ -7261,7 +9072,7 @@
                             <a:srgbClr val="FFFFFF"/>
                           </a:solidFill>
                           <a:effectLst/>
-                          <a:hlinkClick r:id="rId2"/>
+                          <a:hlinkClick r:id="rId3"/>
                         </a:rPr>
                         <a:t>cs</a:t>
                       </a:r>
@@ -7301,7 +9112,7 @@
     </p:spTree>
     <p:extLst>
       <p:ext uri="{BB962C8B-B14F-4D97-AF65-F5344CB8AC3E}">
-        <p14:creationId xmlns:p14="http://schemas.microsoft.com/office/powerpoint/2010/main" val="208110300"/>
+        <p14:creationId xmlns:p14="http://schemas.microsoft.com/office/powerpoint/2010/main" val="1998879275"/>
       </p:ext>
     </p:extLst>
   </p:cSld>
@@ -7371,7 +9182,7 @@
           <p:nvPr/>
         </p:nvPicPr>
         <p:blipFill>
-          <a:blip r:embed="rId2"/>
+          <a:blip r:embed="rId3"/>
           <a:stretch>
             <a:fillRect/>
           </a:stretch>
@@ -7401,7 +9212,7 @@
         <p:spPr>
           <a:xfrm>
             <a:off x="984504" y="1767507"/>
-            <a:ext cx="6994222" cy="4154984"/>
+            <a:ext cx="9882834" cy="4154984"/>
           </a:xfrm>
           <a:prstGeom prst="rect">
             <a:avLst/>
@@ -7416,13 +9227,33 @@
           <a:p>
             <a:r>
               <a:rPr lang="ko-KR" altLang="en-US" sz="2400" dirty="0"/>
+              <a:t>큐 </a:t>
+            </a:r>
+            <a:r>
+              <a:rPr lang="en-US" altLang="ko-KR" sz="2400" dirty="0"/>
+              <a:t>+ </a:t>
+            </a:r>
+            <a:r>
+              <a:rPr lang="ko-KR" altLang="en-US" sz="2400" b="1" dirty="0">
+                <a:solidFill>
+                  <a:srgbClr val="FF0000"/>
+                </a:solidFill>
+              </a:rPr>
               <a:t>우선순위가 가장 높은 자료가 가장 먼저 </a:t>
             </a:r>
             <a:r>
-              <a:rPr lang="ko-KR" altLang="en-US" sz="2400" dirty="0" err="1"/>
+              <a:rPr lang="ko-KR" altLang="en-US" sz="2400" b="1" dirty="0" err="1">
+                <a:solidFill>
+                  <a:srgbClr val="FF0000"/>
+                </a:solidFill>
+              </a:rPr>
               <a:t>꺼내진다</a:t>
             </a:r>
-            <a:endParaRPr lang="en-US" altLang="ko-KR" sz="2400" dirty="0"/>
+            <a:endParaRPr lang="en-US" altLang="ko-KR" sz="2400" b="1" dirty="0">
+              <a:solidFill>
+                <a:srgbClr val="FF0000"/>
+              </a:solidFill>
+            </a:endParaRPr>
           </a:p>
           <a:p>
             <a:endParaRPr lang="en-US" altLang="ko-KR" sz="2400" dirty="0"/>
@@ -7477,7 +9308,7 @@
             </a:r>
             <a:r>
               <a:rPr lang="ko-KR" altLang="en-US" sz="2400" dirty="0"/>
-              <a:t>배열 이용 </a:t>
+              <a:t>연결리스트나 배열 이용 </a:t>
             </a:r>
             <a:r>
               <a:rPr lang="en-US" altLang="ko-KR" sz="2400" dirty="0"/>
@@ -7485,7 +9316,7 @@
             </a:r>
             <a:r>
               <a:rPr lang="ko-KR" altLang="en-US" sz="2400" dirty="0"/>
-              <a:t> 이진 검색 트리 이용</a:t>
+              <a:t> 균형 잡힌 이진 검색 트리 이용</a:t>
             </a:r>
             <a:endParaRPr lang="en-US" altLang="ko-KR" sz="2400" dirty="0"/>
           </a:p>
@@ -7521,12 +9352,135 @@
           <a:chExt cx="0" cy="0"/>
         </a:xfrm>
       </p:grpSpPr>
+      <p:sp>
+        <p:nvSpPr>
+          <p:cNvPr id="2" name="제목 1">
+            <a:extLst>
+              <a:ext uri="{FF2B5EF4-FFF2-40B4-BE49-F238E27FC236}">
+                <a16:creationId xmlns:a16="http://schemas.microsoft.com/office/drawing/2014/main" id="{B35030DD-DDE4-45B4-942B-EAE7007C466B}"/>
+              </a:ext>
+            </a:extLst>
+          </p:cNvPr>
+          <p:cNvSpPr>
+            <a:spLocks noGrp="1"/>
+          </p:cNvSpPr>
+          <p:nvPr>
+            <p:ph type="title"/>
+          </p:nvPr>
+        </p:nvSpPr>
+        <p:spPr/>
+        <p:txBody>
+          <a:bodyPr/>
+          <a:lstStyle/>
+          <a:p>
+            <a:r>
+              <a:rPr lang="ko-KR" altLang="en-US" dirty="0" err="1"/>
+              <a:t>힙</a:t>
+            </a:r>
+            <a:endParaRPr lang="ko-KR" altLang="en-US" dirty="0"/>
+          </a:p>
+        </p:txBody>
+      </p:sp>
+      <p:sp>
+        <p:nvSpPr>
+          <p:cNvPr id="3" name="TextBox 2">
+            <a:extLst>
+              <a:ext uri="{FF2B5EF4-FFF2-40B4-BE49-F238E27FC236}">
+                <a16:creationId xmlns:a16="http://schemas.microsoft.com/office/drawing/2014/main" id="{FA8E2AEE-4E13-4B78-B8E9-5C2D5C9FF35F}"/>
+              </a:ext>
+            </a:extLst>
+          </p:cNvPr>
+          <p:cNvSpPr txBox="1"/>
+          <p:nvPr/>
+        </p:nvSpPr>
+        <p:spPr>
+          <a:xfrm>
+            <a:off x="999744" y="2182368"/>
+            <a:ext cx="6753772" cy="2677656"/>
+          </a:xfrm>
+          <a:prstGeom prst="rect">
+            <a:avLst/>
+          </a:prstGeom>
+          <a:noFill/>
+        </p:spPr>
+        <p:txBody>
+          <a:bodyPr wrap="none" rtlCol="0">
+            <a:spAutoFit/>
+          </a:bodyPr>
+          <a:lstStyle/>
+          <a:p>
+            <a:r>
+              <a:rPr lang="en-US" altLang="ko-KR" sz="2400" dirty="0"/>
+              <a:t>Max-heap</a:t>
+            </a:r>
+          </a:p>
+          <a:p>
+            <a:r>
+              <a:rPr lang="ko-KR" altLang="en-US" sz="2400" b="1" dirty="0">
+                <a:solidFill>
+                  <a:srgbClr val="FF0000"/>
+                </a:solidFill>
+              </a:rPr>
+              <a:t>부모 노드는 자식 노드에 들어있는 값보다 크다</a:t>
+            </a:r>
+            <a:r>
+              <a:rPr lang="en-US" altLang="ko-KR" sz="2400" b="1" dirty="0">
+                <a:solidFill>
+                  <a:srgbClr val="FF0000"/>
+                </a:solidFill>
+              </a:rPr>
+              <a:t>.</a:t>
+            </a:r>
+          </a:p>
+          <a:p>
+            <a:r>
+              <a:rPr lang="en-US" altLang="ko-KR" sz="2400" dirty="0"/>
+              <a:t>(</a:t>
+            </a:r>
+            <a:r>
+              <a:rPr lang="ko-KR" altLang="en-US" sz="2400" dirty="0" err="1"/>
+              <a:t>힙의</a:t>
+            </a:r>
+            <a:r>
+              <a:rPr lang="ko-KR" altLang="en-US" sz="2400" dirty="0"/>
+              <a:t> 대소 관계 규칙</a:t>
+            </a:r>
+            <a:r>
+              <a:rPr lang="en-US" altLang="ko-KR" sz="2400" dirty="0"/>
+              <a:t>)</a:t>
+            </a:r>
+          </a:p>
+          <a:p>
+            <a:endParaRPr lang="en-US" altLang="ko-KR" sz="2400" dirty="0"/>
+          </a:p>
+          <a:p>
+            <a:endParaRPr lang="en-US" altLang="ko-KR" sz="2400" dirty="0"/>
+          </a:p>
+          <a:p>
+            <a:r>
+              <a:rPr lang="en-US" altLang="ko-KR" sz="2400" dirty="0"/>
+              <a:t>Min-heap</a:t>
+            </a:r>
+          </a:p>
+          <a:p>
+            <a:r>
+              <a:rPr lang="ko-KR" altLang="en-US" sz="2400" dirty="0"/>
+              <a:t>부모 노드는 자식 노드에 들어있는 값보다 작다</a:t>
+            </a:r>
+            <a:r>
+              <a:rPr lang="en-US" altLang="ko-KR" sz="2400" dirty="0"/>
+              <a:t>.</a:t>
+            </a:r>
+            <a:endParaRPr lang="ko-KR" altLang="en-US" sz="2400" dirty="0"/>
+          </a:p>
+        </p:txBody>
+      </p:sp>
       <p:pic>
         <p:nvPicPr>
-          <p:cNvPr id="3" name="그림 2">
-            <a:extLst>
-              <a:ext uri="{FF2B5EF4-FFF2-40B4-BE49-F238E27FC236}">
-                <a16:creationId xmlns:a16="http://schemas.microsoft.com/office/drawing/2014/main" id="{81F373DA-4242-41BB-8993-8C973C041815}"/>
+          <p:cNvPr id="4" name="그림 3">
+            <a:extLst>
+              <a:ext uri="{FF2B5EF4-FFF2-40B4-BE49-F238E27FC236}">
+                <a16:creationId xmlns:a16="http://schemas.microsoft.com/office/drawing/2014/main" id="{2EF8413A-29ED-4262-BF72-7387B458E347}"/>
               </a:ext>
             </a:extLst>
           </p:cNvPr>
@@ -7536,27 +9490,57 @@
           <p:nvPr/>
         </p:nvPicPr>
         <p:blipFill>
-          <a:blip r:embed="rId2"/>
+          <a:blip r:embed="rId3"/>
           <a:stretch>
             <a:fillRect/>
           </a:stretch>
         </p:blipFill>
         <p:spPr>
           <a:xfrm>
-            <a:off x="973666" y="1536170"/>
-            <a:ext cx="4124325" cy="1685925"/>
+            <a:off x="8872684" y="2257240"/>
+            <a:ext cx="1695450" cy="1343025"/>
           </a:xfrm>
           <a:prstGeom prst="rect">
             <a:avLst/>
           </a:prstGeom>
         </p:spPr>
       </p:pic>
-      <p:sp>
-        <p:nvSpPr>
-          <p:cNvPr id="5" name="TextBox 4">
-            <a:extLst>
-              <a:ext uri="{FF2B5EF4-FFF2-40B4-BE49-F238E27FC236}">
-                <a16:creationId xmlns:a16="http://schemas.microsoft.com/office/drawing/2014/main" id="{9DED2E32-2C44-4C44-A690-48C3ED4782C2}"/>
+      <p:pic>
+        <p:nvPicPr>
+          <p:cNvPr id="5" name="그림 4">
+            <a:extLst>
+              <a:ext uri="{FF2B5EF4-FFF2-40B4-BE49-F238E27FC236}">
+                <a16:creationId xmlns:a16="http://schemas.microsoft.com/office/drawing/2014/main" id="{55AE68F4-5937-4A07-B222-F84D08CFCBB1}"/>
+              </a:ext>
+            </a:extLst>
+          </p:cNvPr>
+          <p:cNvPicPr>
+            <a:picLocks noChangeAspect="1"/>
+          </p:cNvPicPr>
+          <p:nvPr/>
+        </p:nvPicPr>
+        <p:blipFill>
+          <a:blip r:embed="rId4"/>
+          <a:stretch>
+            <a:fillRect/>
+          </a:stretch>
+        </p:blipFill>
+        <p:spPr>
+          <a:xfrm>
+            <a:off x="8815534" y="4203394"/>
+            <a:ext cx="1752600" cy="1304925"/>
+          </a:xfrm>
+          <a:prstGeom prst="rect">
+            <a:avLst/>
+          </a:prstGeom>
+        </p:spPr>
+      </p:pic>
+      <p:sp>
+        <p:nvSpPr>
+          <p:cNvPr id="6" name="TextBox 5">
+            <a:extLst>
+              <a:ext uri="{FF2B5EF4-FFF2-40B4-BE49-F238E27FC236}">
+                <a16:creationId xmlns:a16="http://schemas.microsoft.com/office/drawing/2014/main" id="{4771EE0E-4D00-46F4-B640-C97AB0148739}"/>
               </a:ext>
             </a:extLst>
           </p:cNvPr>
@@ -7565,8 +9549,8 @@
         </p:nvSpPr>
         <p:spPr>
           <a:xfrm>
-            <a:off x="973666" y="920496"/>
-            <a:ext cx="2798971" cy="461665"/>
+            <a:off x="950976" y="1402080"/>
+            <a:ext cx="7289175" cy="461665"/>
           </a:xfrm>
           <a:prstGeom prst="rect">
             <a:avLst/>
@@ -7581,265 +9565,27 @@
           <a:p>
             <a:r>
               <a:rPr lang="en-US" altLang="ko-KR" sz="2400" dirty="0"/>
-              <a:t>Perfect Binary Tree</a:t>
-            </a:r>
-            <a:endParaRPr lang="ko-KR" altLang="en-US" sz="2400" dirty="0"/>
-          </a:p>
-        </p:txBody>
-      </p:sp>
-      <p:sp>
-        <p:nvSpPr>
-          <p:cNvPr id="8" name="TextBox 7">
-            <a:extLst>
-              <a:ext uri="{FF2B5EF4-FFF2-40B4-BE49-F238E27FC236}">
-                <a16:creationId xmlns:a16="http://schemas.microsoft.com/office/drawing/2014/main" id="{501E6973-B04C-4826-A4DF-16B503302284}"/>
-              </a:ext>
-            </a:extLst>
-          </p:cNvPr>
-          <p:cNvSpPr txBox="1"/>
-          <p:nvPr/>
-        </p:nvSpPr>
-        <p:spPr>
-          <a:xfrm>
-            <a:off x="973666" y="3525839"/>
-            <a:ext cx="3358035" cy="461665"/>
-          </a:xfrm>
-          <a:prstGeom prst="rect">
-            <a:avLst/>
-          </a:prstGeom>
-          <a:noFill/>
-        </p:spPr>
-        <p:txBody>
-          <a:bodyPr wrap="none" rtlCol="0">
-            <a:spAutoFit/>
-          </a:bodyPr>
-          <a:lstStyle/>
-          <a:p>
-            <a:r>
-              <a:rPr lang="en-US" altLang="ko-KR" sz="2400" b="1" dirty="0">
-                <a:solidFill>
-                  <a:srgbClr val="FF0000"/>
-                </a:solidFill>
-              </a:rPr>
-              <a:t>Complete Binary Tree</a:t>
-            </a:r>
-            <a:endParaRPr lang="ko-KR" altLang="en-US" sz="2400" b="1" dirty="0">
-              <a:solidFill>
-                <a:srgbClr val="FF0000"/>
-              </a:solidFill>
-            </a:endParaRPr>
-          </a:p>
-        </p:txBody>
-      </p:sp>
-      <p:pic>
-        <p:nvPicPr>
-          <p:cNvPr id="9" name="그림 8">
-            <a:extLst>
-              <a:ext uri="{FF2B5EF4-FFF2-40B4-BE49-F238E27FC236}">
-                <a16:creationId xmlns:a16="http://schemas.microsoft.com/office/drawing/2014/main" id="{8F6F83C4-F08D-424C-97FD-05ADC7144E03}"/>
-              </a:ext>
-            </a:extLst>
-          </p:cNvPr>
-          <p:cNvPicPr>
-            <a:picLocks noChangeAspect="1"/>
-          </p:cNvPicPr>
-          <p:nvPr/>
-        </p:nvPicPr>
-        <p:blipFill rotWithShape="1">
-          <a:blip r:embed="rId3"/>
-          <a:srcRect l="3909"/>
-          <a:stretch/>
-        </p:blipFill>
-        <p:spPr>
-          <a:xfrm>
-            <a:off x="1046362" y="4146804"/>
-            <a:ext cx="3706812" cy="1790700"/>
-          </a:xfrm>
-          <a:prstGeom prst="rect">
-            <a:avLst/>
-          </a:prstGeom>
-        </p:spPr>
-      </p:pic>
-      <p:sp>
-        <p:nvSpPr>
-          <p:cNvPr id="10" name="TextBox 9">
-            <a:extLst>
-              <a:ext uri="{FF2B5EF4-FFF2-40B4-BE49-F238E27FC236}">
-                <a16:creationId xmlns:a16="http://schemas.microsoft.com/office/drawing/2014/main" id="{C778DA83-5444-43E5-B9C1-E342D08A475A}"/>
-              </a:ext>
-            </a:extLst>
-          </p:cNvPr>
-          <p:cNvSpPr txBox="1"/>
-          <p:nvPr/>
-        </p:nvSpPr>
-        <p:spPr>
-          <a:xfrm>
-            <a:off x="5904315" y="1412917"/>
-            <a:ext cx="4166525" cy="1700787"/>
-          </a:xfrm>
-          <a:prstGeom prst="rect">
-            <a:avLst/>
-          </a:prstGeom>
-          <a:noFill/>
-        </p:spPr>
-        <p:txBody>
-          <a:bodyPr wrap="none" rtlCol="0">
-            <a:spAutoFit/>
-          </a:bodyPr>
-          <a:lstStyle/>
-          <a:p>
-            <a:pPr>
-              <a:lnSpc>
-                <a:spcPct val="150000"/>
-              </a:lnSpc>
-            </a:pPr>
-            <a:r>
-              <a:rPr lang="ko-KR" altLang="en-US" dirty="0"/>
-              <a:t>리프 노드를 제외한 노드의 자식 수 </a:t>
-            </a:r>
-            <a:r>
-              <a:rPr lang="en-US" altLang="ko-KR" dirty="0"/>
-              <a:t>: 2</a:t>
-            </a:r>
-          </a:p>
-          <a:p>
-            <a:pPr>
-              <a:lnSpc>
-                <a:spcPct val="150000"/>
-              </a:lnSpc>
-            </a:pPr>
-            <a:r>
-              <a:rPr lang="ko-KR" altLang="en-US" dirty="0"/>
-              <a:t>리프 노드의 자식의 수 </a:t>
-            </a:r>
-            <a:r>
-              <a:rPr lang="en-US" altLang="ko-KR" dirty="0"/>
-              <a:t>: 0</a:t>
-            </a:r>
-          </a:p>
-          <a:p>
-            <a:pPr>
-              <a:lnSpc>
-                <a:spcPct val="150000"/>
-              </a:lnSpc>
-            </a:pPr>
-            <a:r>
-              <a:rPr lang="ko-KR" altLang="en-US" dirty="0"/>
-              <a:t>모든 리프 노드의 </a:t>
-            </a:r>
-            <a:r>
-              <a:rPr lang="en-US" altLang="ko-KR" dirty="0"/>
-              <a:t>depth</a:t>
-            </a:r>
-            <a:r>
-              <a:rPr lang="ko-KR" altLang="en-US" dirty="0"/>
-              <a:t>가 같아야 함</a:t>
-            </a:r>
-            <a:endParaRPr lang="en-US" altLang="ko-KR" dirty="0"/>
-          </a:p>
-          <a:p>
-            <a:pPr>
-              <a:lnSpc>
-                <a:spcPct val="150000"/>
-              </a:lnSpc>
-            </a:pPr>
-            <a:r>
-              <a:rPr lang="ko-KR" altLang="en-US" dirty="0"/>
-              <a:t>높이가 </a:t>
-            </a:r>
-            <a:r>
-              <a:rPr lang="en-US" altLang="ko-KR" dirty="0"/>
-              <a:t>h</a:t>
-            </a:r>
-            <a:r>
-              <a:rPr lang="ko-KR" altLang="en-US" dirty="0"/>
-              <a:t>인 트리의 노드 개수 </a:t>
-            </a:r>
-            <a:r>
-              <a:rPr lang="en-US" altLang="ko-KR" dirty="0"/>
-              <a:t>= 2^h-1</a:t>
-            </a:r>
-            <a:endParaRPr lang="ko-KR" altLang="en-US" dirty="0"/>
-          </a:p>
-        </p:txBody>
-      </p:sp>
-      <p:sp>
-        <p:nvSpPr>
-          <p:cNvPr id="11" name="TextBox 10">
-            <a:extLst>
-              <a:ext uri="{FF2B5EF4-FFF2-40B4-BE49-F238E27FC236}">
-                <a16:creationId xmlns:a16="http://schemas.microsoft.com/office/drawing/2014/main" id="{3F2E66BD-161E-4960-9ED1-B3D6908E71D3}"/>
-              </a:ext>
-            </a:extLst>
-          </p:cNvPr>
-          <p:cNvSpPr txBox="1"/>
-          <p:nvPr/>
-        </p:nvSpPr>
-        <p:spPr>
-          <a:xfrm>
-            <a:off x="5904315" y="4012692"/>
-            <a:ext cx="5061001" cy="1338828"/>
-          </a:xfrm>
-          <a:prstGeom prst="rect">
-            <a:avLst/>
-          </a:prstGeom>
-          <a:noFill/>
-        </p:spPr>
-        <p:txBody>
-          <a:bodyPr wrap="none" rtlCol="0">
-            <a:spAutoFit/>
-          </a:bodyPr>
-          <a:lstStyle/>
-          <a:p>
-            <a:pPr>
-              <a:lnSpc>
-                <a:spcPct val="150000"/>
-              </a:lnSpc>
-            </a:pPr>
-            <a:r>
-              <a:rPr lang="ko-KR" altLang="en-US" dirty="0"/>
-              <a:t>마지막 레벨에는 노드가 일부는 없을 수도 있음</a:t>
-            </a:r>
-            <a:endParaRPr lang="en-US" altLang="ko-KR" dirty="0"/>
-          </a:p>
-          <a:p>
-            <a:pPr>
-              <a:lnSpc>
-                <a:spcPct val="150000"/>
-              </a:lnSpc>
-            </a:pPr>
-            <a:r>
-              <a:rPr lang="ko-KR" altLang="en-US" dirty="0"/>
-              <a:t>오른쪽에서부터 몇 개가 사라진 형태</a:t>
-            </a:r>
-            <a:endParaRPr lang="en-US" altLang="ko-KR" dirty="0"/>
-          </a:p>
-          <a:p>
-            <a:pPr>
-              <a:lnSpc>
-                <a:spcPct val="150000"/>
-              </a:lnSpc>
-            </a:pPr>
-            <a:r>
-              <a:rPr lang="ko-KR" altLang="en-US" dirty="0"/>
-              <a:t>높이 </a:t>
-            </a:r>
-            <a:r>
-              <a:rPr lang="en-US" altLang="ko-KR" dirty="0"/>
-              <a:t>: </a:t>
-            </a:r>
-            <a:r>
-              <a:rPr lang="en-US" altLang="ko-KR" dirty="0" err="1"/>
-              <a:t>lgN</a:t>
-            </a:r>
-            <a:endParaRPr lang="ko-KR" altLang="en-US" dirty="0"/>
+              <a:t>:Max</a:t>
+            </a:r>
+            <a:r>
+              <a:rPr lang="ko-KR" altLang="en-US" sz="2400" dirty="0"/>
+              <a:t>나 </a:t>
+            </a:r>
+            <a:r>
+              <a:rPr lang="en-US" altLang="ko-KR" sz="2400" dirty="0"/>
+              <a:t>min</a:t>
+            </a:r>
+            <a:r>
+              <a:rPr lang="ko-KR" altLang="en-US" sz="2400" dirty="0"/>
+              <a:t>값을 찾는 데 최적화된 형태의 이진 트리</a:t>
+            </a:r>
           </a:p>
         </p:txBody>
       </p:sp>
     </p:spTree>
     <p:extLst>
       <p:ext uri="{BB962C8B-B14F-4D97-AF65-F5344CB8AC3E}">
-        <p14:creationId xmlns:p14="http://schemas.microsoft.com/office/powerpoint/2010/main" val="3956970160"/>
+        <p14:creationId xmlns:p14="http://schemas.microsoft.com/office/powerpoint/2010/main" val="2188197621"/>
       </p:ext>
     </p:extLst>
   </p:cSld>
@@ -7866,165 +9612,12 @@
           <a:chExt cx="0" cy="0"/>
         </a:xfrm>
       </p:grpSpPr>
-      <p:sp>
-        <p:nvSpPr>
-          <p:cNvPr id="2" name="제목 1">
-            <a:extLst>
-              <a:ext uri="{FF2B5EF4-FFF2-40B4-BE49-F238E27FC236}">
-                <a16:creationId xmlns:a16="http://schemas.microsoft.com/office/drawing/2014/main" id="{B35030DD-DDE4-45B4-942B-EAE7007C466B}"/>
-              </a:ext>
-            </a:extLst>
-          </p:cNvPr>
-          <p:cNvSpPr>
-            <a:spLocks noGrp="1"/>
-          </p:cNvSpPr>
-          <p:nvPr>
-            <p:ph type="title"/>
-          </p:nvPr>
-        </p:nvSpPr>
-        <p:spPr/>
-        <p:txBody>
-          <a:bodyPr/>
-          <a:lstStyle/>
-          <a:p>
-            <a:r>
-              <a:rPr lang="ko-KR" altLang="en-US" dirty="0" err="1"/>
-              <a:t>힙</a:t>
-            </a:r>
-            <a:endParaRPr lang="ko-KR" altLang="en-US" dirty="0"/>
-          </a:p>
-        </p:txBody>
-      </p:sp>
-      <p:sp>
-        <p:nvSpPr>
-          <p:cNvPr id="3" name="TextBox 2">
-            <a:extLst>
-              <a:ext uri="{FF2B5EF4-FFF2-40B4-BE49-F238E27FC236}">
-                <a16:creationId xmlns:a16="http://schemas.microsoft.com/office/drawing/2014/main" id="{FA8E2AEE-4E13-4B78-B8E9-5C2D5C9FF35F}"/>
-              </a:ext>
-            </a:extLst>
-          </p:cNvPr>
-          <p:cNvSpPr txBox="1"/>
-          <p:nvPr/>
-        </p:nvSpPr>
-        <p:spPr>
-          <a:xfrm>
-            <a:off x="975360" y="1987296"/>
-            <a:ext cx="6753772" cy="2677656"/>
-          </a:xfrm>
-          <a:prstGeom prst="rect">
-            <a:avLst/>
-          </a:prstGeom>
-          <a:noFill/>
-        </p:spPr>
-        <p:txBody>
-          <a:bodyPr wrap="none" rtlCol="0">
-            <a:spAutoFit/>
-          </a:bodyPr>
-          <a:lstStyle/>
-          <a:p>
-            <a:r>
-              <a:rPr lang="en-US" altLang="ko-KR" sz="2400" dirty="0"/>
-              <a:t>Max-heap</a:t>
-            </a:r>
-          </a:p>
-          <a:p>
-            <a:r>
-              <a:rPr lang="ko-KR" altLang="en-US" sz="2400" b="1" dirty="0">
-                <a:solidFill>
-                  <a:srgbClr val="FF0000"/>
-                </a:solidFill>
-              </a:rPr>
-              <a:t>부모 노드는 자식 노드에 들어있는 값보다 크다</a:t>
-            </a:r>
-            <a:r>
-              <a:rPr lang="en-US" altLang="ko-KR" sz="2400" b="1" dirty="0">
-                <a:solidFill>
-                  <a:srgbClr val="FF0000"/>
-                </a:solidFill>
-              </a:rPr>
-              <a:t>.</a:t>
-            </a:r>
-          </a:p>
-          <a:p>
-            <a:r>
-              <a:rPr lang="en-US" altLang="ko-KR" sz="2400" dirty="0"/>
-              <a:t>(</a:t>
-            </a:r>
-            <a:r>
-              <a:rPr lang="ko-KR" altLang="en-US" sz="2400" dirty="0" err="1"/>
-              <a:t>힙의</a:t>
-            </a:r>
-            <a:r>
-              <a:rPr lang="ko-KR" altLang="en-US" sz="2400" dirty="0"/>
-              <a:t> 대소 관계 규칙</a:t>
-            </a:r>
-            <a:r>
-              <a:rPr lang="en-US" altLang="ko-KR" sz="2400" dirty="0"/>
-              <a:t>)</a:t>
-            </a:r>
-          </a:p>
-          <a:p>
-            <a:endParaRPr lang="en-US" altLang="ko-KR" sz="2400" dirty="0"/>
-          </a:p>
-          <a:p>
-            <a:endParaRPr lang="en-US" altLang="ko-KR" sz="2400" dirty="0"/>
-          </a:p>
-          <a:p>
-            <a:r>
-              <a:rPr lang="en-US" altLang="ko-KR" sz="2400" dirty="0"/>
-              <a:t>Min-heap</a:t>
-            </a:r>
-          </a:p>
-          <a:p>
-            <a:r>
-              <a:rPr lang="ko-KR" altLang="en-US" sz="2400" dirty="0"/>
-              <a:t>부모 노드는 자식 노드에 들어있는 값보다 작다</a:t>
-            </a:r>
-            <a:r>
-              <a:rPr lang="en-US" altLang="ko-KR" sz="2400" dirty="0"/>
-              <a:t>.</a:t>
-            </a:r>
-            <a:endParaRPr lang="ko-KR" altLang="en-US" sz="2400" dirty="0"/>
-          </a:p>
-        </p:txBody>
-      </p:sp>
       <p:pic>
         <p:nvPicPr>
-          <p:cNvPr id="4" name="그림 3">
-            <a:extLst>
-              <a:ext uri="{FF2B5EF4-FFF2-40B4-BE49-F238E27FC236}">
-                <a16:creationId xmlns:a16="http://schemas.microsoft.com/office/drawing/2014/main" id="{2EF8413A-29ED-4262-BF72-7387B458E347}"/>
-              </a:ext>
-            </a:extLst>
-          </p:cNvPr>
-          <p:cNvPicPr>
-            <a:picLocks noChangeAspect="1"/>
-          </p:cNvPicPr>
-          <p:nvPr/>
-        </p:nvPicPr>
-        <p:blipFill>
-          <a:blip r:embed="rId2"/>
-          <a:stretch>
-            <a:fillRect/>
-          </a:stretch>
-        </p:blipFill>
-        <p:spPr>
-          <a:xfrm>
-            <a:off x="8848300" y="1964632"/>
-            <a:ext cx="1695450" cy="1343025"/>
-          </a:xfrm>
-          <a:prstGeom prst="rect">
-            <a:avLst/>
-          </a:prstGeom>
-        </p:spPr>
-      </p:pic>
-      <p:pic>
-        <p:nvPicPr>
-          <p:cNvPr id="5" name="그림 4">
-            <a:extLst>
-              <a:ext uri="{FF2B5EF4-FFF2-40B4-BE49-F238E27FC236}">
-                <a16:creationId xmlns:a16="http://schemas.microsoft.com/office/drawing/2014/main" id="{55AE68F4-5937-4A07-B222-F84D08CFCBB1}"/>
+          <p:cNvPr id="3" name="그림 2">
+            <a:extLst>
+              <a:ext uri="{FF2B5EF4-FFF2-40B4-BE49-F238E27FC236}">
+                <a16:creationId xmlns:a16="http://schemas.microsoft.com/office/drawing/2014/main" id="{81F373DA-4242-41BB-8993-8C973C041815}"/>
               </a:ext>
             </a:extLst>
           </p:cNvPr>
@@ -8041,18 +9634,346 @@
         </p:blipFill>
         <p:spPr>
           <a:xfrm>
-            <a:off x="8791150" y="3910786"/>
-            <a:ext cx="1752600" cy="1304925"/>
+            <a:off x="973666" y="1536170"/>
+            <a:ext cx="4124325" cy="1685925"/>
           </a:xfrm>
           <a:prstGeom prst="rect">
             <a:avLst/>
           </a:prstGeom>
         </p:spPr>
       </p:pic>
+      <p:sp>
+        <p:nvSpPr>
+          <p:cNvPr id="5" name="TextBox 4">
+            <a:extLst>
+              <a:ext uri="{FF2B5EF4-FFF2-40B4-BE49-F238E27FC236}">
+                <a16:creationId xmlns:a16="http://schemas.microsoft.com/office/drawing/2014/main" id="{9DED2E32-2C44-4C44-A690-48C3ED4782C2}"/>
+              </a:ext>
+            </a:extLst>
+          </p:cNvPr>
+          <p:cNvSpPr txBox="1"/>
+          <p:nvPr/>
+        </p:nvSpPr>
+        <p:spPr>
+          <a:xfrm>
+            <a:off x="973666" y="920496"/>
+            <a:ext cx="2798971" cy="461665"/>
+          </a:xfrm>
+          <a:prstGeom prst="rect">
+            <a:avLst/>
+          </a:prstGeom>
+          <a:noFill/>
+        </p:spPr>
+        <p:txBody>
+          <a:bodyPr wrap="none" rtlCol="0">
+            <a:spAutoFit/>
+          </a:bodyPr>
+          <a:lstStyle/>
+          <a:p>
+            <a:r>
+              <a:rPr lang="en-US" altLang="ko-KR" sz="2400" dirty="0"/>
+              <a:t>Perfect Binary Tree</a:t>
+            </a:r>
+            <a:endParaRPr lang="ko-KR" altLang="en-US" sz="2400" dirty="0"/>
+          </a:p>
+        </p:txBody>
+      </p:sp>
+      <p:sp>
+        <p:nvSpPr>
+          <p:cNvPr id="8" name="TextBox 7">
+            <a:extLst>
+              <a:ext uri="{FF2B5EF4-FFF2-40B4-BE49-F238E27FC236}">
+                <a16:creationId xmlns:a16="http://schemas.microsoft.com/office/drawing/2014/main" id="{501E6973-B04C-4826-A4DF-16B503302284}"/>
+              </a:ext>
+            </a:extLst>
+          </p:cNvPr>
+          <p:cNvSpPr txBox="1"/>
+          <p:nvPr/>
+        </p:nvSpPr>
+        <p:spPr>
+          <a:xfrm>
+            <a:off x="973666" y="3525839"/>
+            <a:ext cx="3358035" cy="461665"/>
+          </a:xfrm>
+          <a:prstGeom prst="rect">
+            <a:avLst/>
+          </a:prstGeom>
+          <a:noFill/>
+        </p:spPr>
+        <p:txBody>
+          <a:bodyPr wrap="none" rtlCol="0">
+            <a:spAutoFit/>
+          </a:bodyPr>
+          <a:lstStyle/>
+          <a:p>
+            <a:r>
+              <a:rPr lang="en-US" altLang="ko-KR" sz="2400" b="1" dirty="0">
+                <a:solidFill>
+                  <a:srgbClr val="FF0000"/>
+                </a:solidFill>
+              </a:rPr>
+              <a:t>Complete Binary Tree</a:t>
+            </a:r>
+            <a:endParaRPr lang="ko-KR" altLang="en-US" sz="2400" b="1" dirty="0">
+              <a:solidFill>
+                <a:srgbClr val="FF0000"/>
+              </a:solidFill>
+            </a:endParaRPr>
+          </a:p>
+        </p:txBody>
+      </p:sp>
+      <p:pic>
+        <p:nvPicPr>
+          <p:cNvPr id="9" name="그림 8">
+            <a:extLst>
+              <a:ext uri="{FF2B5EF4-FFF2-40B4-BE49-F238E27FC236}">
+                <a16:creationId xmlns:a16="http://schemas.microsoft.com/office/drawing/2014/main" id="{8F6F83C4-F08D-424C-97FD-05ADC7144E03}"/>
+              </a:ext>
+            </a:extLst>
+          </p:cNvPr>
+          <p:cNvPicPr>
+            <a:picLocks noChangeAspect="1"/>
+          </p:cNvPicPr>
+          <p:nvPr/>
+        </p:nvPicPr>
+        <p:blipFill rotWithShape="1">
+          <a:blip r:embed="rId4"/>
+          <a:srcRect l="3909"/>
+          <a:stretch/>
+        </p:blipFill>
+        <p:spPr>
+          <a:xfrm>
+            <a:off x="1046362" y="4146804"/>
+            <a:ext cx="3706812" cy="1790700"/>
+          </a:xfrm>
+          <a:prstGeom prst="rect">
+            <a:avLst/>
+          </a:prstGeom>
+        </p:spPr>
+      </p:pic>
+      <p:sp>
+        <p:nvSpPr>
+          <p:cNvPr id="10" name="TextBox 9">
+            <a:extLst>
+              <a:ext uri="{FF2B5EF4-FFF2-40B4-BE49-F238E27FC236}">
+                <a16:creationId xmlns:a16="http://schemas.microsoft.com/office/drawing/2014/main" id="{C778DA83-5444-43E5-B9C1-E342D08A475A}"/>
+              </a:ext>
+            </a:extLst>
+          </p:cNvPr>
+          <p:cNvSpPr txBox="1"/>
+          <p:nvPr/>
+        </p:nvSpPr>
+        <p:spPr>
+          <a:xfrm>
+            <a:off x="5623899" y="1412917"/>
+            <a:ext cx="4455066" cy="1700787"/>
+          </a:xfrm>
+          <a:prstGeom prst="rect">
+            <a:avLst/>
+          </a:prstGeom>
+          <a:noFill/>
+        </p:spPr>
+        <p:txBody>
+          <a:bodyPr wrap="none" rtlCol="0">
+            <a:spAutoFit/>
+          </a:bodyPr>
+          <a:lstStyle/>
+          <a:p>
+            <a:pPr marL="285750" indent="-285750">
+              <a:lnSpc>
+                <a:spcPct val="150000"/>
+              </a:lnSpc>
+              <a:buFont typeface="Arial" panose="020B0604020202020204" pitchFamily="34" charset="0"/>
+              <a:buChar char="•"/>
+            </a:pPr>
+            <a:r>
+              <a:rPr lang="ko-KR" altLang="en-US" dirty="0"/>
+              <a:t>리프 노드를 제외한 노드의 자식 수 </a:t>
+            </a:r>
+            <a:r>
+              <a:rPr lang="en-US" altLang="ko-KR" dirty="0"/>
+              <a:t>: 2</a:t>
+            </a:r>
+          </a:p>
+          <a:p>
+            <a:pPr marL="285750" indent="-285750">
+              <a:lnSpc>
+                <a:spcPct val="150000"/>
+              </a:lnSpc>
+              <a:buFont typeface="Arial" panose="020B0604020202020204" pitchFamily="34" charset="0"/>
+              <a:buChar char="•"/>
+            </a:pPr>
+            <a:r>
+              <a:rPr lang="ko-KR" altLang="en-US" dirty="0"/>
+              <a:t>리프 노드의 자식의 수 </a:t>
+            </a:r>
+            <a:r>
+              <a:rPr lang="en-US" altLang="ko-KR" dirty="0"/>
+              <a:t>: 0</a:t>
+            </a:r>
+          </a:p>
+          <a:p>
+            <a:pPr marL="285750" indent="-285750">
+              <a:lnSpc>
+                <a:spcPct val="150000"/>
+              </a:lnSpc>
+              <a:buFont typeface="Arial" panose="020B0604020202020204" pitchFamily="34" charset="0"/>
+              <a:buChar char="•"/>
+            </a:pPr>
+            <a:r>
+              <a:rPr lang="ko-KR" altLang="en-US" dirty="0"/>
+              <a:t>모든 리프 노드의 </a:t>
+            </a:r>
+            <a:r>
+              <a:rPr lang="en-US" altLang="ko-KR" dirty="0"/>
+              <a:t>depth</a:t>
+            </a:r>
+            <a:r>
+              <a:rPr lang="ko-KR" altLang="en-US" dirty="0"/>
+              <a:t>가 같아야 함</a:t>
+            </a:r>
+            <a:endParaRPr lang="en-US" altLang="ko-KR" dirty="0"/>
+          </a:p>
+          <a:p>
+            <a:pPr marL="285750" indent="-285750">
+              <a:lnSpc>
+                <a:spcPct val="150000"/>
+              </a:lnSpc>
+              <a:buFont typeface="Arial" panose="020B0604020202020204" pitchFamily="34" charset="0"/>
+              <a:buChar char="•"/>
+            </a:pPr>
+            <a:r>
+              <a:rPr lang="ko-KR" altLang="en-US" dirty="0"/>
+              <a:t>높이가 </a:t>
+            </a:r>
+            <a:r>
+              <a:rPr lang="en-US" altLang="ko-KR" dirty="0"/>
+              <a:t>h</a:t>
+            </a:r>
+            <a:r>
+              <a:rPr lang="ko-KR" altLang="en-US" dirty="0"/>
+              <a:t>인 트리의 노드 개수 </a:t>
+            </a:r>
+            <a:r>
+              <a:rPr lang="en-US" altLang="ko-KR" dirty="0"/>
+              <a:t>= 2^h-1</a:t>
+            </a:r>
+            <a:endParaRPr lang="ko-KR" altLang="en-US" dirty="0"/>
+          </a:p>
+        </p:txBody>
+      </p:sp>
+      <p:sp>
+        <p:nvSpPr>
+          <p:cNvPr id="11" name="TextBox 10">
+            <a:extLst>
+              <a:ext uri="{FF2B5EF4-FFF2-40B4-BE49-F238E27FC236}">
+                <a16:creationId xmlns:a16="http://schemas.microsoft.com/office/drawing/2014/main" id="{3F2E66BD-161E-4960-9ED1-B3D6908E71D3}"/>
+              </a:ext>
+            </a:extLst>
+          </p:cNvPr>
+          <p:cNvSpPr txBox="1"/>
+          <p:nvPr/>
+        </p:nvSpPr>
+        <p:spPr>
+          <a:xfrm>
+            <a:off x="5623899" y="4012692"/>
+            <a:ext cx="6354625" cy="1700787"/>
+          </a:xfrm>
+          <a:prstGeom prst="rect">
+            <a:avLst/>
+          </a:prstGeom>
+          <a:noFill/>
+        </p:spPr>
+        <p:txBody>
+          <a:bodyPr wrap="none" rtlCol="0">
+            <a:spAutoFit/>
+          </a:bodyPr>
+          <a:lstStyle/>
+          <a:p>
+            <a:pPr marL="285750" indent="-285750">
+              <a:lnSpc>
+                <a:spcPct val="150000"/>
+              </a:lnSpc>
+              <a:buFont typeface="Arial" panose="020B0604020202020204" pitchFamily="34" charset="0"/>
+              <a:buChar char="•"/>
+            </a:pPr>
+            <a:r>
+              <a:rPr lang="ko-KR" altLang="en-US" dirty="0"/>
+              <a:t>마지막 레벨에는 노드가 일부는 없을 수도 있음</a:t>
+            </a:r>
+            <a:endParaRPr lang="en-US" altLang="ko-KR" dirty="0"/>
+          </a:p>
+          <a:p>
+            <a:pPr>
+              <a:lnSpc>
+                <a:spcPct val="150000"/>
+              </a:lnSpc>
+            </a:pPr>
+            <a:r>
+              <a:rPr lang="en-US" altLang="ko-KR" dirty="0"/>
+              <a:t>(</a:t>
+            </a:r>
+            <a:r>
+              <a:rPr lang="ko-KR" altLang="en-US" dirty="0"/>
+              <a:t>마지막 레벨을 제외한 모든 레벨에 노드가 꽉 </a:t>
+            </a:r>
+            <a:r>
+              <a:rPr lang="ko-KR" altLang="en-US" dirty="0" err="1"/>
+              <a:t>차있어야</a:t>
+            </a:r>
+            <a:r>
+              <a:rPr lang="ko-KR" altLang="en-US" dirty="0"/>
+              <a:t> 함</a:t>
+            </a:r>
+            <a:r>
+              <a:rPr lang="en-US" altLang="ko-KR" dirty="0"/>
+              <a:t>)</a:t>
+            </a:r>
+          </a:p>
+          <a:p>
+            <a:pPr marL="285750" indent="-285750">
+              <a:lnSpc>
+                <a:spcPct val="150000"/>
+              </a:lnSpc>
+              <a:buFont typeface="Arial" panose="020B0604020202020204" pitchFamily="34" charset="0"/>
+              <a:buChar char="•"/>
+            </a:pPr>
+            <a:r>
+              <a:rPr lang="ko-KR" altLang="en-US" dirty="0"/>
+              <a:t>마지막 레벨은 가장 왼쪽부터 순서대로 채워져 있어야 함</a:t>
+            </a:r>
+          </a:p>
+          <a:p>
+            <a:pPr marL="285750" indent="-285750">
+              <a:lnSpc>
+                <a:spcPct val="150000"/>
+              </a:lnSpc>
+              <a:buFont typeface="Arial" panose="020B0604020202020204" pitchFamily="34" charset="0"/>
+              <a:buChar char="•"/>
+            </a:pPr>
+            <a:r>
+              <a:rPr lang="ko-KR" altLang="en-US" dirty="0"/>
+              <a:t>높이 </a:t>
+            </a:r>
+            <a:r>
+              <a:rPr lang="en-US" altLang="ko-KR" dirty="0"/>
+              <a:t>O(</a:t>
+            </a:r>
+            <a:r>
+              <a:rPr lang="en-US" altLang="ko-KR" dirty="0" err="1"/>
+              <a:t>lgN</a:t>
+            </a:r>
+            <a:r>
+              <a:rPr lang="en-US" altLang="ko-KR" dirty="0"/>
+              <a:t>)</a:t>
+            </a:r>
+          </a:p>
+        </p:txBody>
+      </p:sp>
     </p:spTree>
     <p:extLst>
       <p:ext uri="{BB962C8B-B14F-4D97-AF65-F5344CB8AC3E}">
-        <p14:creationId xmlns:p14="http://schemas.microsoft.com/office/powerpoint/2010/main" val="2188197621"/>
+        <p14:creationId xmlns:p14="http://schemas.microsoft.com/office/powerpoint/2010/main" val="3956970160"/>
       </p:ext>
     </p:extLst>
   </p:cSld>
@@ -8208,7 +10129,7 @@
           <p:nvPr/>
         </p:nvPicPr>
         <p:blipFill>
-          <a:blip r:embed="rId2"/>
+          <a:blip r:embed="rId3"/>
           <a:stretch>
             <a:fillRect/>
           </a:stretch>
@@ -8304,7 +10225,7 @@
           <p:nvPr/>
         </p:nvPicPr>
         <p:blipFill>
-          <a:blip r:embed="rId2"/>
+          <a:blip r:embed="rId3"/>
           <a:stretch>
             <a:fillRect/>
           </a:stretch>
@@ -8588,7 +10509,7 @@
           <p:nvPr/>
         </p:nvPicPr>
         <p:blipFill>
-          <a:blip r:embed="rId2"/>
+          <a:blip r:embed="rId3"/>
           <a:stretch>
             <a:fillRect/>
           </a:stretch>
@@ -8877,7 +10798,7 @@
         </p:blipFill>
         <p:spPr>
           <a:xfrm>
-            <a:off x="4144819" y="2329243"/>
+            <a:off x="4144819" y="1860243"/>
             <a:ext cx="3902362" cy="2199513"/>
           </a:xfrm>
           <a:prstGeom prst="rect">
@@ -8885,6 +10806,89 @@
           </a:prstGeom>
         </p:spPr>
       </p:pic>
+      <p:sp>
+        <p:nvSpPr>
+          <p:cNvPr id="4" name="TextBox 3">
+            <a:extLst>
+              <a:ext uri="{FF2B5EF4-FFF2-40B4-BE49-F238E27FC236}">
+                <a16:creationId xmlns:a16="http://schemas.microsoft.com/office/drawing/2014/main" id="{A58EE8D1-7DFA-494C-9668-C9093D8B4AF8}"/>
+              </a:ext>
+            </a:extLst>
+          </p:cNvPr>
+          <p:cNvSpPr txBox="1"/>
+          <p:nvPr/>
+        </p:nvSpPr>
+        <p:spPr>
+          <a:xfrm>
+            <a:off x="893189" y="1548300"/>
+            <a:ext cx="1524776" cy="461665"/>
+          </a:xfrm>
+          <a:prstGeom prst="rect">
+            <a:avLst/>
+          </a:prstGeom>
+          <a:noFill/>
+        </p:spPr>
+        <p:txBody>
+          <a:bodyPr wrap="none" rtlCol="0">
+            <a:spAutoFit/>
+          </a:bodyPr>
+          <a:lstStyle/>
+          <a:p>
+            <a:r>
+              <a:rPr lang="ko-KR" altLang="en-US" sz="2400" dirty="0"/>
+              <a:t>최종 결과</a:t>
+            </a:r>
+          </a:p>
+        </p:txBody>
+      </p:sp>
+      <p:sp>
+        <p:nvSpPr>
+          <p:cNvPr id="5" name="TextBox 4">
+            <a:extLst>
+              <a:ext uri="{FF2B5EF4-FFF2-40B4-BE49-F238E27FC236}">
+                <a16:creationId xmlns:a16="http://schemas.microsoft.com/office/drawing/2014/main" id="{E76206A2-21B4-4F6E-B43F-6A837970ADA7}"/>
+              </a:ext>
+            </a:extLst>
+          </p:cNvPr>
+          <p:cNvSpPr txBox="1"/>
+          <p:nvPr/>
+        </p:nvSpPr>
+        <p:spPr>
+          <a:xfrm>
+            <a:off x="893189" y="4453511"/>
+            <a:ext cx="2789546" cy="461665"/>
+          </a:xfrm>
+          <a:prstGeom prst="rect">
+            <a:avLst/>
+          </a:prstGeom>
+          <a:noFill/>
+        </p:spPr>
+        <p:txBody>
+          <a:bodyPr wrap="none" rtlCol="0">
+            <a:spAutoFit/>
+          </a:bodyPr>
+          <a:lstStyle/>
+          <a:p>
+            <a:r>
+              <a:rPr lang="ko-KR" altLang="en-US" sz="2400" dirty="0" err="1"/>
+              <a:t>시간복잡도</a:t>
+            </a:r>
+            <a:r>
+              <a:rPr lang="en-US" altLang="ko-KR" sz="2400" dirty="0"/>
+              <a:t>?O(</a:t>
+            </a:r>
+            <a:r>
+              <a:rPr lang="en-US" altLang="ko-KR" sz="2400" dirty="0" err="1"/>
+              <a:t>lgN</a:t>
+            </a:r>
+            <a:r>
+              <a:rPr lang="en-US" altLang="ko-KR" sz="2400" dirty="0"/>
+              <a:t>)</a:t>
+            </a:r>
+            <a:endParaRPr lang="ko-KR" altLang="en-US" sz="2400" dirty="0"/>
+          </a:p>
+        </p:txBody>
+      </p:sp>
     </p:spTree>
     <p:extLst>
       <p:ext uri="{BB962C8B-B14F-4D97-AF65-F5344CB8AC3E}">
@@ -9191,4 +11195,299 @@
     </a:ext>
   </a:extLst>
 </a:theme>
+</file>
+
+<file path=ppt/theme/theme2.xml><?xml version="1.0" encoding="utf-8"?>
+<a:theme xmlns:a="http://schemas.openxmlformats.org/drawingml/2006/main" name="Office 테마">
+  <a:themeElements>
+    <a:clrScheme name="Office">
+      <a:dk1>
+        <a:sysClr val="windowText" lastClr="000000"/>
+      </a:dk1>
+      <a:lt1>
+        <a:sysClr val="window" lastClr="FFFFFF"/>
+      </a:lt1>
+      <a:dk2>
+        <a:srgbClr val="44546A"/>
+      </a:dk2>
+      <a:lt2>
+        <a:srgbClr val="E7E6E6"/>
+      </a:lt2>
+      <a:accent1>
+        <a:srgbClr val="4472C4"/>
+      </a:accent1>
+      <a:accent2>
+        <a:srgbClr val="ED7D31"/>
+      </a:accent2>
+      <a:accent3>
+        <a:srgbClr val="A5A5A5"/>
+      </a:accent3>
+      <a:accent4>
+        <a:srgbClr val="FFC000"/>
+      </a:accent4>
+      <a:accent5>
+        <a:srgbClr val="5B9BD5"/>
+      </a:accent5>
+      <a:accent6>
+        <a:srgbClr val="70AD47"/>
+      </a:accent6>
+      <a:hlink>
+        <a:srgbClr val="0563C1"/>
+      </a:hlink>
+      <a:folHlink>
+        <a:srgbClr val="954F72"/>
+      </a:folHlink>
+    </a:clrScheme>
+    <a:fontScheme name="Office">
+      <a:majorFont>
+        <a:latin typeface="맑은 고딕" panose="020F0302020204030204"/>
+        <a:ea typeface=""/>
+        <a:cs typeface=""/>
+        <a:font script="Jpan" typeface="游ゴシック Light"/>
+        <a:font script="Hang" typeface="맑은 고딕"/>
+        <a:font script="Hans" typeface="等线 Light"/>
+        <a:font script="Hant" typeface="新細明體"/>
+        <a:font script="Arab" typeface="Times New Roman"/>
+        <a:font script="Hebr" typeface="Times New Roman"/>
+        <a:font script="Thai" typeface="Angsana New"/>
+        <a:font script="Ethi" typeface="Nyala"/>
+        <a:font script="Beng" typeface="Vrinda"/>
+        <a:font script="Gujr" typeface="Shruti"/>
+        <a:font script="Khmr" typeface="MoolBoran"/>
+        <a:font script="Knda" typeface="Tunga"/>
+        <a:font script="Guru" typeface="Raavi"/>
+        <a:font script="Cans" typeface="Euphemia"/>
+        <a:font script="Cher" typeface="Plantagenet Cherokee"/>
+        <a:font script="Yiii" typeface="Microsoft Yi Baiti"/>
+        <a:font script="Tibt" typeface="Microsoft Himalaya"/>
+        <a:font script="Thaa" typeface="MV Boli"/>
+        <a:font script="Deva" typeface="Mangal"/>
+        <a:font script="Telu" typeface="Gautami"/>
+        <a:font script="Taml" typeface="Latha"/>
+        <a:font script="Syrc" typeface="Estrangelo Edessa"/>
+        <a:font script="Orya" typeface="Kalinga"/>
+        <a:font script="Mlym" typeface="Kartika"/>
+        <a:font script="Laoo" typeface="DokChampa"/>
+        <a:font script="Sinh" typeface="Iskoola Pota"/>
+        <a:font script="Mong" typeface="Mongolian Baiti"/>
+        <a:font script="Viet" typeface="Times New Roman"/>
+        <a:font script="Uigh" typeface="Microsoft Uighur"/>
+        <a:font script="Geor" typeface="Sylfaen"/>
+        <a:font script="Armn" typeface="Arial"/>
+        <a:font script="Bugi" typeface="Leelawadee UI"/>
+        <a:font script="Bopo" typeface="Microsoft JhengHei"/>
+        <a:font script="Java" typeface="Javanese Text"/>
+        <a:font script="Lisu" typeface="Segoe UI"/>
+        <a:font script="Mymr" typeface="Myanmar Text"/>
+        <a:font script="Nkoo" typeface="Ebrima"/>
+        <a:font script="Olck" typeface="Nirmala UI"/>
+        <a:font script="Osma" typeface="Ebrima"/>
+        <a:font script="Phag" typeface="Phagspa"/>
+        <a:font script="Syrn" typeface="Estrangelo Edessa"/>
+        <a:font script="Syrj" typeface="Estrangelo Edessa"/>
+        <a:font script="Syre" typeface="Estrangelo Edessa"/>
+        <a:font script="Sora" typeface="Nirmala UI"/>
+        <a:font script="Tale" typeface="Microsoft Tai Le"/>
+        <a:font script="Talu" typeface="Microsoft New Tai Lue"/>
+        <a:font script="Tfng" typeface="Ebrima"/>
+      </a:majorFont>
+      <a:minorFont>
+        <a:latin typeface="맑은 고딕" panose="020F0502020204030204"/>
+        <a:ea typeface=""/>
+        <a:cs typeface=""/>
+        <a:font script="Jpan" typeface="游ゴシック"/>
+        <a:font script="Hang" typeface="맑은 고딕"/>
+        <a:font script="Hans" typeface="等线"/>
+        <a:font script="Hant" typeface="新細明體"/>
+        <a:font script="Arab" typeface="Arial"/>
+        <a:font script="Hebr" typeface="Arial"/>
+        <a:font script="Thai" typeface="Cordia New"/>
+        <a:font script="Ethi" typeface="Nyala"/>
+        <a:font script="Beng" typeface="Vrinda"/>
+        <a:font script="Gujr" typeface="Shruti"/>
+        <a:font script="Khmr" typeface="DaunPenh"/>
+        <a:font script="Knda" typeface="Tunga"/>
+        <a:font script="Guru" typeface="Raavi"/>
+        <a:font script="Cans" typeface="Euphemia"/>
+        <a:font script="Cher" typeface="Plantagenet Cherokee"/>
+        <a:font script="Yiii" typeface="Microsoft Yi Baiti"/>
+        <a:font script="Tibt" typeface="Microsoft Himalaya"/>
+        <a:font script="Thaa" typeface="MV Boli"/>
+        <a:font script="Deva" typeface="Mangal"/>
+        <a:font script="Telu" typeface="Gautami"/>
+        <a:font script="Taml" typeface="Latha"/>
+        <a:font script="Syrc" typeface="Estrangelo Edessa"/>
+        <a:font script="Orya" typeface="Kalinga"/>
+        <a:font script="Mlym" typeface="Kartika"/>
+        <a:font script="Laoo" typeface="DokChampa"/>
+        <a:font script="Sinh" typeface="Iskoola Pota"/>
+        <a:font script="Mong" typeface="Mongolian Baiti"/>
+        <a:font script="Viet" typeface="Arial"/>
+        <a:font script="Uigh" typeface="Microsoft Uighur"/>
+        <a:font script="Geor" typeface="Sylfaen"/>
+        <a:font script="Armn" typeface="Arial"/>
+        <a:font script="Bugi" typeface="Leelawadee UI"/>
+        <a:font script="Bopo" typeface="Microsoft JhengHei"/>
+        <a:font script="Java" typeface="Javanese Text"/>
+        <a:font script="Lisu" typeface="Segoe UI"/>
+        <a:font script="Mymr" typeface="Myanmar Text"/>
+        <a:font script="Nkoo" typeface="Ebrima"/>
+        <a:font script="Olck" typeface="Nirmala UI"/>
+        <a:font script="Osma" typeface="Ebrima"/>
+        <a:font script="Phag" typeface="Phagspa"/>
+        <a:font script="Syrn" typeface="Estrangelo Edessa"/>
+        <a:font script="Syrj" typeface="Estrangelo Edessa"/>
+        <a:font script="Syre" typeface="Estrangelo Edessa"/>
+        <a:font script="Sora" typeface="Nirmala UI"/>
+        <a:font script="Tale" typeface="Microsoft Tai Le"/>
+        <a:font script="Talu" typeface="Microsoft New Tai Lue"/>
+        <a:font script="Tfng" typeface="Ebrima"/>
+      </a:minorFont>
+    </a:fontScheme>
+    <a:fmtScheme name="Office">
+      <a:fillStyleLst>
+        <a:solidFill>
+          <a:schemeClr val="phClr"/>
+        </a:solidFill>
+        <a:gradFill rotWithShape="1">
+          <a:gsLst>
+            <a:gs pos="0">
+              <a:schemeClr val="phClr">
+                <a:lumMod val="110000"/>
+                <a:satMod val="105000"/>
+                <a:tint val="67000"/>
+              </a:schemeClr>
+            </a:gs>
+            <a:gs pos="50000">
+              <a:schemeClr val="phClr">
+                <a:lumMod val="105000"/>
+                <a:satMod val="103000"/>
+                <a:tint val="73000"/>
+              </a:schemeClr>
+            </a:gs>
+            <a:gs pos="100000">
+              <a:schemeClr val="phClr">
+                <a:lumMod val="105000"/>
+                <a:satMod val="109000"/>
+                <a:tint val="81000"/>
+              </a:schemeClr>
+            </a:gs>
+          </a:gsLst>
+          <a:lin ang="5400000" scaled="0"/>
+        </a:gradFill>
+        <a:gradFill rotWithShape="1">
+          <a:gsLst>
+            <a:gs pos="0">
+              <a:schemeClr val="phClr">
+                <a:satMod val="103000"/>
+                <a:lumMod val="102000"/>
+                <a:tint val="94000"/>
+              </a:schemeClr>
+            </a:gs>
+            <a:gs pos="50000">
+              <a:schemeClr val="phClr">
+                <a:satMod val="110000"/>
+                <a:lumMod val="100000"/>
+                <a:shade val="100000"/>
+              </a:schemeClr>
+            </a:gs>
+            <a:gs pos="100000">
+              <a:schemeClr val="phClr">
+                <a:lumMod val="99000"/>
+                <a:satMod val="120000"/>
+                <a:shade val="78000"/>
+              </a:schemeClr>
+            </a:gs>
+          </a:gsLst>
+          <a:lin ang="5400000" scaled="0"/>
+        </a:gradFill>
+      </a:fillStyleLst>
+      <a:lnStyleLst>
+        <a:ln w="6350" cap="flat" cmpd="sng" algn="ctr">
+          <a:solidFill>
+            <a:schemeClr val="phClr"/>
+          </a:solidFill>
+          <a:prstDash val="solid"/>
+          <a:miter lim="800000"/>
+        </a:ln>
+        <a:ln w="12700" cap="flat" cmpd="sng" algn="ctr">
+          <a:solidFill>
+            <a:schemeClr val="phClr"/>
+          </a:solidFill>
+          <a:prstDash val="solid"/>
+          <a:miter lim="800000"/>
+        </a:ln>
+        <a:ln w="19050" cap="flat" cmpd="sng" algn="ctr">
+          <a:solidFill>
+            <a:schemeClr val="phClr"/>
+          </a:solidFill>
+          <a:prstDash val="solid"/>
+          <a:miter lim="800000"/>
+        </a:ln>
+      </a:lnStyleLst>
+      <a:effectStyleLst>
+        <a:effectStyle>
+          <a:effectLst/>
+        </a:effectStyle>
+        <a:effectStyle>
+          <a:effectLst/>
+        </a:effectStyle>
+        <a:effectStyle>
+          <a:effectLst>
+            <a:outerShdw blurRad="57150" dist="19050" dir="5400000" algn="ctr" rotWithShape="0">
+              <a:srgbClr val="000000">
+                <a:alpha val="63000"/>
+              </a:srgbClr>
+            </a:outerShdw>
+          </a:effectLst>
+        </a:effectStyle>
+      </a:effectStyleLst>
+      <a:bgFillStyleLst>
+        <a:solidFill>
+          <a:schemeClr val="phClr"/>
+        </a:solidFill>
+        <a:solidFill>
+          <a:schemeClr val="phClr">
+            <a:tint val="95000"/>
+            <a:satMod val="170000"/>
+          </a:schemeClr>
+        </a:solidFill>
+        <a:gradFill rotWithShape="1">
+          <a:gsLst>
+            <a:gs pos="0">
+              <a:schemeClr val="phClr">
+                <a:tint val="93000"/>
+                <a:satMod val="150000"/>
+                <a:shade val="98000"/>
+                <a:lumMod val="102000"/>
+              </a:schemeClr>
+            </a:gs>
+            <a:gs pos="50000">
+              <a:schemeClr val="phClr">
+                <a:tint val="98000"/>
+                <a:satMod val="130000"/>
+                <a:shade val="90000"/>
+                <a:lumMod val="103000"/>
+              </a:schemeClr>
+            </a:gs>
+            <a:gs pos="100000">
+              <a:schemeClr val="phClr">
+                <a:shade val="63000"/>
+                <a:satMod val="120000"/>
+              </a:schemeClr>
+            </a:gs>
+          </a:gsLst>
+          <a:lin ang="5400000" scaled="0"/>
+        </a:gradFill>
+      </a:bgFillStyleLst>
+    </a:fmtScheme>
+  </a:themeElements>
+  <a:objectDefaults/>
+  <a:extraClrSchemeLst/>
+  <a:extLst>
+    <a:ext uri="{05A4C25C-085E-4340-85A3-A5531E510DB2}">
+      <thm15:themeFamily xmlns:thm15="http://schemas.microsoft.com/office/thememl/2012/main" name="Office Theme" id="{62F939B6-93AF-4DB8-9C6B-D6C7DFDC589F}" vid="{4A3C46E8-61CC-4603-A589-7422A47A8E4A}"/>
+    </a:ext>
+  </a:extLst>
+</a:theme>
 </file>